--- a/Access Modifiers.pptx
+++ b/Access Modifiers.pptx
@@ -2,8 +2,11 @@
 <file path=ppt/presentation.xml><?xml version="1.0" encoding="utf-8"?>
 <p:presentation xmlns:a="http://schemas.openxmlformats.org/drawingml/2006/main" xmlns:r="http://schemas.openxmlformats.org/officeDocument/2006/relationships" xmlns:p="http://schemas.openxmlformats.org/presentationml/2006/main" saveSubsetFonts="1">
   <p:sldMasterIdLst>
-    <p:sldMasterId id="2147483725" r:id="rId1"/>
+    <p:sldMasterId id="2147483773" r:id="rId1"/>
   </p:sldMasterIdLst>
+  <p:notesMasterIdLst>
+    <p:notesMasterId r:id="rId13"/>
+  </p:notesMasterIdLst>
   <p:sldIdLst>
     <p:sldId id="256" r:id="rId2"/>
     <p:sldId id="265" r:id="rId3"/>
@@ -116,7 +119,7 @@
   </p:defaultTextStyle>
   <p:extLst>
     <p:ext uri="{521415D9-36F7-43E2-AB2F-B90AF26B5E84}">
-      <p14:sectionLst xmlns:p14="http://schemas.microsoft.com/office/powerpoint/2010/main">
+      <p14:sectionLst xmlns:p14="http://schemas.microsoft.com/office/powerpoint/2010/main" xmlns="">
         <p14:section name="Untitled Section" id="{6F077909-4751-4F5D-99F1-2F0194252145}">
           <p14:sldIdLst>
             <p14:sldId id="256"/>
@@ -138,8 +141,355 @@
 </p:presentation>
 </file>
 
+<file path=ppt/notesMasters/notesMaster1.xml><?xml version="1.0" encoding="utf-8"?>
+<p:notesMaster xmlns:a="http://schemas.openxmlformats.org/drawingml/2006/main" xmlns:r="http://schemas.openxmlformats.org/officeDocument/2006/relationships" xmlns:p="http://schemas.openxmlformats.org/presentationml/2006/main">
+  <p:cSld>
+    <p:bg>
+      <p:bgRef idx="1001">
+        <a:schemeClr val="bg1"/>
+      </p:bgRef>
+    </p:bg>
+    <p:spTree>
+      <p:nvGrpSpPr>
+        <p:cNvPr id="1" name=""/>
+        <p:cNvGrpSpPr/>
+        <p:nvPr/>
+      </p:nvGrpSpPr>
+      <p:grpSpPr>
+        <a:xfrm>
+          <a:off x="0" y="0"/>
+          <a:ext cx="0" cy="0"/>
+          <a:chOff x="0" y="0"/>
+          <a:chExt cx="0" cy="0"/>
+        </a:xfrm>
+      </p:grpSpPr>
+      <p:sp>
+        <p:nvSpPr>
+          <p:cNvPr id="2" name="Header Placeholder 1"/>
+          <p:cNvSpPr>
+            <a:spLocks noGrp="1"/>
+          </p:cNvSpPr>
+          <p:nvPr>
+            <p:ph type="hdr" sz="quarter"/>
+          </p:nvPr>
+        </p:nvSpPr>
+        <p:spPr>
+          <a:xfrm>
+            <a:off x="0" y="0"/>
+            <a:ext cx="2971800" cy="457200"/>
+          </a:xfrm>
+          <a:prstGeom prst="rect">
+            <a:avLst/>
+          </a:prstGeom>
+        </p:spPr>
+        <p:txBody>
+          <a:bodyPr vert="horz" lIns="91440" tIns="45720" rIns="91440" bIns="45720" rtlCol="0"/>
+          <a:lstStyle>
+            <a:lvl1pPr algn="l">
+              <a:defRPr sz="1200"/>
+            </a:lvl1pPr>
+          </a:lstStyle>
+          <a:p>
+            <a:endParaRPr lang="en-US"/>
+          </a:p>
+        </p:txBody>
+      </p:sp>
+      <p:sp>
+        <p:nvSpPr>
+          <p:cNvPr id="3" name="Date Placeholder 2"/>
+          <p:cNvSpPr>
+            <a:spLocks noGrp="1"/>
+          </p:cNvSpPr>
+          <p:nvPr>
+            <p:ph type="dt" idx="1"/>
+          </p:nvPr>
+        </p:nvSpPr>
+        <p:spPr>
+          <a:xfrm>
+            <a:off x="3884613" y="0"/>
+            <a:ext cx="2971800" cy="457200"/>
+          </a:xfrm>
+          <a:prstGeom prst="rect">
+            <a:avLst/>
+          </a:prstGeom>
+        </p:spPr>
+        <p:txBody>
+          <a:bodyPr vert="horz" lIns="91440" tIns="45720" rIns="91440" bIns="45720" rtlCol="0"/>
+          <a:lstStyle>
+            <a:lvl1pPr algn="r">
+              <a:defRPr sz="1200"/>
+            </a:lvl1pPr>
+          </a:lstStyle>
+          <a:p>
+            <a:fld id="{6FB245EF-2E7E-4732-803D-88C20A7C1AA4}" type="datetimeFigureOut">
+              <a:rPr lang="en-US" smtClean="0"/>
+              <a:t>7/19/2019</a:t>
+            </a:fld>
+            <a:endParaRPr lang="en-US"/>
+          </a:p>
+        </p:txBody>
+      </p:sp>
+      <p:sp>
+        <p:nvSpPr>
+          <p:cNvPr id="4" name="Slide Image Placeholder 3"/>
+          <p:cNvSpPr>
+            <a:spLocks noGrp="1" noRot="1" noChangeAspect="1"/>
+          </p:cNvSpPr>
+          <p:nvPr>
+            <p:ph type="sldImg" idx="2"/>
+          </p:nvPr>
+        </p:nvSpPr>
+        <p:spPr>
+          <a:xfrm>
+            <a:off x="381000" y="685800"/>
+            <a:ext cx="6096000" cy="3429000"/>
+          </a:xfrm>
+          <a:prstGeom prst="rect">
+            <a:avLst/>
+          </a:prstGeom>
+          <a:noFill/>
+          <a:ln w="12700">
+            <a:solidFill>
+              <a:prstClr val="black"/>
+            </a:solidFill>
+          </a:ln>
+        </p:spPr>
+        <p:txBody>
+          <a:bodyPr vert="horz" lIns="91440" tIns="45720" rIns="91440" bIns="45720" rtlCol="0" anchor="ctr"/>
+          <a:lstStyle/>
+          <a:p>
+            <a:endParaRPr lang="en-US"/>
+          </a:p>
+        </p:txBody>
+      </p:sp>
+      <p:sp>
+        <p:nvSpPr>
+          <p:cNvPr id="5" name="Notes Placeholder 4"/>
+          <p:cNvSpPr>
+            <a:spLocks noGrp="1"/>
+          </p:cNvSpPr>
+          <p:nvPr>
+            <p:ph type="body" sz="quarter" idx="3"/>
+          </p:nvPr>
+        </p:nvSpPr>
+        <p:spPr>
+          <a:xfrm>
+            <a:off x="685800" y="4343400"/>
+            <a:ext cx="5486400" cy="4114800"/>
+          </a:xfrm>
+          <a:prstGeom prst="rect">
+            <a:avLst/>
+          </a:prstGeom>
+        </p:spPr>
+        <p:txBody>
+          <a:bodyPr vert="horz" lIns="91440" tIns="45720" rIns="91440" bIns="45720" rtlCol="0">
+            <a:normAutofit/>
+          </a:bodyPr>
+          <a:lstStyle/>
+          <a:p>
+            <a:pPr lvl="0"/>
+            <a:r>
+              <a:rPr lang="en-US" smtClean="0"/>
+              <a:t>Click to edit Master text styles</a:t>
+            </a:r>
+          </a:p>
+          <a:p>
+            <a:pPr lvl="1"/>
+            <a:r>
+              <a:rPr lang="en-US" smtClean="0"/>
+              <a:t>Second level</a:t>
+            </a:r>
+          </a:p>
+          <a:p>
+            <a:pPr lvl="2"/>
+            <a:r>
+              <a:rPr lang="en-US" smtClean="0"/>
+              <a:t>Third level</a:t>
+            </a:r>
+          </a:p>
+          <a:p>
+            <a:pPr lvl="3"/>
+            <a:r>
+              <a:rPr lang="en-US" smtClean="0"/>
+              <a:t>Fourth level</a:t>
+            </a:r>
+          </a:p>
+          <a:p>
+            <a:pPr lvl="4"/>
+            <a:r>
+              <a:rPr lang="en-US" smtClean="0"/>
+              <a:t>Fifth level</a:t>
+            </a:r>
+            <a:endParaRPr lang="en-US"/>
+          </a:p>
+        </p:txBody>
+      </p:sp>
+      <p:sp>
+        <p:nvSpPr>
+          <p:cNvPr id="6" name="Footer Placeholder 5"/>
+          <p:cNvSpPr>
+            <a:spLocks noGrp="1"/>
+          </p:cNvSpPr>
+          <p:nvPr>
+            <p:ph type="ftr" sz="quarter" idx="4"/>
+          </p:nvPr>
+        </p:nvSpPr>
+        <p:spPr>
+          <a:xfrm>
+            <a:off x="0" y="8685213"/>
+            <a:ext cx="2971800" cy="457200"/>
+          </a:xfrm>
+          <a:prstGeom prst="rect">
+            <a:avLst/>
+          </a:prstGeom>
+        </p:spPr>
+        <p:txBody>
+          <a:bodyPr vert="horz" lIns="91440" tIns="45720" rIns="91440" bIns="45720" rtlCol="0" anchor="b"/>
+          <a:lstStyle>
+            <a:lvl1pPr algn="l">
+              <a:defRPr sz="1200"/>
+            </a:lvl1pPr>
+          </a:lstStyle>
+          <a:p>
+            <a:endParaRPr lang="en-US"/>
+          </a:p>
+        </p:txBody>
+      </p:sp>
+      <p:sp>
+        <p:nvSpPr>
+          <p:cNvPr id="7" name="Slide Number Placeholder 6"/>
+          <p:cNvSpPr>
+            <a:spLocks noGrp="1"/>
+          </p:cNvSpPr>
+          <p:nvPr>
+            <p:ph type="sldNum" sz="quarter" idx="5"/>
+          </p:nvPr>
+        </p:nvSpPr>
+        <p:spPr>
+          <a:xfrm>
+            <a:off x="3884613" y="8685213"/>
+            <a:ext cx="2971800" cy="457200"/>
+          </a:xfrm>
+          <a:prstGeom prst="rect">
+            <a:avLst/>
+          </a:prstGeom>
+        </p:spPr>
+        <p:txBody>
+          <a:bodyPr vert="horz" lIns="91440" tIns="45720" rIns="91440" bIns="45720" rtlCol="0" anchor="b"/>
+          <a:lstStyle>
+            <a:lvl1pPr algn="r">
+              <a:defRPr sz="1200"/>
+            </a:lvl1pPr>
+          </a:lstStyle>
+          <a:p>
+            <a:fld id="{9A4DA50D-EF92-41F9-8218-E25539C15C2C}" type="slidenum">
+              <a:rPr lang="en-US" smtClean="0"/>
+              <a:t>‹#›</a:t>
+            </a:fld>
+            <a:endParaRPr lang="en-US"/>
+          </a:p>
+        </p:txBody>
+      </p:sp>
+    </p:spTree>
+  </p:cSld>
+  <p:clrMap bg1="lt1" tx1="dk1" bg2="lt2" tx2="dk2" accent1="accent1" accent2="accent2" accent3="accent3" accent4="accent4" accent5="accent5" accent6="accent6" hlink="hlink" folHlink="folHlink"/>
+  <p:notesStyle>
+    <a:lvl1pPr marL="0" algn="l" defTabSz="914400" rtl="0" eaLnBrk="1" latinLnBrk="0" hangingPunct="1">
+      <a:defRPr sz="1200" kern="1200">
+        <a:solidFill>
+          <a:schemeClr val="tx1"/>
+        </a:solidFill>
+        <a:latin typeface="+mn-lt"/>
+        <a:ea typeface="+mn-ea"/>
+        <a:cs typeface="+mn-cs"/>
+      </a:defRPr>
+    </a:lvl1pPr>
+    <a:lvl2pPr marL="457200" algn="l" defTabSz="914400" rtl="0" eaLnBrk="1" latinLnBrk="0" hangingPunct="1">
+      <a:defRPr sz="1200" kern="1200">
+        <a:solidFill>
+          <a:schemeClr val="tx1"/>
+        </a:solidFill>
+        <a:latin typeface="+mn-lt"/>
+        <a:ea typeface="+mn-ea"/>
+        <a:cs typeface="+mn-cs"/>
+      </a:defRPr>
+    </a:lvl2pPr>
+    <a:lvl3pPr marL="914400" algn="l" defTabSz="914400" rtl="0" eaLnBrk="1" latinLnBrk="0" hangingPunct="1">
+      <a:defRPr sz="1200" kern="1200">
+        <a:solidFill>
+          <a:schemeClr val="tx1"/>
+        </a:solidFill>
+        <a:latin typeface="+mn-lt"/>
+        <a:ea typeface="+mn-ea"/>
+        <a:cs typeface="+mn-cs"/>
+      </a:defRPr>
+    </a:lvl3pPr>
+    <a:lvl4pPr marL="1371600" algn="l" defTabSz="914400" rtl="0" eaLnBrk="1" latinLnBrk="0" hangingPunct="1">
+      <a:defRPr sz="1200" kern="1200">
+        <a:solidFill>
+          <a:schemeClr val="tx1"/>
+        </a:solidFill>
+        <a:latin typeface="+mn-lt"/>
+        <a:ea typeface="+mn-ea"/>
+        <a:cs typeface="+mn-cs"/>
+      </a:defRPr>
+    </a:lvl4pPr>
+    <a:lvl5pPr marL="1828800" algn="l" defTabSz="914400" rtl="0" eaLnBrk="1" latinLnBrk="0" hangingPunct="1">
+      <a:defRPr sz="1200" kern="1200">
+        <a:solidFill>
+          <a:schemeClr val="tx1"/>
+        </a:solidFill>
+        <a:latin typeface="+mn-lt"/>
+        <a:ea typeface="+mn-ea"/>
+        <a:cs typeface="+mn-cs"/>
+      </a:defRPr>
+    </a:lvl5pPr>
+    <a:lvl6pPr marL="2286000" algn="l" defTabSz="914400" rtl="0" eaLnBrk="1" latinLnBrk="0" hangingPunct="1">
+      <a:defRPr sz="1200" kern="1200">
+        <a:solidFill>
+          <a:schemeClr val="tx1"/>
+        </a:solidFill>
+        <a:latin typeface="+mn-lt"/>
+        <a:ea typeface="+mn-ea"/>
+        <a:cs typeface="+mn-cs"/>
+      </a:defRPr>
+    </a:lvl6pPr>
+    <a:lvl7pPr marL="2743200" algn="l" defTabSz="914400" rtl="0" eaLnBrk="1" latinLnBrk="0" hangingPunct="1">
+      <a:defRPr sz="1200" kern="1200">
+        <a:solidFill>
+          <a:schemeClr val="tx1"/>
+        </a:solidFill>
+        <a:latin typeface="+mn-lt"/>
+        <a:ea typeface="+mn-ea"/>
+        <a:cs typeface="+mn-cs"/>
+      </a:defRPr>
+    </a:lvl7pPr>
+    <a:lvl8pPr marL="3200400" algn="l" defTabSz="914400" rtl="0" eaLnBrk="1" latinLnBrk="0" hangingPunct="1">
+      <a:defRPr sz="1200" kern="1200">
+        <a:solidFill>
+          <a:schemeClr val="tx1"/>
+        </a:solidFill>
+        <a:latin typeface="+mn-lt"/>
+        <a:ea typeface="+mn-ea"/>
+        <a:cs typeface="+mn-cs"/>
+      </a:defRPr>
+    </a:lvl8pPr>
+    <a:lvl9pPr marL="3657600" algn="l" defTabSz="914400" rtl="0" eaLnBrk="1" latinLnBrk="0" hangingPunct="1">
+      <a:defRPr sz="1200" kern="1200">
+        <a:solidFill>
+          <a:schemeClr val="tx1"/>
+        </a:solidFill>
+        <a:latin typeface="+mn-lt"/>
+        <a:ea typeface="+mn-ea"/>
+        <a:cs typeface="+mn-cs"/>
+      </a:defRPr>
+    </a:lvl9pPr>
+  </p:notesStyle>
+</p:notesMaster>
+</file>
+
 <file path=ppt/slideLayouts/slideLayout1.xml><?xml version="1.0" encoding="utf-8"?>
-<p:sldLayout xmlns:a="http://schemas.openxmlformats.org/drawingml/2006/main" xmlns:r="http://schemas.openxmlformats.org/officeDocument/2006/relationships" xmlns:p="http://schemas.openxmlformats.org/presentationml/2006/main" type="title" preserve="1">
+<p:sldLayout xmlns:a="http://schemas.openxmlformats.org/drawingml/2006/main" xmlns:r="http://schemas.openxmlformats.org/officeDocument/2006/relationships" xmlns:p="http://schemas.openxmlformats.org/presentationml/2006/main" showMasterSp="0" type="title" preserve="1">
   <p:cSld name="Title Slide">
     <p:spTree>
       <p:nvGrpSpPr>
@@ -157,39 +507,132 @@
       </p:grpSpPr>
       <p:sp>
         <p:nvSpPr>
-          <p:cNvPr id="2" name="Title 1"/>
-          <p:cNvSpPr>
-            <a:spLocks noGrp="1"/>
-          </p:cNvSpPr>
-          <p:nvPr>
-            <p:ph type="ctrTitle"/>
-          </p:nvPr>
+          <p:cNvPr id="10" name="Right Triangle 9"/>
+          <p:cNvSpPr/>
+          <p:nvPr/>
         </p:nvSpPr>
         <p:spPr>
           <a:xfrm>
-            <a:off x="1524000" y="1122363"/>
-            <a:ext cx="9144000" cy="2387600"/>
+            <a:off x="-2" y="4664147"/>
+            <a:ext cx="12201452" cy="0"/>
+          </a:xfrm>
+          <a:prstGeom prst="rtTriangle">
+            <a:avLst/>
+          </a:prstGeom>
+          <a:gradFill flip="none" rotWithShape="1">
+            <a:gsLst>
+              <a:gs pos="0">
+                <a:schemeClr val="accent1">
+                  <a:shade val="35000"/>
+                  <a:satMod val="170000"/>
+                  <a:alpha val="100000"/>
+                </a:schemeClr>
+              </a:gs>
+              <a:gs pos="55000">
+                <a:schemeClr val="accent1">
+                  <a:tint val="90000"/>
+                  <a:satMod val="150000"/>
+                  <a:alpha val="100000"/>
+                </a:schemeClr>
+              </a:gs>
+              <a:gs pos="100000">
+                <a:schemeClr val="accent1">
+                  <a:shade val="35000"/>
+                  <a:satMod val="170000"/>
+                  <a:alpha val="100000"/>
+                </a:schemeClr>
+              </a:gs>
+            </a:gsLst>
+            <a:lin ang="3000000" scaled="1"/>
+            <a:tileRect/>
+          </a:gradFill>
+          <a:ln w="12700" cap="rnd" cmpd="thickThin" algn="ctr">
+            <a:noFill/>
+            <a:prstDash val="solid"/>
+          </a:ln>
+          <a:effectLst/>
+        </p:spPr>
+        <p:style>
+          <a:lnRef idx="3">
+            <a:schemeClr val="lt1"/>
+          </a:lnRef>
+          <a:fillRef idx="1">
+            <a:schemeClr val="accent1"/>
+          </a:fillRef>
+          <a:effectRef idx="1">
+            <a:schemeClr val="accent1"/>
+          </a:effectRef>
+          <a:fontRef idx="minor">
+            <a:schemeClr val="lt1"/>
+          </a:fontRef>
+        </p:style>
+        <p:txBody>
+          <a:bodyPr anchor="ctr"/>
+          <a:lstStyle>
+            <a:extLst/>
+          </a:lstStyle>
+          <a:p>
+            <a:pPr algn="ctr" eaLnBrk="1" latinLnBrk="0" hangingPunct="1"/>
+            <a:endParaRPr kumimoji="0" lang="en-US"/>
+          </a:p>
+        </p:txBody>
+      </p:sp>
+      <p:sp>
+        <p:nvSpPr>
+          <p:cNvPr id="9" name="Title 8"/>
+          <p:cNvSpPr>
+            <a:spLocks noGrp="1"/>
+          </p:cNvSpPr>
+          <p:nvPr>
+            <p:ph type="ctrTitle"/>
+          </p:nvPr>
+        </p:nvSpPr>
+        <p:spPr>
+          <a:xfrm>
+            <a:off x="914400" y="1752602"/>
+            <a:ext cx="10363200" cy="1829761"/>
           </a:xfrm>
         </p:spPr>
         <p:txBody>
-          <a:bodyPr anchor="b"/>
+          <a:bodyPr vert="horz" anchor="b">
+            <a:normAutofit/>
+            <a:scene3d>
+              <a:camera prst="orthographicFront"/>
+              <a:lightRig rig="soft" dir="t"/>
+            </a:scene3d>
+            <a:sp3d prstMaterial="softEdge">
+              <a:bevelT w="25400" h="25400"/>
+            </a:sp3d>
+          </a:bodyPr>
           <a:lstStyle>
-            <a:lvl1pPr algn="ctr">
-              <a:defRPr sz="6000"/>
+            <a:lvl1pPr algn="r">
+              <a:defRPr sz="4800" b="1">
+                <a:solidFill>
+                  <a:schemeClr val="tx2"/>
+                </a:solidFill>
+                <a:effectLst>
+                  <a:outerShdw blurRad="31750" dist="25400" dir="5400000" algn="tl" rotWithShape="0">
+                    <a:srgbClr val="000000">
+                      <a:alpha val="25000"/>
+                    </a:srgbClr>
+                  </a:outerShdw>
+                </a:effectLst>
+              </a:defRPr>
             </a:lvl1pPr>
+            <a:extLst/>
           </a:lstStyle>
           <a:p>
             <a:r>
-              <a:rPr lang="en-US" smtClean="0"/>
+              <a:rPr kumimoji="0" lang="en-US" smtClean="0"/>
               <a:t>Click to edit Master title style</a:t>
             </a:r>
-            <a:endParaRPr lang="en-US"/>
-          </a:p>
-        </p:txBody>
-      </p:sp>
-      <p:sp>
-        <p:nvSpPr>
-          <p:cNvPr id="3" name="Subtitle 2"/>
+            <a:endParaRPr kumimoji="0" lang="en-US"/>
+          </a:p>
+        </p:txBody>
+      </p:sp>
+      <p:sp>
+        <p:nvSpPr>
+          <p:cNvPr id="17" name="Subtitle 16"/>
           <p:cNvSpPr>
             <a:spLocks noGrp="1"/>
           </p:cNvSpPr>
@@ -199,62 +642,454 @@
         </p:nvSpPr>
         <p:spPr>
           <a:xfrm>
-            <a:off x="1524000" y="3602038"/>
-            <a:ext cx="9144000" cy="1655762"/>
+            <a:off x="914400" y="3611607"/>
+            <a:ext cx="10363200" cy="1199704"/>
           </a:xfrm>
         </p:spPr>
         <p:txBody>
-          <a:bodyPr/>
+          <a:bodyPr lIns="45720" rIns="45720"/>
           <a:lstStyle>
-            <a:lvl1pPr marL="0" indent="0" algn="ctr">
+            <a:lvl1pPr marL="0" marR="64008" indent="0" algn="r">
               <a:buNone/>
-              <a:defRPr sz="2400"/>
+              <a:defRPr>
+                <a:solidFill>
+                  <a:schemeClr val="tx2"/>
+                </a:solidFill>
+              </a:defRPr>
             </a:lvl1pPr>
             <a:lvl2pPr marL="457200" indent="0" algn="ctr">
               <a:buNone/>
-              <a:defRPr sz="2000"/>
             </a:lvl2pPr>
             <a:lvl3pPr marL="914400" indent="0" algn="ctr">
               <a:buNone/>
-              <a:defRPr sz="1800"/>
             </a:lvl3pPr>
             <a:lvl4pPr marL="1371600" indent="0" algn="ctr">
               <a:buNone/>
-              <a:defRPr sz="1600"/>
             </a:lvl4pPr>
             <a:lvl5pPr marL="1828800" indent="0" algn="ctr">
               <a:buNone/>
-              <a:defRPr sz="1600"/>
             </a:lvl5pPr>
             <a:lvl6pPr marL="2286000" indent="0" algn="ctr">
               <a:buNone/>
-              <a:defRPr sz="1600"/>
             </a:lvl6pPr>
             <a:lvl7pPr marL="2743200" indent="0" algn="ctr">
               <a:buNone/>
-              <a:defRPr sz="1600"/>
             </a:lvl7pPr>
             <a:lvl8pPr marL="3200400" indent="0" algn="ctr">
               <a:buNone/>
-              <a:defRPr sz="1600"/>
             </a:lvl8pPr>
             <a:lvl9pPr marL="3657600" indent="0" algn="ctr">
               <a:buNone/>
-              <a:defRPr sz="1600"/>
             </a:lvl9pPr>
+            <a:extLst/>
           </a:lstStyle>
           <a:p>
             <a:r>
-              <a:rPr lang="en-US" smtClean="0"/>
+              <a:rPr kumimoji="0" lang="en-US" smtClean="0"/>
               <a:t>Click to edit Master subtitle style</a:t>
             </a:r>
-            <a:endParaRPr lang="en-US"/>
-          </a:p>
-        </p:txBody>
-      </p:sp>
-      <p:sp>
-        <p:nvSpPr>
-          <p:cNvPr id="4" name="Date Placeholder 3"/>
+            <a:endParaRPr kumimoji="0" lang="en-US"/>
+          </a:p>
+        </p:txBody>
+      </p:sp>
+      <p:grpSp>
+        <p:nvGrpSpPr>
+          <p:cNvPr id="2" name="Group 1"/>
+          <p:cNvGrpSpPr/>
+          <p:nvPr/>
+        </p:nvGrpSpPr>
+        <p:grpSpPr>
+          <a:xfrm>
+            <a:off x="-5019" y="4953000"/>
+            <a:ext cx="12197020" cy="1912088"/>
+            <a:chOff x="-3765" y="4832896"/>
+            <a:chExt cx="9147765" cy="2032192"/>
+          </a:xfrm>
+        </p:grpSpPr>
+        <p:sp>
+          <p:nvSpPr>
+            <p:cNvPr id="7" name="Freeform 6"/>
+            <p:cNvSpPr>
+              <a:spLocks/>
+            </p:cNvSpPr>
+            <p:nvPr/>
+          </p:nvSpPr>
+          <p:spPr bwMode="auto">
+            <a:xfrm>
+              <a:off x="1687513" y="4832896"/>
+              <a:ext cx="7456487" cy="518816"/>
+            </a:xfrm>
+            <a:custGeom>
+              <a:avLst>
+                <a:gd name="A1" fmla="val 0"/>
+                <a:gd name="A2" fmla="val 0"/>
+                <a:gd name="A3" fmla="val 0"/>
+                <a:gd name="A4" fmla="val 0"/>
+                <a:gd name="A5" fmla="val 0"/>
+                <a:gd name="A6" fmla="val 0"/>
+                <a:gd name="A7" fmla="val 0"/>
+                <a:gd name="A8" fmla="val 0"/>
+              </a:avLst>
+              <a:gdLst/>
+              <a:ahLst/>
+              <a:cxnLst>
+                <a:cxn ang="0">
+                  <a:pos x="4697" y="0"/>
+                </a:cxn>
+                <a:cxn ang="0">
+                  <a:pos x="4697" y="367"/>
+                </a:cxn>
+                <a:cxn ang="0">
+                  <a:pos x="0" y="218"/>
+                </a:cxn>
+                <a:cxn ang="0">
+                  <a:pos x="4697" y="0"/>
+                </a:cxn>
+              </a:cxnLst>
+              <a:rect l="0" t="0" r="0" b="0"/>
+              <a:pathLst>
+                <a:path w="4697" h="367">
+                  <a:moveTo>
+                    <a:pt x="4697" y="0"/>
+                  </a:moveTo>
+                  <a:lnTo>
+                    <a:pt x="4697" y="367"/>
+                  </a:lnTo>
+                  <a:lnTo>
+                    <a:pt x="0" y="218"/>
+                  </a:lnTo>
+                  <a:lnTo>
+                    <a:pt x="4697" y="0"/>
+                  </a:lnTo>
+                  <a:close/>
+                </a:path>
+              </a:pathLst>
+            </a:custGeom>
+            <a:solidFill>
+              <a:schemeClr val="accent1">
+                <a:tint val="65000"/>
+                <a:satMod val="115000"/>
+                <a:alpha val="40000"/>
+              </a:schemeClr>
+            </a:solidFill>
+            <a:ln w="9525" cap="flat" cmpd="sng" algn="ctr">
+              <a:noFill/>
+              <a:prstDash val="solid"/>
+              <a:round/>
+              <a:headEnd type="none" w="med" len="med"/>
+              <a:tailEnd type="none" w="med" len="med"/>
+            </a:ln>
+            <a:effectLst/>
+          </p:spPr>
+          <p:txBody>
+            <a:bodyPr vert="horz" wrap="square" lIns="91440" tIns="45720" rIns="91440" bIns="45720" anchor="t" compatLnSpc="1"/>
+            <a:lstStyle>
+              <a:extLst/>
+            </a:lstStyle>
+            <a:p>
+              <a:endParaRPr kumimoji="0" lang="en-US"/>
+            </a:p>
+          </p:txBody>
+        </p:sp>
+        <p:sp>
+          <p:nvSpPr>
+            <p:cNvPr id="8" name="Freeform 7"/>
+            <p:cNvSpPr>
+              <a:spLocks/>
+            </p:cNvSpPr>
+            <p:nvPr/>
+          </p:nvSpPr>
+          <p:spPr bwMode="auto">
+            <a:xfrm>
+              <a:off x="35443" y="5135526"/>
+              <a:ext cx="9108557" cy="838200"/>
+            </a:xfrm>
+            <a:custGeom>
+              <a:avLst>
+                <a:gd name="A1" fmla="val 0"/>
+                <a:gd name="A2" fmla="val 0"/>
+                <a:gd name="A3" fmla="val 0"/>
+                <a:gd name="A4" fmla="val 0"/>
+                <a:gd name="A5" fmla="val 0"/>
+                <a:gd name="A6" fmla="val 0"/>
+                <a:gd name="A7" fmla="val 0"/>
+                <a:gd name="A8" fmla="val 0"/>
+              </a:avLst>
+              <a:gdLst/>
+              <a:ahLst/>
+              <a:cxnLst>
+                <a:cxn ang="0">
+                  <a:pos x="0" y="0"/>
+                </a:cxn>
+                <a:cxn ang="0">
+                  <a:pos x="5760" y="0"/>
+                </a:cxn>
+                <a:cxn ang="0">
+                  <a:pos x="5760" y="528"/>
+                </a:cxn>
+                <a:cxn ang="0">
+                  <a:pos x="48" y="0"/>
+                </a:cxn>
+              </a:cxnLst>
+              <a:rect l="0" t="0" r="0" b="0"/>
+              <a:pathLst>
+                <a:path w="5760" h="528">
+                  <a:moveTo>
+                    <a:pt x="0" y="0"/>
+                  </a:moveTo>
+                  <a:lnTo>
+                    <a:pt x="5760" y="0"/>
+                  </a:lnTo>
+                  <a:lnTo>
+                    <a:pt x="5760" y="528"/>
+                  </a:lnTo>
+                  <a:lnTo>
+                    <a:pt x="48" y="0"/>
+                  </a:lnTo>
+                </a:path>
+              </a:pathLst>
+            </a:custGeom>
+            <a:solidFill>
+              <a:srgbClr val="000000">
+                <a:alpha val="100000"/>
+              </a:srgbClr>
+            </a:solidFill>
+            <a:ln w="9525" cap="flat" cmpd="sng" algn="ctr">
+              <a:noFill/>
+              <a:prstDash val="solid"/>
+              <a:round/>
+              <a:headEnd type="none" w="med" len="med"/>
+              <a:tailEnd type="none" w="med" len="med"/>
+            </a:ln>
+            <a:effectLst/>
+          </p:spPr>
+          <p:txBody>
+            <a:bodyPr vert="horz" wrap="square" lIns="91440" tIns="45720" rIns="91440" bIns="45720" anchor="t" compatLnSpc="1"/>
+            <a:lstStyle>
+              <a:extLst/>
+            </a:lstStyle>
+            <a:p>
+              <a:endParaRPr kumimoji="0" lang="en-US"/>
+            </a:p>
+          </p:txBody>
+        </p:sp>
+        <p:sp>
+          <p:nvSpPr>
+            <p:cNvPr id="11" name="Freeform 10"/>
+            <p:cNvSpPr>
+              <a:spLocks/>
+            </p:cNvSpPr>
+            <p:nvPr/>
+          </p:nvSpPr>
+          <p:spPr bwMode="auto">
+            <a:xfrm>
+              <a:off x="0" y="4883888"/>
+              <a:ext cx="9144000" cy="1981200"/>
+            </a:xfrm>
+            <a:custGeom>
+              <a:avLst>
+                <a:gd name="A1" fmla="val 0"/>
+                <a:gd name="A2" fmla="val 0"/>
+                <a:gd name="A3" fmla="val 0"/>
+                <a:gd name="A4" fmla="val 0"/>
+                <a:gd name="A5" fmla="val 0"/>
+                <a:gd name="A6" fmla="val 0"/>
+                <a:gd name="A7" fmla="val 0"/>
+                <a:gd name="A8" fmla="val 0"/>
+              </a:avLst>
+              <a:gdLst/>
+              <a:ahLst/>
+              <a:cxnLst>
+                <a:cxn ang="0">
+                  <a:pos x="0" y="0"/>
+                </a:cxn>
+                <a:cxn ang="0">
+                  <a:pos x="0" y="1248"/>
+                </a:cxn>
+                <a:cxn ang="0">
+                  <a:pos x="5760" y="1248"/>
+                </a:cxn>
+                <a:cxn ang="0">
+                  <a:pos x="5760" y="528"/>
+                </a:cxn>
+                <a:cxn ang="0">
+                  <a:pos x="0" y="0"/>
+                </a:cxn>
+              </a:cxnLst>
+              <a:rect l="0" t="0" r="0" b="0"/>
+              <a:pathLst>
+                <a:path w="5760" h="1248">
+                  <a:moveTo>
+                    <a:pt x="0" y="0"/>
+                  </a:moveTo>
+                  <a:lnTo>
+                    <a:pt x="0" y="1248"/>
+                  </a:lnTo>
+                  <a:lnTo>
+                    <a:pt x="5760" y="1248"/>
+                  </a:lnTo>
+                  <a:lnTo>
+                    <a:pt x="5760" y="528"/>
+                  </a:lnTo>
+                  <a:lnTo>
+                    <a:pt x="0" y="0"/>
+                  </a:lnTo>
+                  <a:close/>
+                </a:path>
+              </a:pathLst>
+            </a:custGeom>
+            <a:blipFill>
+              <a:blip r:embed="rId2" cstate="print">
+                <a:alphaModFix amt="50000"/>
+              </a:blip>
+              <a:tile tx="0" ty="0" sx="50000" sy="50000" flip="none" algn="t"/>
+            </a:blipFill>
+            <a:ln w="12700" cap="rnd" cmpd="thickThin" algn="ctr">
+              <a:noFill/>
+              <a:prstDash val="solid"/>
+            </a:ln>
+            <a:effectLst>
+              <a:fillOverlay blend="mult">
+                <a:gradFill flip="none" rotWithShape="1">
+                  <a:gsLst>
+                    <a:gs pos="0">
+                      <a:schemeClr val="accent1">
+                        <a:shade val="20000"/>
+                        <a:satMod val="176000"/>
+                        <a:alpha val="100000"/>
+                      </a:schemeClr>
+                    </a:gs>
+                    <a:gs pos="18000">
+                      <a:schemeClr val="accent1">
+                        <a:shade val="48000"/>
+                        <a:satMod val="153000"/>
+                        <a:alpha val="100000"/>
+                      </a:schemeClr>
+                    </a:gs>
+                    <a:gs pos="43000">
+                      <a:schemeClr val="accent1">
+                        <a:tint val="86000"/>
+                        <a:satMod val="149000"/>
+                        <a:alpha val="100000"/>
+                      </a:schemeClr>
+                    </a:gs>
+                    <a:gs pos="45000">
+                      <a:schemeClr val="accent1">
+                        <a:tint val="85000"/>
+                        <a:satMod val="150000"/>
+                        <a:alpha val="100000"/>
+                      </a:schemeClr>
+                    </a:gs>
+                    <a:gs pos="50000">
+                      <a:schemeClr val="accent1">
+                        <a:tint val="86000"/>
+                        <a:satMod val="149000"/>
+                        <a:alpha val="100000"/>
+                      </a:schemeClr>
+                    </a:gs>
+                    <a:gs pos="79000">
+                      <a:schemeClr val="accent1">
+                        <a:shade val="53000"/>
+                        <a:satMod val="150000"/>
+                        <a:alpha val="100000"/>
+                      </a:schemeClr>
+                    </a:gs>
+                    <a:gs pos="100000">
+                      <a:schemeClr val="accent1">
+                        <a:shade val="25000"/>
+                        <a:satMod val="170000"/>
+                        <a:alpha val="100000"/>
+                      </a:schemeClr>
+                    </a:gs>
+                  </a:gsLst>
+                  <a:lin ang="450000" scaled="1"/>
+                  <a:tileRect/>
+                </a:gradFill>
+              </a:fillOverlay>
+            </a:effectLst>
+          </p:spPr>
+          <p:style>
+            <a:lnRef idx="3">
+              <a:schemeClr val="lt1"/>
+            </a:lnRef>
+            <a:fillRef idx="1">
+              <a:schemeClr val="accent1"/>
+            </a:fillRef>
+            <a:effectRef idx="1">
+              <a:schemeClr val="accent1"/>
+            </a:effectRef>
+            <a:fontRef idx="minor">
+              <a:schemeClr val="lt1"/>
+            </a:fontRef>
+          </p:style>
+          <p:txBody>
+            <a:bodyPr vert="horz" wrap="square" lIns="91440" tIns="45720" rIns="91440" bIns="45720" anchor="ctr" compatLnSpc="1"/>
+            <a:lstStyle>
+              <a:extLst/>
+            </a:lstStyle>
+            <a:p>
+              <a:pPr algn="ctr" eaLnBrk="1" latinLnBrk="0" hangingPunct="1"/>
+              <a:endParaRPr kumimoji="0" lang="en-US"/>
+            </a:p>
+          </p:txBody>
+        </p:sp>
+        <p:cxnSp>
+          <p:nvCxnSpPr>
+            <p:cNvPr id="12" name="Straight Connector 11"/>
+            <p:cNvCxnSpPr/>
+            <p:nvPr/>
+          </p:nvCxnSpPr>
+          <p:spPr>
+            <a:xfrm>
+              <a:off x="-3765" y="4880373"/>
+              <a:ext cx="9147765" cy="839943"/>
+            </a:xfrm>
+            <a:prstGeom prst="line">
+              <a:avLst/>
+            </a:prstGeom>
+            <a:noFill/>
+            <a:ln w="12065" cap="flat" cmpd="sng" algn="ctr">
+              <a:gradFill>
+                <a:gsLst>
+                  <a:gs pos="45000">
+                    <a:schemeClr val="accent1">
+                      <a:tint val="70000"/>
+                      <a:satMod val="110000"/>
+                    </a:schemeClr>
+                  </a:gs>
+                  <a:gs pos="15000">
+                    <a:schemeClr val="accent1">
+                      <a:shade val="40000"/>
+                      <a:satMod val="110000"/>
+                    </a:schemeClr>
+                  </a:gs>
+                </a:gsLst>
+                <a:lin ang="5400000" scaled="1"/>
+              </a:gradFill>
+              <a:prstDash val="solid"/>
+              <a:miter lim="800000"/>
+            </a:ln>
+            <a:effectLst/>
+          </p:spPr>
+          <p:style>
+            <a:lnRef idx="2">
+              <a:schemeClr val="accent1"/>
+            </a:lnRef>
+            <a:fillRef idx="0">
+              <a:schemeClr val="accent1"/>
+            </a:fillRef>
+            <a:effectRef idx="1">
+              <a:schemeClr val="accent1"/>
+            </a:effectRef>
+            <a:fontRef idx="minor">
+              <a:schemeClr val="tx1"/>
+            </a:fontRef>
+          </p:style>
+        </p:cxnSp>
+      </p:grpSp>
+      <p:sp>
+        <p:nvSpPr>
+          <p:cNvPr id="30" name="Date Placeholder 29"/>
           <p:cNvSpPr>
             <a:spLocks noGrp="1"/>
           </p:cNvSpPr>
@@ -265,11 +1100,20 @@
         <p:spPr/>
         <p:txBody>
           <a:bodyPr/>
-          <a:lstStyle/>
-          <a:p>
-            <a:fld id="{0F9640C9-FD1D-4EC7-A146-38DBD4133D1C}" type="datetimeFigureOut">
-              <a:rPr lang="en-US" smtClean="0"/>
-              <a:t>7/18/2019</a:t>
+          <a:lstStyle>
+            <a:lvl1pPr>
+              <a:defRPr>
+                <a:solidFill>
+                  <a:srgbClr val="FFFFFF"/>
+                </a:solidFill>
+              </a:defRPr>
+            </a:lvl1pPr>
+            <a:extLst/>
+          </a:lstStyle>
+          <a:p>
+            <a:fld id="{849C89D3-5006-40B0-91EB-37169F987937}" type="datetime1">
+              <a:rPr lang="en-US" smtClean="0"/>
+              <a:t>7/19/2019</a:t>
             </a:fld>
             <a:endParaRPr lang="en-US"/>
           </a:p>
@@ -277,7 +1121,7 @@
       </p:sp>
       <p:sp>
         <p:nvSpPr>
-          <p:cNvPr id="5" name="Footer Placeholder 4"/>
+          <p:cNvPr id="19" name="Footer Placeholder 18"/>
           <p:cNvSpPr>
             <a:spLocks noGrp="1"/>
           </p:cNvSpPr>
@@ -288,15 +1132,30 @@
         <p:spPr/>
         <p:txBody>
           <a:bodyPr/>
-          <a:lstStyle/>
-          <a:p>
+          <a:lstStyle>
+            <a:lvl1pPr>
+              <a:defRPr>
+                <a:solidFill>
+                  <a:schemeClr val="accent1">
+                    <a:tint val="20000"/>
+                  </a:schemeClr>
+                </a:solidFill>
+              </a:defRPr>
+            </a:lvl1pPr>
+            <a:extLst/>
+          </a:lstStyle>
+          <a:p>
+            <a:r>
+              <a:rPr lang="en-US" smtClean="0"/>
+              <a:t>N.chaithanya Koushik</a:t>
+            </a:r>
             <a:endParaRPr lang="en-US"/>
           </a:p>
         </p:txBody>
       </p:sp>
       <p:sp>
         <p:nvSpPr>
-          <p:cNvPr id="6" name="Slide Number Placeholder 5"/>
+          <p:cNvPr id="27" name="Slide Number Placeholder 26"/>
           <p:cNvSpPr>
             <a:spLocks noGrp="1"/>
           </p:cNvSpPr>
@@ -307,10 +1166,20 @@
         <p:spPr/>
         <p:txBody>
           <a:bodyPr/>
-          <a:lstStyle/>
+          <a:lstStyle>
+            <a:lvl1pPr>
+              <a:defRPr>
+                <a:solidFill>
+                  <a:srgbClr val="FFFFFF"/>
+                </a:solidFill>
+              </a:defRPr>
+            </a:lvl1pPr>
+            <a:extLst/>
+          </a:lstStyle>
           <a:p>
             <a:fld id="{9CF0812B-CEB2-4056-BF4D-9194C6B60941}" type="slidenum">
               <a:rPr lang="en-US" smtClean="0"/>
+              <a:pPr/>
               <a:t>‹#›</a:t>
             </a:fld>
             <a:endParaRPr lang="en-US"/>
@@ -318,11 +1187,6 @@
         </p:txBody>
       </p:sp>
     </p:spTree>
-    <p:extLst>
-      <p:ext uri="{BB962C8B-B14F-4D97-AF65-F5344CB8AC3E}">
-        <p14:creationId xmlns:p14="http://schemas.microsoft.com/office/powerpoint/2010/main" val="613390726"/>
-      </p:ext>
-    </p:extLst>
   </p:cSld>
   <p:clrMapOvr>
     <a:masterClrMapping/>
@@ -360,13 +1224,15 @@
         <p:spPr/>
         <p:txBody>
           <a:bodyPr/>
-          <a:lstStyle/>
-          <a:p>
-            <a:r>
-              <a:rPr lang="en-US" smtClean="0"/>
+          <a:lstStyle>
+            <a:extLst/>
+          </a:lstStyle>
+          <a:p>
+            <a:r>
+              <a:rPr kumimoji="0" lang="en-US" smtClean="0"/>
               <a:t>Click to edit Master title style</a:t>
             </a:r>
-            <a:endParaRPr lang="en-US"/>
+            <a:endParaRPr kumimoji="0" lang="en-US"/>
           </a:p>
         </p:txBody>
       </p:sp>
@@ -380,66 +1246,75 @@
             <p:ph type="body" orient="vert" idx="1"/>
           </p:nvPr>
         </p:nvSpPr>
+        <p:spPr>
+          <a:xfrm>
+            <a:off x="609600" y="1481330"/>
+            <a:ext cx="10972800" cy="4386071"/>
+          </a:xfrm>
+        </p:spPr>
+        <p:txBody>
+          <a:bodyPr vert="eaVert"/>
+          <a:lstStyle>
+            <a:extLst/>
+          </a:lstStyle>
+          <a:p>
+            <a:pPr lvl="0" eaLnBrk="1" latinLnBrk="0" hangingPunct="1"/>
+            <a:r>
+              <a:rPr lang="en-US" smtClean="0"/>
+              <a:t>Click to edit Master text styles</a:t>
+            </a:r>
+          </a:p>
+          <a:p>
+            <a:pPr lvl="1" eaLnBrk="1" latinLnBrk="0" hangingPunct="1"/>
+            <a:r>
+              <a:rPr lang="en-US" smtClean="0"/>
+              <a:t>Second level</a:t>
+            </a:r>
+          </a:p>
+          <a:p>
+            <a:pPr lvl="2" eaLnBrk="1" latinLnBrk="0" hangingPunct="1"/>
+            <a:r>
+              <a:rPr lang="en-US" smtClean="0"/>
+              <a:t>Third level</a:t>
+            </a:r>
+          </a:p>
+          <a:p>
+            <a:pPr lvl="3" eaLnBrk="1" latinLnBrk="0" hangingPunct="1"/>
+            <a:r>
+              <a:rPr lang="en-US" smtClean="0"/>
+              <a:t>Fourth level</a:t>
+            </a:r>
+          </a:p>
+          <a:p>
+            <a:pPr lvl="4" eaLnBrk="1" latinLnBrk="0" hangingPunct="1"/>
+            <a:r>
+              <a:rPr lang="en-US" smtClean="0"/>
+              <a:t>Fifth level</a:t>
+            </a:r>
+            <a:endParaRPr kumimoji="0" lang="en-US"/>
+          </a:p>
+        </p:txBody>
+      </p:sp>
+      <p:sp>
+        <p:nvSpPr>
+          <p:cNvPr id="4" name="Date Placeholder 3"/>
+          <p:cNvSpPr>
+            <a:spLocks noGrp="1"/>
+          </p:cNvSpPr>
+          <p:nvPr>
+            <p:ph type="dt" sz="half" idx="10"/>
+          </p:nvPr>
+        </p:nvSpPr>
         <p:spPr/>
         <p:txBody>
-          <a:bodyPr vert="eaVert"/>
-          <a:lstStyle/>
-          <a:p>
-            <a:pPr lvl="0"/>
-            <a:r>
-              <a:rPr lang="en-US" smtClean="0"/>
-              <a:t>Click to edit Master text styles</a:t>
-            </a:r>
-          </a:p>
-          <a:p>
-            <a:pPr lvl="1"/>
-            <a:r>
-              <a:rPr lang="en-US" smtClean="0"/>
-              <a:t>Second level</a:t>
-            </a:r>
-          </a:p>
-          <a:p>
-            <a:pPr lvl="2"/>
-            <a:r>
-              <a:rPr lang="en-US" smtClean="0"/>
-              <a:t>Third level</a:t>
-            </a:r>
-          </a:p>
-          <a:p>
-            <a:pPr lvl="3"/>
-            <a:r>
-              <a:rPr lang="en-US" smtClean="0"/>
-              <a:t>Fourth level</a:t>
-            </a:r>
-          </a:p>
-          <a:p>
-            <a:pPr lvl="4"/>
-            <a:r>
-              <a:rPr lang="en-US" smtClean="0"/>
-              <a:t>Fifth level</a:t>
-            </a:r>
-            <a:endParaRPr lang="en-US"/>
-          </a:p>
-        </p:txBody>
-      </p:sp>
-      <p:sp>
-        <p:nvSpPr>
-          <p:cNvPr id="4" name="Date Placeholder 3"/>
-          <p:cNvSpPr>
-            <a:spLocks noGrp="1"/>
-          </p:cNvSpPr>
-          <p:nvPr>
-            <p:ph type="dt" sz="half" idx="10"/>
-          </p:nvPr>
-        </p:nvSpPr>
-        <p:spPr/>
-        <p:txBody>
           <a:bodyPr/>
-          <a:lstStyle/>
-          <a:p>
-            <a:fld id="{0F9640C9-FD1D-4EC7-A146-38DBD4133D1C}" type="datetimeFigureOut">
-              <a:rPr lang="en-US" smtClean="0"/>
-              <a:t>7/18/2019</a:t>
+          <a:lstStyle>
+            <a:extLst/>
+          </a:lstStyle>
+          <a:p>
+            <a:fld id="{7DD5F9C9-A408-404E-BE2A-1C3A4A007B9F}" type="datetime1">
+              <a:rPr lang="en-US" smtClean="0"/>
+              <a:t>7/19/2019</a:t>
             </a:fld>
             <a:endParaRPr lang="en-US"/>
           </a:p>
@@ -458,8 +1333,14 @@
         <p:spPr/>
         <p:txBody>
           <a:bodyPr/>
-          <a:lstStyle/>
-          <a:p>
+          <a:lstStyle>
+            <a:extLst/>
+          </a:lstStyle>
+          <a:p>
+            <a:r>
+              <a:rPr lang="en-US" smtClean="0"/>
+              <a:t>N.chaithanya Koushik</a:t>
+            </a:r>
             <a:endParaRPr lang="en-US"/>
           </a:p>
         </p:txBody>
@@ -477,10 +1358,13 @@
         <p:spPr/>
         <p:txBody>
           <a:bodyPr/>
-          <a:lstStyle/>
+          <a:lstStyle>
+            <a:extLst/>
+          </a:lstStyle>
           <a:p>
             <a:fld id="{9CF0812B-CEB2-4056-BF4D-9194C6B60941}" type="slidenum">
               <a:rPr lang="en-US" smtClean="0"/>
+              <a:pPr/>
               <a:t>‹#›</a:t>
             </a:fld>
             <a:endParaRPr lang="en-US"/>
@@ -488,11 +1372,6 @@
         </p:txBody>
       </p:sp>
     </p:spTree>
-    <p:extLst>
-      <p:ext uri="{BB962C8B-B14F-4D97-AF65-F5344CB8AC3E}">
-        <p14:creationId xmlns:p14="http://schemas.microsoft.com/office/powerpoint/2010/main" val="3322684785"/>
-      </p:ext>
-    </p:extLst>
   </p:cSld>
   <p:clrMapOvr>
     <a:masterClrMapping/>
@@ -529,19 +1408,21 @@
         </p:nvSpPr>
         <p:spPr>
           <a:xfrm>
-            <a:off x="8724900" y="365125"/>
-            <a:ext cx="2628900" cy="5811838"/>
+            <a:off x="9125351" y="274641"/>
+            <a:ext cx="2369960" cy="5592761"/>
           </a:xfrm>
         </p:spPr>
         <p:txBody>
           <a:bodyPr vert="eaVert"/>
-          <a:lstStyle/>
-          <a:p>
-            <a:r>
-              <a:rPr lang="en-US" smtClean="0"/>
+          <a:lstStyle>
+            <a:extLst/>
+          </a:lstStyle>
+          <a:p>
+            <a:r>
+              <a:rPr kumimoji="0" lang="en-US" smtClean="0"/>
               <a:t>Click to edit Master title style</a:t>
             </a:r>
-            <a:endParaRPr lang="en-US"/>
+            <a:endParaRPr kumimoji="0" lang="en-US"/>
           </a:p>
         </p:txBody>
       </p:sp>
@@ -557,48 +1438,50 @@
         </p:nvSpPr>
         <p:spPr>
           <a:xfrm>
-            <a:off x="838200" y="365125"/>
-            <a:ext cx="7734300" cy="5811838"/>
+            <a:off x="609600" y="274641"/>
+            <a:ext cx="8432800" cy="5592760"/>
           </a:xfrm>
         </p:spPr>
         <p:txBody>
           <a:bodyPr vert="eaVert"/>
-          <a:lstStyle/>
-          <a:p>
-            <a:pPr lvl="0"/>
+          <a:lstStyle>
+            <a:extLst/>
+          </a:lstStyle>
+          <a:p>
+            <a:pPr lvl="0" eaLnBrk="1" latinLnBrk="0" hangingPunct="1"/>
             <a:r>
               <a:rPr lang="en-US" smtClean="0"/>
               <a:t>Click to edit Master text styles</a:t>
             </a:r>
           </a:p>
           <a:p>
-            <a:pPr lvl="1"/>
+            <a:pPr lvl="1" eaLnBrk="1" latinLnBrk="0" hangingPunct="1"/>
             <a:r>
               <a:rPr lang="en-US" smtClean="0"/>
               <a:t>Second level</a:t>
             </a:r>
           </a:p>
           <a:p>
-            <a:pPr lvl="2"/>
+            <a:pPr lvl="2" eaLnBrk="1" latinLnBrk="0" hangingPunct="1"/>
             <a:r>
               <a:rPr lang="en-US" smtClean="0"/>
               <a:t>Third level</a:t>
             </a:r>
           </a:p>
           <a:p>
-            <a:pPr lvl="3"/>
+            <a:pPr lvl="3" eaLnBrk="1" latinLnBrk="0" hangingPunct="1"/>
             <a:r>
               <a:rPr lang="en-US" smtClean="0"/>
               <a:t>Fourth level</a:t>
             </a:r>
           </a:p>
           <a:p>
-            <a:pPr lvl="4"/>
+            <a:pPr lvl="4" eaLnBrk="1" latinLnBrk="0" hangingPunct="1"/>
             <a:r>
               <a:rPr lang="en-US" smtClean="0"/>
               <a:t>Fifth level</a:t>
             </a:r>
-            <a:endParaRPr lang="en-US"/>
+            <a:endParaRPr kumimoji="0" lang="en-US"/>
           </a:p>
         </p:txBody>
       </p:sp>
@@ -615,11 +1498,13 @@
         <p:spPr/>
         <p:txBody>
           <a:bodyPr/>
-          <a:lstStyle/>
-          <a:p>
-            <a:fld id="{0F9640C9-FD1D-4EC7-A146-38DBD4133D1C}" type="datetimeFigureOut">
-              <a:rPr lang="en-US" smtClean="0"/>
-              <a:t>7/18/2019</a:t>
+          <a:lstStyle>
+            <a:extLst/>
+          </a:lstStyle>
+          <a:p>
+            <a:fld id="{9921EB77-65B7-4210-8636-9C2CDFDF6DBC}" type="datetime1">
+              <a:rPr lang="en-US" smtClean="0"/>
+              <a:t>7/19/2019</a:t>
             </a:fld>
             <a:endParaRPr lang="en-US"/>
           </a:p>
@@ -638,8 +1523,14 @@
         <p:spPr/>
         <p:txBody>
           <a:bodyPr/>
-          <a:lstStyle/>
-          <a:p>
+          <a:lstStyle>
+            <a:extLst/>
+          </a:lstStyle>
+          <a:p>
+            <a:r>
+              <a:rPr lang="en-US" smtClean="0"/>
+              <a:t>N.chaithanya Koushik</a:t>
+            </a:r>
             <a:endParaRPr lang="en-US"/>
           </a:p>
         </p:txBody>
@@ -657,10 +1548,13 @@
         <p:spPr/>
         <p:txBody>
           <a:bodyPr/>
-          <a:lstStyle/>
+          <a:lstStyle>
+            <a:extLst/>
+          </a:lstStyle>
           <a:p>
             <a:fld id="{9CF0812B-CEB2-4056-BF4D-9194C6B60941}" type="slidenum">
               <a:rPr lang="en-US" smtClean="0"/>
+              <a:pPr/>
               <a:t>‹#›</a:t>
             </a:fld>
             <a:endParaRPr lang="en-US"/>
@@ -668,11 +1562,6 @@
         </p:txBody>
       </p:sp>
     </p:spTree>
-    <p:extLst>
-      <p:ext uri="{BB962C8B-B14F-4D97-AF65-F5344CB8AC3E}">
-        <p14:creationId xmlns:p14="http://schemas.microsoft.com/office/powerpoint/2010/main" val="1128482674"/>
-      </p:ext>
-    </p:extLst>
   </p:cSld>
   <p:clrMapOvr>
     <a:masterClrMapping/>
@@ -699,97 +1588,78 @@
       </p:grpSpPr>
       <p:sp>
         <p:nvSpPr>
-          <p:cNvPr id="2" name="Title 1"/>
-          <p:cNvSpPr>
-            <a:spLocks noGrp="1"/>
-          </p:cNvSpPr>
-          <p:nvPr>
-            <p:ph type="title"/>
+          <p:cNvPr id="3" name="Content Placeholder 2"/>
+          <p:cNvSpPr>
+            <a:spLocks noGrp="1"/>
+          </p:cNvSpPr>
+          <p:nvPr>
+            <p:ph idx="1"/>
           </p:nvPr>
         </p:nvSpPr>
         <p:spPr/>
         <p:txBody>
           <a:bodyPr/>
-          <a:lstStyle/>
-          <a:p>
-            <a:r>
-              <a:rPr lang="en-US" smtClean="0"/>
-              <a:t>Click to edit Master title style</a:t>
-            </a:r>
-            <a:endParaRPr lang="en-US"/>
-          </a:p>
-        </p:txBody>
-      </p:sp>
-      <p:sp>
-        <p:nvSpPr>
-          <p:cNvPr id="3" name="Content Placeholder 2"/>
-          <p:cNvSpPr>
-            <a:spLocks noGrp="1"/>
-          </p:cNvSpPr>
-          <p:nvPr>
-            <p:ph idx="1"/>
+          <a:lstStyle>
+            <a:extLst/>
+          </a:lstStyle>
+          <a:p>
+            <a:pPr lvl="0" eaLnBrk="1" latinLnBrk="0" hangingPunct="1"/>
+            <a:r>
+              <a:rPr lang="en-US" smtClean="0"/>
+              <a:t>Click to edit Master text styles</a:t>
+            </a:r>
+          </a:p>
+          <a:p>
+            <a:pPr lvl="1" eaLnBrk="1" latinLnBrk="0" hangingPunct="1"/>
+            <a:r>
+              <a:rPr lang="en-US" smtClean="0"/>
+              <a:t>Second level</a:t>
+            </a:r>
+          </a:p>
+          <a:p>
+            <a:pPr lvl="2" eaLnBrk="1" latinLnBrk="0" hangingPunct="1"/>
+            <a:r>
+              <a:rPr lang="en-US" smtClean="0"/>
+              <a:t>Third level</a:t>
+            </a:r>
+          </a:p>
+          <a:p>
+            <a:pPr lvl="3" eaLnBrk="1" latinLnBrk="0" hangingPunct="1"/>
+            <a:r>
+              <a:rPr lang="en-US" smtClean="0"/>
+              <a:t>Fourth level</a:t>
+            </a:r>
+          </a:p>
+          <a:p>
+            <a:pPr lvl="4" eaLnBrk="1" latinLnBrk="0" hangingPunct="1"/>
+            <a:r>
+              <a:rPr lang="en-US" smtClean="0"/>
+              <a:t>Fifth level</a:t>
+            </a:r>
+            <a:endParaRPr kumimoji="0" lang="en-US"/>
+          </a:p>
+        </p:txBody>
+      </p:sp>
+      <p:sp>
+        <p:nvSpPr>
+          <p:cNvPr id="4" name="Date Placeholder 3"/>
+          <p:cNvSpPr>
+            <a:spLocks noGrp="1"/>
+          </p:cNvSpPr>
+          <p:nvPr>
+            <p:ph type="dt" sz="half" idx="10"/>
           </p:nvPr>
         </p:nvSpPr>
         <p:spPr/>
         <p:txBody>
           <a:bodyPr/>
-          <a:lstStyle/>
-          <a:p>
-            <a:pPr lvl="0"/>
-            <a:r>
-              <a:rPr lang="en-US" smtClean="0"/>
-              <a:t>Click to edit Master text styles</a:t>
-            </a:r>
-          </a:p>
-          <a:p>
-            <a:pPr lvl="1"/>
-            <a:r>
-              <a:rPr lang="en-US" smtClean="0"/>
-              <a:t>Second level</a:t>
-            </a:r>
-          </a:p>
-          <a:p>
-            <a:pPr lvl="2"/>
-            <a:r>
-              <a:rPr lang="en-US" smtClean="0"/>
-              <a:t>Third level</a:t>
-            </a:r>
-          </a:p>
-          <a:p>
-            <a:pPr lvl="3"/>
-            <a:r>
-              <a:rPr lang="en-US" smtClean="0"/>
-              <a:t>Fourth level</a:t>
-            </a:r>
-          </a:p>
-          <a:p>
-            <a:pPr lvl="4"/>
-            <a:r>
-              <a:rPr lang="en-US" smtClean="0"/>
-              <a:t>Fifth level</a:t>
-            </a:r>
-            <a:endParaRPr lang="en-US"/>
-          </a:p>
-        </p:txBody>
-      </p:sp>
-      <p:sp>
-        <p:nvSpPr>
-          <p:cNvPr id="4" name="Date Placeholder 3"/>
-          <p:cNvSpPr>
-            <a:spLocks noGrp="1"/>
-          </p:cNvSpPr>
-          <p:nvPr>
-            <p:ph type="dt" sz="half" idx="10"/>
-          </p:nvPr>
-        </p:nvSpPr>
-        <p:spPr/>
-        <p:txBody>
-          <a:bodyPr/>
-          <a:lstStyle/>
-          <a:p>
-            <a:fld id="{0F9640C9-FD1D-4EC7-A146-38DBD4133D1C}" type="datetimeFigureOut">
-              <a:rPr lang="en-US" smtClean="0"/>
-              <a:t>7/18/2019</a:t>
+          <a:lstStyle>
+            <a:extLst/>
+          </a:lstStyle>
+          <a:p>
+            <a:fld id="{7B86917A-4F4A-46BF-B828-38F3864D3410}" type="datetime1">
+              <a:rPr lang="en-US" smtClean="0"/>
+              <a:t>7/19/2019</a:t>
             </a:fld>
             <a:endParaRPr lang="en-US"/>
           </a:p>
@@ -808,8 +1678,14 @@
         <p:spPr/>
         <p:txBody>
           <a:bodyPr/>
-          <a:lstStyle/>
-          <a:p>
+          <a:lstStyle>
+            <a:extLst/>
+          </a:lstStyle>
+          <a:p>
+            <a:r>
+              <a:rPr lang="en-US" smtClean="0"/>
+              <a:t>N.chaithanya Koushik</a:t>
+            </a:r>
             <a:endParaRPr lang="en-US"/>
           </a:p>
         </p:txBody>
@@ -827,22 +1703,45 @@
         <p:spPr/>
         <p:txBody>
           <a:bodyPr/>
-          <a:lstStyle/>
+          <a:lstStyle>
+            <a:extLst/>
+          </a:lstStyle>
           <a:p>
             <a:fld id="{9CF0812B-CEB2-4056-BF4D-9194C6B60941}" type="slidenum">
               <a:rPr lang="en-US" smtClean="0"/>
+              <a:pPr/>
               <a:t>‹#›</a:t>
             </a:fld>
             <a:endParaRPr lang="en-US"/>
           </a:p>
         </p:txBody>
       </p:sp>
+      <p:sp>
+        <p:nvSpPr>
+          <p:cNvPr id="7" name="Title 6"/>
+          <p:cNvSpPr>
+            <a:spLocks noGrp="1"/>
+          </p:cNvSpPr>
+          <p:nvPr>
+            <p:ph type="title"/>
+          </p:nvPr>
+        </p:nvSpPr>
+        <p:spPr/>
+        <p:txBody>
+          <a:bodyPr rtlCol="0"/>
+          <a:lstStyle>
+            <a:extLst/>
+          </a:lstStyle>
+          <a:p>
+            <a:r>
+              <a:rPr kumimoji="0" lang="en-US" smtClean="0"/>
+              <a:t>Click to edit Master title style</a:t>
+            </a:r>
+            <a:endParaRPr kumimoji="0" lang="en-US"/>
+          </a:p>
+        </p:txBody>
+      </p:sp>
     </p:spTree>
-    <p:extLst>
-      <p:ext uri="{BB962C8B-B14F-4D97-AF65-F5344CB8AC3E}">
-        <p14:creationId xmlns:p14="http://schemas.microsoft.com/office/powerpoint/2010/main" val="681352468"/>
-      </p:ext>
-    </p:extLst>
   </p:cSld>
   <p:clrMapOvr>
     <a:masterClrMapping/>
@@ -853,6 +1752,11 @@
 <file path=ppt/slideLayouts/slideLayout3.xml><?xml version="1.0" encoding="utf-8"?>
 <p:sldLayout xmlns:a="http://schemas.openxmlformats.org/drawingml/2006/main" xmlns:r="http://schemas.openxmlformats.org/officeDocument/2006/relationships" xmlns:p="http://schemas.openxmlformats.org/presentationml/2006/main" type="secHead" preserve="1">
   <p:cSld name="Section Header">
+    <p:bg>
+      <p:bgRef idx="1002">
+        <a:schemeClr val="bg1"/>
+      </p:bgRef>
+    </p:bg>
     <p:spTree>
       <p:nvGrpSpPr>
         <p:cNvPr id="1" name=""/>
@@ -879,23 +1783,42 @@
         </p:nvSpPr>
         <p:spPr>
           <a:xfrm>
-            <a:off x="831850" y="1709738"/>
-            <a:ext cx="10515600" cy="2852737"/>
+            <a:off x="963168" y="1059712"/>
+            <a:ext cx="10363200" cy="1828800"/>
           </a:xfrm>
         </p:spPr>
         <p:txBody>
-          <a:bodyPr anchor="b"/>
+          <a:bodyPr vert="horz" anchor="b">
+            <a:normAutofit/>
+            <a:scene3d>
+              <a:camera prst="orthographicFront"/>
+              <a:lightRig rig="soft" dir="t"/>
+            </a:scene3d>
+            <a:sp3d prstMaterial="softEdge">
+              <a:bevelT w="25400" h="25400"/>
+            </a:sp3d>
+          </a:bodyPr>
           <a:lstStyle>
-            <a:lvl1pPr>
-              <a:defRPr sz="6000"/>
+            <a:lvl1pPr algn="r">
+              <a:buNone/>
+              <a:defRPr sz="4800" b="1" cap="none" baseline="0">
+                <a:effectLst>
+                  <a:outerShdw blurRad="31750" dist="25400" dir="5400000" algn="tl" rotWithShape="0">
+                    <a:srgbClr val="000000">
+                      <a:alpha val="25000"/>
+                    </a:srgbClr>
+                  </a:outerShdw>
+                </a:effectLst>
+              </a:defRPr>
             </a:lvl1pPr>
+            <a:extLst/>
           </a:lstStyle>
           <a:p>
             <a:r>
-              <a:rPr lang="en-US" smtClean="0"/>
+              <a:rPr kumimoji="0" lang="en-US" smtClean="0"/>
               <a:t>Click to edit Master title style</a:t>
             </a:r>
-            <a:endParaRPr lang="en-US"/>
+            <a:endParaRPr kumimoji="0" lang="en-US"/>
           </a:p>
         </p:txBody>
       </p:sp>
@@ -911,34 +1834,22 @@
         </p:nvSpPr>
         <p:spPr>
           <a:xfrm>
-            <a:off x="831850" y="4589463"/>
-            <a:ext cx="10515600" cy="1500187"/>
+            <a:off x="5230284" y="2931712"/>
+            <a:ext cx="6096000" cy="1454888"/>
           </a:xfrm>
         </p:spPr>
         <p:txBody>
-          <a:bodyPr/>
+          <a:bodyPr lIns="91440" rIns="91440" anchor="t"/>
           <a:lstStyle>
-            <a:lvl1pPr marL="0" indent="0">
+            <a:lvl1pPr marL="0" indent="0" algn="l">
               <a:buNone/>
-              <a:defRPr sz="2400">
+              <a:defRPr sz="2300">
                 <a:solidFill>
-                  <a:schemeClr val="tx1">
-                    <a:tint val="75000"/>
-                  </a:schemeClr>
+                  <a:schemeClr val="tx1"/>
                 </a:solidFill>
               </a:defRPr>
             </a:lvl1pPr>
-            <a:lvl2pPr marL="457200" indent="0">
-              <a:buNone/>
-              <a:defRPr sz="2000">
-                <a:solidFill>
-                  <a:schemeClr val="tx1">
-                    <a:tint val="75000"/>
-                  </a:schemeClr>
-                </a:solidFill>
-              </a:defRPr>
-            </a:lvl2pPr>
-            <a:lvl3pPr marL="914400" indent="0">
+            <a:lvl2pPr>
               <a:buNone/>
               <a:defRPr sz="1800">
                 <a:solidFill>
@@ -947,8 +1858,8 @@
                   </a:schemeClr>
                 </a:solidFill>
               </a:defRPr>
-            </a:lvl3pPr>
-            <a:lvl4pPr marL="1371600" indent="0">
+            </a:lvl2pPr>
+            <a:lvl3pPr>
               <a:buNone/>
               <a:defRPr sz="1600">
                 <a:solidFill>
@@ -957,10 +1868,20 @@
                   </a:schemeClr>
                 </a:solidFill>
               </a:defRPr>
+            </a:lvl3pPr>
+            <a:lvl4pPr>
+              <a:buNone/>
+              <a:defRPr sz="1400">
+                <a:solidFill>
+                  <a:schemeClr val="tx1">
+                    <a:tint val="75000"/>
+                  </a:schemeClr>
+                </a:solidFill>
+              </a:defRPr>
             </a:lvl4pPr>
-            <a:lvl5pPr marL="1828800" indent="0">
+            <a:lvl5pPr>
               <a:buNone/>
-              <a:defRPr sz="1600">
+              <a:defRPr sz="1400">
                 <a:solidFill>
                   <a:schemeClr val="tx1">
                     <a:tint val="75000"/>
@@ -968,51 +1889,12 @@
                 </a:solidFill>
               </a:defRPr>
             </a:lvl5pPr>
-            <a:lvl6pPr marL="2286000" indent="0">
-              <a:buNone/>
-              <a:defRPr sz="1600">
-                <a:solidFill>
-                  <a:schemeClr val="tx1">
-                    <a:tint val="75000"/>
-                  </a:schemeClr>
-                </a:solidFill>
-              </a:defRPr>
-            </a:lvl6pPr>
-            <a:lvl7pPr marL="2743200" indent="0">
-              <a:buNone/>
-              <a:defRPr sz="1600">
-                <a:solidFill>
-                  <a:schemeClr val="tx1">
-                    <a:tint val="75000"/>
-                  </a:schemeClr>
-                </a:solidFill>
-              </a:defRPr>
-            </a:lvl7pPr>
-            <a:lvl8pPr marL="3200400" indent="0">
-              <a:buNone/>
-              <a:defRPr sz="1600">
-                <a:solidFill>
-                  <a:schemeClr val="tx1">
-                    <a:tint val="75000"/>
-                  </a:schemeClr>
-                </a:solidFill>
-              </a:defRPr>
-            </a:lvl8pPr>
-            <a:lvl9pPr marL="3657600" indent="0">
-              <a:buNone/>
-              <a:defRPr sz="1600">
-                <a:solidFill>
-                  <a:schemeClr val="tx1">
-                    <a:tint val="75000"/>
-                  </a:schemeClr>
-                </a:solidFill>
-              </a:defRPr>
-            </a:lvl9pPr>
+            <a:extLst/>
           </a:lstStyle>
           <a:p>
-            <a:pPr lvl="0"/>
-            <a:r>
-              <a:rPr lang="en-US" smtClean="0"/>
+            <a:pPr lvl="0" eaLnBrk="1" latinLnBrk="0" hangingPunct="1"/>
+            <a:r>
+              <a:rPr kumimoji="0" lang="en-US" smtClean="0"/>
               <a:t>Click to edit Master text styles</a:t>
             </a:r>
           </a:p>
@@ -1031,11 +1913,13 @@
         <p:spPr/>
         <p:txBody>
           <a:bodyPr/>
-          <a:lstStyle/>
-          <a:p>
-            <a:fld id="{0F9640C9-FD1D-4EC7-A146-38DBD4133D1C}" type="datetimeFigureOut">
-              <a:rPr lang="en-US" smtClean="0"/>
-              <a:t>7/18/2019</a:t>
+          <a:lstStyle>
+            <a:extLst/>
+          </a:lstStyle>
+          <a:p>
+            <a:fld id="{89C378ED-C6C6-48FD-BD6F-93F18FE795CE}" type="datetime1">
+              <a:rPr lang="en-US" smtClean="0"/>
+              <a:t>7/19/2019</a:t>
             </a:fld>
             <a:endParaRPr lang="en-US"/>
           </a:p>
@@ -1054,8 +1938,14 @@
         <p:spPr/>
         <p:txBody>
           <a:bodyPr/>
-          <a:lstStyle/>
-          <a:p>
+          <a:lstStyle>
+            <a:extLst/>
+          </a:lstStyle>
+          <a:p>
+            <a:r>
+              <a:rPr lang="en-US" smtClean="0"/>
+              <a:t>N.chaithanya Koushik</a:t>
+            </a:r>
             <a:endParaRPr lang="en-US"/>
           </a:p>
         </p:txBody>
@@ -1073,25 +1963,183 @@
         <p:spPr/>
         <p:txBody>
           <a:bodyPr/>
-          <a:lstStyle/>
+          <a:lstStyle>
+            <a:extLst/>
+          </a:lstStyle>
           <a:p>
             <a:fld id="{9CF0812B-CEB2-4056-BF4D-9194C6B60941}" type="slidenum">
               <a:rPr lang="en-US" smtClean="0"/>
+              <a:pPr/>
               <a:t>‹#›</a:t>
             </a:fld>
             <a:endParaRPr lang="en-US"/>
           </a:p>
         </p:txBody>
       </p:sp>
+      <p:sp>
+        <p:nvSpPr>
+          <p:cNvPr id="7" name="Chevron 6"/>
+          <p:cNvSpPr/>
+          <p:nvPr/>
+        </p:nvSpPr>
+        <p:spPr>
+          <a:xfrm>
+            <a:off x="4848907" y="3005472"/>
+            <a:ext cx="243840" cy="228600"/>
+          </a:xfrm>
+          <a:prstGeom prst="chevron">
+            <a:avLst>
+              <a:gd name="adj" fmla="val 50000"/>
+            </a:avLst>
+          </a:prstGeom>
+          <a:gradFill flip="none" rotWithShape="1">
+            <a:gsLst>
+              <a:gs pos="0">
+                <a:schemeClr val="accent1">
+                  <a:shade val="60000"/>
+                  <a:satMod val="125000"/>
+                </a:schemeClr>
+              </a:gs>
+              <a:gs pos="72000">
+                <a:schemeClr val="accent1">
+                  <a:tint val="90000"/>
+                  <a:satMod val="138000"/>
+                </a:schemeClr>
+              </a:gs>
+              <a:gs pos="100000">
+                <a:schemeClr val="accent1">
+                  <a:tint val="76000"/>
+                  <a:satMod val="136000"/>
+                </a:schemeClr>
+              </a:gs>
+            </a:gsLst>
+            <a:lin ang="16200000" scaled="0"/>
+          </a:gradFill>
+          <a:ln w="3175" cap="rnd" cmpd="sng" algn="ctr">
+            <a:solidFill>
+              <a:schemeClr val="accent1">
+                <a:shade val="50000"/>
+              </a:schemeClr>
+            </a:solidFill>
+            <a:prstDash val="solid"/>
+          </a:ln>
+          <a:effectLst>
+            <a:outerShdw blurRad="50800" dist="25400" dir="5400000">
+              <a:srgbClr val="000000">
+                <a:alpha val="46000"/>
+              </a:srgbClr>
+            </a:outerShdw>
+          </a:effectLst>
+        </p:spPr>
+        <p:style>
+          <a:lnRef idx="1">
+            <a:schemeClr val="accent1"/>
+          </a:lnRef>
+          <a:fillRef idx="3">
+            <a:schemeClr val="accent1"/>
+          </a:fillRef>
+          <a:effectRef idx="2">
+            <a:schemeClr val="accent1"/>
+          </a:effectRef>
+          <a:fontRef idx="minor">
+            <a:schemeClr val="lt1"/>
+          </a:fontRef>
+        </p:style>
+        <p:txBody>
+          <a:bodyPr anchor="ctr"/>
+          <a:lstStyle>
+            <a:extLst/>
+          </a:lstStyle>
+          <a:p>
+            <a:pPr algn="l" eaLnBrk="1" latinLnBrk="0" hangingPunct="1"/>
+            <a:endParaRPr kumimoji="0" lang="en-US"/>
+          </a:p>
+        </p:txBody>
+      </p:sp>
+      <p:sp>
+        <p:nvSpPr>
+          <p:cNvPr id="8" name="Chevron 7"/>
+          <p:cNvSpPr/>
+          <p:nvPr/>
+        </p:nvSpPr>
+        <p:spPr>
+          <a:xfrm>
+            <a:off x="4600352" y="3005472"/>
+            <a:ext cx="243840" cy="228600"/>
+          </a:xfrm>
+          <a:prstGeom prst="chevron">
+            <a:avLst>
+              <a:gd name="adj" fmla="val 50000"/>
+            </a:avLst>
+          </a:prstGeom>
+          <a:gradFill flip="none" rotWithShape="1">
+            <a:gsLst>
+              <a:gs pos="0">
+                <a:schemeClr val="accent1">
+                  <a:shade val="60000"/>
+                  <a:satMod val="125000"/>
+                </a:schemeClr>
+              </a:gs>
+              <a:gs pos="72000">
+                <a:schemeClr val="accent1">
+                  <a:tint val="90000"/>
+                  <a:satMod val="138000"/>
+                </a:schemeClr>
+              </a:gs>
+              <a:gs pos="100000">
+                <a:schemeClr val="accent1">
+                  <a:tint val="76000"/>
+                  <a:satMod val="136000"/>
+                </a:schemeClr>
+              </a:gs>
+            </a:gsLst>
+            <a:lin ang="16200000" scaled="0"/>
+          </a:gradFill>
+          <a:ln w="3175" cap="rnd" cmpd="sng" algn="ctr">
+            <a:solidFill>
+              <a:schemeClr val="accent1">
+                <a:shade val="50000"/>
+              </a:schemeClr>
+            </a:solidFill>
+            <a:prstDash val="solid"/>
+          </a:ln>
+          <a:effectLst>
+            <a:outerShdw blurRad="50800" dist="25400" dir="5400000">
+              <a:srgbClr val="000000">
+                <a:alpha val="46000"/>
+              </a:srgbClr>
+            </a:outerShdw>
+          </a:effectLst>
+        </p:spPr>
+        <p:style>
+          <a:lnRef idx="1">
+            <a:schemeClr val="accent1"/>
+          </a:lnRef>
+          <a:fillRef idx="3">
+            <a:schemeClr val="accent1"/>
+          </a:fillRef>
+          <a:effectRef idx="2">
+            <a:schemeClr val="accent1"/>
+          </a:effectRef>
+          <a:fontRef idx="minor">
+            <a:schemeClr val="lt1"/>
+          </a:fontRef>
+        </p:style>
+        <p:txBody>
+          <a:bodyPr anchor="ctr"/>
+          <a:lstStyle>
+            <a:extLst/>
+          </a:lstStyle>
+          <a:p>
+            <a:pPr algn="l" eaLnBrk="1" latinLnBrk="0" hangingPunct="1"/>
+            <a:endParaRPr kumimoji="0" lang="en-US"/>
+          </a:p>
+        </p:txBody>
+      </p:sp>
     </p:spTree>
-    <p:extLst>
-      <p:ext uri="{BB962C8B-B14F-4D97-AF65-F5344CB8AC3E}">
-        <p14:creationId xmlns:p14="http://schemas.microsoft.com/office/powerpoint/2010/main" val="406403800"/>
-      </p:ext>
-    </p:extLst>
   </p:cSld>
   <p:clrMapOvr>
-    <a:masterClrMapping/>
+    <a:overrideClrMapping bg1="dk1" tx1="lt1" bg2="dk2" tx2="lt2" accent1="accent1" accent2="accent2" accent3="accent3" accent4="accent4" accent5="accent5" accent6="accent6" hlink="hlink" folHlink="folHlink"/>
   </p:clrMapOvr>
 </p:sldLayout>
 </file>
@@ -1099,6 +2147,11 @@
 <file path=ppt/slideLayouts/slideLayout4.xml><?xml version="1.0" encoding="utf-8"?>
 <p:sldLayout xmlns:a="http://schemas.openxmlformats.org/drawingml/2006/main" xmlns:r="http://schemas.openxmlformats.org/officeDocument/2006/relationships" xmlns:p="http://schemas.openxmlformats.org/presentationml/2006/main" type="twoObj" preserve="1">
   <p:cSld name="Two Content">
+    <p:bg>
+      <p:bgRef idx="1002">
+        <a:schemeClr val="bg1"/>
+      </p:bgRef>
+    </p:bg>
     <p:spTree>
       <p:nvGrpSpPr>
         <p:cNvPr id="1" name=""/>
@@ -1115,29 +2168,6 @@
       </p:grpSpPr>
       <p:sp>
         <p:nvSpPr>
-          <p:cNvPr id="2" name="Title 1"/>
-          <p:cNvSpPr>
-            <a:spLocks noGrp="1"/>
-          </p:cNvSpPr>
-          <p:nvPr>
-            <p:ph type="title"/>
-          </p:nvPr>
-        </p:nvSpPr>
-        <p:spPr/>
-        <p:txBody>
-          <a:bodyPr/>
-          <a:lstStyle/>
-          <a:p>
-            <a:r>
-              <a:rPr lang="en-US" smtClean="0"/>
-              <a:t>Click to edit Master title style</a:t>
-            </a:r>
-            <a:endParaRPr lang="en-US"/>
-          </a:p>
-        </p:txBody>
-      </p:sp>
-      <p:sp>
-        <p:nvSpPr>
           <p:cNvPr id="3" name="Content Placeholder 2"/>
           <p:cNvSpPr>
             <a:spLocks noGrp="1"/>
@@ -1148,48 +2178,65 @@
         </p:nvSpPr>
         <p:spPr>
           <a:xfrm>
-            <a:off x="838200" y="1825625"/>
-            <a:ext cx="5181600" cy="4351338"/>
+            <a:off x="609600" y="1481329"/>
+            <a:ext cx="5384800" cy="4525963"/>
           </a:xfrm>
         </p:spPr>
         <p:txBody>
           <a:bodyPr/>
-          <a:lstStyle/>
-          <a:p>
-            <a:pPr lvl="0"/>
+          <a:lstStyle>
+            <a:lvl1pPr>
+              <a:defRPr sz="2800"/>
+            </a:lvl1pPr>
+            <a:lvl2pPr>
+              <a:defRPr sz="2400"/>
+            </a:lvl2pPr>
+            <a:lvl3pPr>
+              <a:defRPr sz="2000"/>
+            </a:lvl3pPr>
+            <a:lvl4pPr>
+              <a:defRPr sz="1800"/>
+            </a:lvl4pPr>
+            <a:lvl5pPr>
+              <a:defRPr sz="1800"/>
+            </a:lvl5pPr>
+            <a:extLst/>
+          </a:lstStyle>
+          <a:p>
+            <a:pPr lvl="0" eaLnBrk="1" latinLnBrk="0" hangingPunct="1"/>
             <a:r>
               <a:rPr lang="en-US" smtClean="0"/>
               <a:t>Click to edit Master text styles</a:t>
             </a:r>
           </a:p>
           <a:p>
-            <a:pPr lvl="1"/>
+            <a:pPr lvl="1" eaLnBrk="1" latinLnBrk="0" hangingPunct="1"/>
             <a:r>
               <a:rPr lang="en-US" smtClean="0"/>
               <a:t>Second level</a:t>
             </a:r>
           </a:p>
           <a:p>
-            <a:pPr lvl="2"/>
+            <a:pPr lvl="2" eaLnBrk="1" latinLnBrk="0" hangingPunct="1"/>
             <a:r>
               <a:rPr lang="en-US" smtClean="0"/>
               <a:t>Third level</a:t>
             </a:r>
           </a:p>
           <a:p>
-            <a:pPr lvl="3"/>
+            <a:pPr lvl="3" eaLnBrk="1" latinLnBrk="0" hangingPunct="1"/>
             <a:r>
               <a:rPr lang="en-US" smtClean="0"/>
               <a:t>Fourth level</a:t>
             </a:r>
           </a:p>
           <a:p>
-            <a:pPr lvl="4"/>
+            <a:pPr lvl="4" eaLnBrk="1" latinLnBrk="0" hangingPunct="1"/>
             <a:r>
               <a:rPr lang="en-US" smtClean="0"/>
               <a:t>Fifth level</a:t>
             </a:r>
-            <a:endParaRPr lang="en-US"/>
+            <a:endParaRPr kumimoji="0" lang="en-US"/>
           </a:p>
         </p:txBody>
       </p:sp>
@@ -1205,48 +2252,65 @@
         </p:nvSpPr>
         <p:spPr>
           <a:xfrm>
-            <a:off x="6172200" y="1825625"/>
-            <a:ext cx="5181600" cy="4351338"/>
+            <a:off x="6197600" y="1481329"/>
+            <a:ext cx="5384800" cy="4525963"/>
           </a:xfrm>
         </p:spPr>
         <p:txBody>
           <a:bodyPr/>
-          <a:lstStyle/>
-          <a:p>
-            <a:pPr lvl="0"/>
+          <a:lstStyle>
+            <a:lvl1pPr>
+              <a:defRPr sz="2800"/>
+            </a:lvl1pPr>
+            <a:lvl2pPr>
+              <a:defRPr sz="2400"/>
+            </a:lvl2pPr>
+            <a:lvl3pPr>
+              <a:defRPr sz="2000"/>
+            </a:lvl3pPr>
+            <a:lvl4pPr>
+              <a:defRPr sz="1800"/>
+            </a:lvl4pPr>
+            <a:lvl5pPr>
+              <a:defRPr sz="1800"/>
+            </a:lvl5pPr>
+            <a:extLst/>
+          </a:lstStyle>
+          <a:p>
+            <a:pPr lvl="0" eaLnBrk="1" latinLnBrk="0" hangingPunct="1"/>
             <a:r>
               <a:rPr lang="en-US" smtClean="0"/>
               <a:t>Click to edit Master text styles</a:t>
             </a:r>
           </a:p>
           <a:p>
-            <a:pPr lvl="1"/>
+            <a:pPr lvl="1" eaLnBrk="1" latinLnBrk="0" hangingPunct="1"/>
             <a:r>
               <a:rPr lang="en-US" smtClean="0"/>
               <a:t>Second level</a:t>
             </a:r>
           </a:p>
           <a:p>
-            <a:pPr lvl="2"/>
+            <a:pPr lvl="2" eaLnBrk="1" latinLnBrk="0" hangingPunct="1"/>
             <a:r>
               <a:rPr lang="en-US" smtClean="0"/>
               <a:t>Third level</a:t>
             </a:r>
           </a:p>
           <a:p>
-            <a:pPr lvl="3"/>
+            <a:pPr lvl="3" eaLnBrk="1" latinLnBrk="0" hangingPunct="1"/>
             <a:r>
               <a:rPr lang="en-US" smtClean="0"/>
               <a:t>Fourth level</a:t>
             </a:r>
           </a:p>
           <a:p>
-            <a:pPr lvl="4"/>
+            <a:pPr lvl="4" eaLnBrk="1" latinLnBrk="0" hangingPunct="1"/>
             <a:r>
               <a:rPr lang="en-US" smtClean="0"/>
               <a:t>Fifth level</a:t>
             </a:r>
-            <a:endParaRPr lang="en-US"/>
+            <a:endParaRPr kumimoji="0" lang="en-US"/>
           </a:p>
         </p:txBody>
       </p:sp>
@@ -1263,11 +2327,13 @@
         <p:spPr/>
         <p:txBody>
           <a:bodyPr/>
-          <a:lstStyle/>
-          <a:p>
-            <a:fld id="{0F9640C9-FD1D-4EC7-A146-38DBD4133D1C}" type="datetimeFigureOut">
-              <a:rPr lang="en-US" smtClean="0"/>
-              <a:t>7/18/2019</a:t>
+          <a:lstStyle>
+            <a:extLst/>
+          </a:lstStyle>
+          <a:p>
+            <a:fld id="{DDDE207F-CC4D-4401-9715-25350056E5C6}" type="datetime1">
+              <a:rPr lang="en-US" smtClean="0"/>
+              <a:t>7/19/2019</a:t>
             </a:fld>
             <a:endParaRPr lang="en-US"/>
           </a:p>
@@ -1286,8 +2352,14 @@
         <p:spPr/>
         <p:txBody>
           <a:bodyPr/>
-          <a:lstStyle/>
-          <a:p>
+          <a:lstStyle>
+            <a:extLst/>
+          </a:lstStyle>
+          <a:p>
+            <a:r>
+              <a:rPr lang="en-US" smtClean="0"/>
+              <a:t>N.chaithanya Koushik</a:t>
+            </a:r>
             <a:endParaRPr lang="en-US"/>
           </a:p>
         </p:txBody>
@@ -1305,32 +2377,60 @@
         <p:spPr/>
         <p:txBody>
           <a:bodyPr/>
-          <a:lstStyle/>
+          <a:lstStyle>
+            <a:extLst/>
+          </a:lstStyle>
           <a:p>
             <a:fld id="{9CF0812B-CEB2-4056-BF4D-9194C6B60941}" type="slidenum">
               <a:rPr lang="en-US" smtClean="0"/>
+              <a:pPr/>
               <a:t>‹#›</a:t>
             </a:fld>
             <a:endParaRPr lang="en-US"/>
           </a:p>
         </p:txBody>
       </p:sp>
+      <p:sp>
+        <p:nvSpPr>
+          <p:cNvPr id="8" name="Title 7"/>
+          <p:cNvSpPr>
+            <a:spLocks noGrp="1"/>
+          </p:cNvSpPr>
+          <p:nvPr>
+            <p:ph type="title"/>
+          </p:nvPr>
+        </p:nvSpPr>
+        <p:spPr/>
+        <p:txBody>
+          <a:bodyPr rtlCol="0"/>
+          <a:lstStyle>
+            <a:extLst/>
+          </a:lstStyle>
+          <a:p>
+            <a:r>
+              <a:rPr kumimoji="0" lang="en-US" smtClean="0"/>
+              <a:t>Click to edit Master title style</a:t>
+            </a:r>
+            <a:endParaRPr kumimoji="0" lang="en-US"/>
+          </a:p>
+        </p:txBody>
+      </p:sp>
     </p:spTree>
-    <p:extLst>
-      <p:ext uri="{BB962C8B-B14F-4D97-AF65-F5344CB8AC3E}">
-        <p14:creationId xmlns:p14="http://schemas.microsoft.com/office/powerpoint/2010/main" val="3168835869"/>
-      </p:ext>
-    </p:extLst>
   </p:cSld>
   <p:clrMapOvr>
-    <a:masterClrMapping/>
+    <a:overrideClrMapping bg1="dk1" tx1="lt1" bg2="dk2" tx2="lt2" accent1="accent1" accent2="accent2" accent3="accent3" accent4="accent4" accent5="accent5" accent6="accent6" hlink="hlink" folHlink="folHlink"/>
   </p:clrMapOvr>
 </p:sldLayout>
 </file>
 
 <file path=ppt/slideLayouts/slideLayout5.xml><?xml version="1.0" encoding="utf-8"?>
-<p:sldLayout xmlns:a="http://schemas.openxmlformats.org/drawingml/2006/main" xmlns:r="http://schemas.openxmlformats.org/officeDocument/2006/relationships" xmlns:p="http://schemas.openxmlformats.org/presentationml/2006/main" type="twoTxTwoObj" preserve="1">
+<p:sldLayout xmlns:a="http://schemas.openxmlformats.org/drawingml/2006/main" xmlns:r="http://schemas.openxmlformats.org/officeDocument/2006/relationships" xmlns:p="http://schemas.openxmlformats.org/presentationml/2006/main" showMasterSp="0" type="twoTxTwoObj" preserve="1">
   <p:cSld name="Comparison">
+    <p:bg>
+      <p:bgRef idx="1003">
+        <a:schemeClr val="bg1"/>
+      </p:bgRef>
+    </p:bg>
     <p:spTree>
       <p:nvGrpSpPr>
         <p:cNvPr id="1" name=""/>
@@ -1357,19 +2457,24 @@
         </p:nvSpPr>
         <p:spPr>
           <a:xfrm>
-            <a:off x="839788" y="365125"/>
-            <a:ext cx="10515600" cy="1325563"/>
+            <a:off x="609600" y="273050"/>
+            <a:ext cx="10972800" cy="1143000"/>
           </a:xfrm>
         </p:spPr>
         <p:txBody>
-          <a:bodyPr/>
-          <a:lstStyle/>
-          <a:p>
-            <a:r>
-              <a:rPr lang="en-US" smtClean="0"/>
+          <a:bodyPr anchor="ctr"/>
+          <a:lstStyle>
+            <a:lvl1pPr>
+              <a:defRPr/>
+            </a:lvl1pPr>
+            <a:extLst/>
+          </a:lstStyle>
+          <a:p>
+            <a:r>
+              <a:rPr kumimoji="0" lang="en-US" smtClean="0"/>
               <a:t>Click to edit Master title style</a:t>
             </a:r>
-            <a:endParaRPr lang="en-US"/>
+            <a:endParaRPr kumimoji="0" lang="en-US"/>
           </a:p>
         </p:txBody>
       </p:sp>
@@ -1385,54 +2490,52 @@
         </p:nvSpPr>
         <p:spPr>
           <a:xfrm>
-            <a:off x="839788" y="1681163"/>
-            <a:ext cx="5157787" cy="823912"/>
+            <a:off x="609600" y="5410200"/>
+            <a:ext cx="5386917" cy="762000"/>
           </a:xfrm>
+          <a:solidFill>
+            <a:schemeClr val="accent1"/>
+          </a:solidFill>
+          <a:ln w="9652">
+            <a:solidFill>
+              <a:schemeClr val="accent1"/>
+            </a:solidFill>
+            <a:miter lim="800000"/>
+          </a:ln>
         </p:spPr>
         <p:txBody>
-          <a:bodyPr anchor="b"/>
+          <a:bodyPr lIns="182880" anchor="ctr"/>
           <a:lstStyle>
             <a:lvl1pPr marL="0" indent="0">
               <a:buNone/>
-              <a:defRPr sz="2400" b="1"/>
+              <a:defRPr sz="2400" b="0">
+                <a:solidFill>
+                  <a:schemeClr val="bg1"/>
+                </a:solidFill>
+              </a:defRPr>
             </a:lvl1pPr>
-            <a:lvl2pPr marL="457200" indent="0">
+            <a:lvl2pPr>
               <a:buNone/>
               <a:defRPr sz="2000" b="1"/>
             </a:lvl2pPr>
-            <a:lvl3pPr marL="914400" indent="0">
+            <a:lvl3pPr>
               <a:buNone/>
               <a:defRPr sz="1800" b="1"/>
             </a:lvl3pPr>
-            <a:lvl4pPr marL="1371600" indent="0">
+            <a:lvl4pPr>
               <a:buNone/>
               <a:defRPr sz="1600" b="1"/>
             </a:lvl4pPr>
-            <a:lvl5pPr marL="1828800" indent="0">
+            <a:lvl5pPr>
               <a:buNone/>
               <a:defRPr sz="1600" b="1"/>
             </a:lvl5pPr>
-            <a:lvl6pPr marL="2286000" indent="0">
-              <a:buNone/>
-              <a:defRPr sz="1600" b="1"/>
-            </a:lvl6pPr>
-            <a:lvl7pPr marL="2743200" indent="0">
-              <a:buNone/>
-              <a:defRPr sz="1600" b="1"/>
-            </a:lvl7pPr>
-            <a:lvl8pPr marL="3200400" indent="0">
-              <a:buNone/>
-              <a:defRPr sz="1600" b="1"/>
-            </a:lvl8pPr>
-            <a:lvl9pPr marL="3657600" indent="0">
-              <a:buNone/>
-              <a:defRPr sz="1600" b="1"/>
-            </a:lvl9pPr>
+            <a:extLst/>
           </a:lstStyle>
           <a:p>
-            <a:pPr lvl="0"/>
-            <a:r>
-              <a:rPr lang="en-US" smtClean="0"/>
+            <a:pPr lvl="0" eaLnBrk="1" latinLnBrk="0" hangingPunct="1"/>
+            <a:r>
+              <a:rPr kumimoji="0" lang="en-US" smtClean="0"/>
               <a:t>Click to edit Master text styles</a:t>
             </a:r>
           </a:p>
@@ -1440,121 +2543,62 @@
       </p:sp>
       <p:sp>
         <p:nvSpPr>
-          <p:cNvPr id="4" name="Content Placeholder 3"/>
-          <p:cNvSpPr>
-            <a:spLocks noGrp="1"/>
-          </p:cNvSpPr>
-          <p:nvPr>
-            <p:ph sz="half" idx="2"/>
+          <p:cNvPr id="4" name="Text Placeholder 3"/>
+          <p:cNvSpPr>
+            <a:spLocks noGrp="1"/>
+          </p:cNvSpPr>
+          <p:nvPr>
+            <p:ph type="body" sz="half" idx="3"/>
           </p:nvPr>
         </p:nvSpPr>
         <p:spPr>
           <a:xfrm>
-            <a:off x="839788" y="2505075"/>
-            <a:ext cx="5157787" cy="3684588"/>
+            <a:off x="6193369" y="5410200"/>
+            <a:ext cx="5389033" cy="762000"/>
           </a:xfrm>
+          <a:solidFill>
+            <a:schemeClr val="accent1"/>
+          </a:solidFill>
+          <a:ln w="9652">
+            <a:solidFill>
+              <a:schemeClr val="accent1"/>
+            </a:solidFill>
+            <a:miter lim="800000"/>
+          </a:ln>
         </p:spPr>
         <p:txBody>
-          <a:bodyPr/>
-          <a:lstStyle/>
-          <a:p>
-            <a:pPr lvl="0"/>
-            <a:r>
-              <a:rPr lang="en-US" smtClean="0"/>
-              <a:t>Click to edit Master text styles</a:t>
-            </a:r>
-          </a:p>
-          <a:p>
-            <a:pPr lvl="1"/>
-            <a:r>
-              <a:rPr lang="en-US" smtClean="0"/>
-              <a:t>Second level</a:t>
-            </a:r>
-          </a:p>
-          <a:p>
-            <a:pPr lvl="2"/>
-            <a:r>
-              <a:rPr lang="en-US" smtClean="0"/>
-              <a:t>Third level</a:t>
-            </a:r>
-          </a:p>
-          <a:p>
-            <a:pPr lvl="3"/>
-            <a:r>
-              <a:rPr lang="en-US" smtClean="0"/>
-              <a:t>Fourth level</a:t>
-            </a:r>
-          </a:p>
-          <a:p>
-            <a:pPr lvl="4"/>
-            <a:r>
-              <a:rPr lang="en-US" smtClean="0"/>
-              <a:t>Fifth level</a:t>
-            </a:r>
-            <a:endParaRPr lang="en-US"/>
-          </a:p>
-        </p:txBody>
-      </p:sp>
-      <p:sp>
-        <p:nvSpPr>
-          <p:cNvPr id="5" name="Text Placeholder 4"/>
-          <p:cNvSpPr>
-            <a:spLocks noGrp="1"/>
-          </p:cNvSpPr>
-          <p:nvPr>
-            <p:ph type="body" sz="quarter" idx="3"/>
-          </p:nvPr>
-        </p:nvSpPr>
-        <p:spPr>
-          <a:xfrm>
-            <a:off x="6172200" y="1681163"/>
-            <a:ext cx="5183188" cy="823912"/>
-          </a:xfrm>
-        </p:spPr>
-        <p:txBody>
-          <a:bodyPr anchor="b"/>
+          <a:bodyPr lIns="182880" anchor="ctr"/>
           <a:lstStyle>
             <a:lvl1pPr marL="0" indent="0">
               <a:buNone/>
-              <a:defRPr sz="2400" b="1"/>
+              <a:defRPr sz="2400" b="0">
+                <a:solidFill>
+                  <a:schemeClr val="bg1"/>
+                </a:solidFill>
+              </a:defRPr>
             </a:lvl1pPr>
-            <a:lvl2pPr marL="457200" indent="0">
+            <a:lvl2pPr>
               <a:buNone/>
               <a:defRPr sz="2000" b="1"/>
             </a:lvl2pPr>
-            <a:lvl3pPr marL="914400" indent="0">
+            <a:lvl3pPr>
               <a:buNone/>
               <a:defRPr sz="1800" b="1"/>
             </a:lvl3pPr>
-            <a:lvl4pPr marL="1371600" indent="0">
+            <a:lvl4pPr>
               <a:buNone/>
               <a:defRPr sz="1600" b="1"/>
             </a:lvl4pPr>
-            <a:lvl5pPr marL="1828800" indent="0">
+            <a:lvl5pPr>
               <a:buNone/>
               <a:defRPr sz="1600" b="1"/>
             </a:lvl5pPr>
-            <a:lvl6pPr marL="2286000" indent="0">
-              <a:buNone/>
-              <a:defRPr sz="1600" b="1"/>
-            </a:lvl6pPr>
-            <a:lvl7pPr marL="2743200" indent="0">
-              <a:buNone/>
-              <a:defRPr sz="1600" b="1"/>
-            </a:lvl7pPr>
-            <a:lvl8pPr marL="3200400" indent="0">
-              <a:buNone/>
-              <a:defRPr sz="1600" b="1"/>
-            </a:lvl8pPr>
-            <a:lvl9pPr marL="3657600" indent="0">
-              <a:buNone/>
-              <a:defRPr sz="1600" b="1"/>
-            </a:lvl9pPr>
+            <a:extLst/>
           </a:lstStyle>
           <a:p>
-            <a:pPr lvl="0"/>
-            <a:r>
-              <a:rPr lang="en-US" smtClean="0"/>
+            <a:pPr lvl="0" eaLnBrk="1" latinLnBrk="0" hangingPunct="1"/>
+            <a:r>
+              <a:rPr kumimoji="0" lang="en-US" smtClean="0"/>
               <a:t>Click to edit Master text styles</a:t>
             </a:r>
           </a:p>
@@ -1562,58 +2606,162 @@
       </p:sp>
       <p:sp>
         <p:nvSpPr>
-          <p:cNvPr id="6" name="Content Placeholder 5"/>
-          <p:cNvSpPr>
-            <a:spLocks noGrp="1"/>
-          </p:cNvSpPr>
-          <p:nvPr>
-            <p:ph sz="quarter" idx="4"/>
+          <p:cNvPr id="5" name="Content Placeholder 4"/>
+          <p:cNvSpPr>
+            <a:spLocks noGrp="1"/>
+          </p:cNvSpPr>
+          <p:nvPr>
+            <p:ph sz="quarter" idx="2"/>
           </p:nvPr>
         </p:nvSpPr>
         <p:spPr>
           <a:xfrm>
-            <a:off x="6172200" y="2505075"/>
-            <a:ext cx="5183188" cy="3684588"/>
+            <a:off x="609600" y="1444295"/>
+            <a:ext cx="5386917" cy="3941763"/>
           </a:xfrm>
+          <a:ln>
+            <a:noFill/>
+            <a:prstDash val="sysDash"/>
+            <a:miter lim="800000"/>
+          </a:ln>
         </p:spPr>
         <p:txBody>
           <a:bodyPr/>
-          <a:lstStyle/>
-          <a:p>
-            <a:pPr lvl="0"/>
+          <a:lstStyle>
+            <a:lvl1pPr>
+              <a:defRPr sz="2400"/>
+            </a:lvl1pPr>
+            <a:lvl2pPr>
+              <a:defRPr sz="2000"/>
+            </a:lvl2pPr>
+            <a:lvl3pPr>
+              <a:defRPr sz="1800"/>
+            </a:lvl3pPr>
+            <a:lvl4pPr>
+              <a:defRPr sz="1600"/>
+            </a:lvl4pPr>
+            <a:lvl5pPr>
+              <a:defRPr sz="1600"/>
+            </a:lvl5pPr>
+            <a:extLst/>
+          </a:lstStyle>
+          <a:p>
+            <a:pPr lvl="0" eaLnBrk="1" latinLnBrk="0" hangingPunct="1"/>
             <a:r>
               <a:rPr lang="en-US" smtClean="0"/>
               <a:t>Click to edit Master text styles</a:t>
             </a:r>
           </a:p>
           <a:p>
-            <a:pPr lvl="1"/>
+            <a:pPr lvl="1" eaLnBrk="1" latinLnBrk="0" hangingPunct="1"/>
             <a:r>
               <a:rPr lang="en-US" smtClean="0"/>
               <a:t>Second level</a:t>
             </a:r>
           </a:p>
           <a:p>
-            <a:pPr lvl="2"/>
+            <a:pPr lvl="2" eaLnBrk="1" latinLnBrk="0" hangingPunct="1"/>
             <a:r>
               <a:rPr lang="en-US" smtClean="0"/>
               <a:t>Third level</a:t>
             </a:r>
           </a:p>
           <a:p>
-            <a:pPr lvl="3"/>
+            <a:pPr lvl="3" eaLnBrk="1" latinLnBrk="0" hangingPunct="1"/>
             <a:r>
               <a:rPr lang="en-US" smtClean="0"/>
               <a:t>Fourth level</a:t>
             </a:r>
           </a:p>
           <a:p>
-            <a:pPr lvl="4"/>
+            <a:pPr lvl="4" eaLnBrk="1" latinLnBrk="0" hangingPunct="1"/>
             <a:r>
               <a:rPr lang="en-US" smtClean="0"/>
               <a:t>Fifth level</a:t>
             </a:r>
-            <a:endParaRPr lang="en-US"/>
+            <a:endParaRPr kumimoji="0" lang="en-US"/>
+          </a:p>
+        </p:txBody>
+      </p:sp>
+      <p:sp>
+        <p:nvSpPr>
+          <p:cNvPr id="6" name="Content Placeholder 5"/>
+          <p:cNvSpPr>
+            <a:spLocks noGrp="1"/>
+          </p:cNvSpPr>
+          <p:nvPr>
+            <p:ph sz="quarter" idx="4"/>
+          </p:nvPr>
+        </p:nvSpPr>
+        <p:spPr>
+          <a:xfrm>
+            <a:off x="6193368" y="1444295"/>
+            <a:ext cx="5389033" cy="3941763"/>
+          </a:xfrm>
+          <a:ln>
+            <a:noFill/>
+            <a:prstDash val="sysDash"/>
+            <a:miter lim="800000"/>
+          </a:ln>
+        </p:spPr>
+        <p:txBody>
+          <a:bodyPr/>
+          <a:lstStyle>
+            <a:lvl1pPr>
+              <a:spcBef>
+                <a:spcPts val="0"/>
+              </a:spcBef>
+              <a:defRPr sz="2400"/>
+            </a:lvl1pPr>
+            <a:lvl2pPr>
+              <a:defRPr sz="2000"/>
+            </a:lvl2pPr>
+            <a:lvl3pPr>
+              <a:defRPr sz="1800"/>
+            </a:lvl3pPr>
+            <a:lvl4pPr>
+              <a:defRPr sz="1600"/>
+            </a:lvl4pPr>
+            <a:lvl5pPr>
+              <a:defRPr sz="1600"/>
+            </a:lvl5pPr>
+            <a:extLst/>
+          </a:lstStyle>
+          <a:p>
+            <a:pPr lvl="0" eaLnBrk="1" latinLnBrk="0" hangingPunct="1"/>
+            <a:r>
+              <a:rPr lang="en-US" smtClean="0"/>
+              <a:t>Click to edit Master text styles</a:t>
+            </a:r>
+          </a:p>
+          <a:p>
+            <a:pPr lvl="1" eaLnBrk="1" latinLnBrk="0" hangingPunct="1"/>
+            <a:r>
+              <a:rPr lang="en-US" smtClean="0"/>
+              <a:t>Second level</a:t>
+            </a:r>
+          </a:p>
+          <a:p>
+            <a:pPr lvl="2" eaLnBrk="1" latinLnBrk="0" hangingPunct="1"/>
+            <a:r>
+              <a:rPr lang="en-US" smtClean="0"/>
+              <a:t>Third level</a:t>
+            </a:r>
+          </a:p>
+          <a:p>
+            <a:pPr lvl="3" eaLnBrk="1" latinLnBrk="0" hangingPunct="1"/>
+            <a:r>
+              <a:rPr lang="en-US" smtClean="0"/>
+              <a:t>Fourth level</a:t>
+            </a:r>
+          </a:p>
+          <a:p>
+            <a:pPr lvl="4" eaLnBrk="1" latinLnBrk="0" hangingPunct="1"/>
+            <a:r>
+              <a:rPr lang="en-US" smtClean="0"/>
+              <a:t>Fifth level</a:t>
+            </a:r>
+            <a:endParaRPr kumimoji="0" lang="en-US"/>
           </a:p>
         </p:txBody>
       </p:sp>
@@ -1630,11 +2778,13 @@
         <p:spPr/>
         <p:txBody>
           <a:bodyPr/>
-          <a:lstStyle/>
-          <a:p>
-            <a:fld id="{0F9640C9-FD1D-4EC7-A146-38DBD4133D1C}" type="datetimeFigureOut">
-              <a:rPr lang="en-US" smtClean="0"/>
-              <a:t>7/18/2019</a:t>
+          <a:lstStyle>
+            <a:extLst/>
+          </a:lstStyle>
+          <a:p>
+            <a:fld id="{85A7CD95-18A4-40E0-B665-8A66AAC70A97}" type="datetime1">
+              <a:rPr lang="en-US" smtClean="0"/>
+              <a:t>7/19/2019</a:t>
             </a:fld>
             <a:endParaRPr lang="en-US"/>
           </a:p>
@@ -1653,8 +2803,14 @@
         <p:spPr/>
         <p:txBody>
           <a:bodyPr/>
-          <a:lstStyle/>
-          <a:p>
+          <a:lstStyle>
+            <a:extLst/>
+          </a:lstStyle>
+          <a:p>
+            <a:r>
+              <a:rPr lang="en-US" smtClean="0"/>
+              <a:t>N.chaithanya Koushik</a:t>
+            </a:r>
             <a:endParaRPr lang="en-US"/>
           </a:p>
         </p:txBody>
@@ -1672,10 +2828,13 @@
         <p:spPr/>
         <p:txBody>
           <a:bodyPr/>
-          <a:lstStyle/>
+          <a:lstStyle>
+            <a:extLst/>
+          </a:lstStyle>
           <a:p>
             <a:fld id="{9CF0812B-CEB2-4056-BF4D-9194C6B60941}" type="slidenum">
               <a:rPr lang="en-US" smtClean="0"/>
+              <a:pPr/>
               <a:t>‹#›</a:t>
             </a:fld>
             <a:endParaRPr lang="en-US"/>
@@ -1683,14 +2842,9 @@
         </p:txBody>
       </p:sp>
     </p:spTree>
-    <p:extLst>
-      <p:ext uri="{BB962C8B-B14F-4D97-AF65-F5344CB8AC3E}">
-        <p14:creationId xmlns:p14="http://schemas.microsoft.com/office/powerpoint/2010/main" val="953477828"/>
-      </p:ext>
-    </p:extLst>
   </p:cSld>
   <p:clrMapOvr>
-    <a:masterClrMapping/>
+    <a:overrideClrMapping bg1="lt1" tx1="dk1" bg2="lt2" tx2="dk2" accent1="accent1" accent2="accent2" accent3="accent3" accent4="accent4" accent5="accent5" accent6="accent6" hlink="hlink" folHlink="folHlink"/>
   </p:clrMapOvr>
 </p:sldLayout>
 </file>
@@ -1698,6 +2852,11 @@
 <file path=ppt/slideLayouts/slideLayout6.xml><?xml version="1.0" encoding="utf-8"?>
 <p:sldLayout xmlns:a="http://schemas.openxmlformats.org/drawingml/2006/main" xmlns:r="http://schemas.openxmlformats.org/officeDocument/2006/relationships" xmlns:p="http://schemas.openxmlformats.org/presentationml/2006/main" type="titleOnly" preserve="1">
   <p:cSld name="Title Only">
+    <p:bg>
+      <p:bgRef idx="1002">
+        <a:schemeClr val="bg1"/>
+      </p:bgRef>
+    </p:bg>
     <p:spTree>
       <p:nvGrpSpPr>
         <p:cNvPr id="1" name=""/>
@@ -1714,45 +2873,24 @@
       </p:grpSpPr>
       <p:sp>
         <p:nvSpPr>
-          <p:cNvPr id="2" name="Title 1"/>
-          <p:cNvSpPr>
-            <a:spLocks noGrp="1"/>
-          </p:cNvSpPr>
-          <p:nvPr>
-            <p:ph type="title"/>
+          <p:cNvPr id="3" name="Date Placeholder 2"/>
+          <p:cNvSpPr>
+            <a:spLocks noGrp="1"/>
+          </p:cNvSpPr>
+          <p:nvPr>
+            <p:ph type="dt" sz="half" idx="10"/>
           </p:nvPr>
         </p:nvSpPr>
         <p:spPr/>
         <p:txBody>
           <a:bodyPr/>
-          <a:lstStyle/>
-          <a:p>
-            <a:r>
-              <a:rPr lang="en-US" smtClean="0"/>
-              <a:t>Click to edit Master title style</a:t>
-            </a:r>
-            <a:endParaRPr lang="en-US"/>
-          </a:p>
-        </p:txBody>
-      </p:sp>
-      <p:sp>
-        <p:nvSpPr>
-          <p:cNvPr id="3" name="Date Placeholder 2"/>
-          <p:cNvSpPr>
-            <a:spLocks noGrp="1"/>
-          </p:cNvSpPr>
-          <p:nvPr>
-            <p:ph type="dt" sz="half" idx="10"/>
-          </p:nvPr>
-        </p:nvSpPr>
-        <p:spPr/>
-        <p:txBody>
-          <a:bodyPr/>
-          <a:lstStyle/>
-          <a:p>
-            <a:fld id="{0F9640C9-FD1D-4EC7-A146-38DBD4133D1C}" type="datetimeFigureOut">
-              <a:rPr lang="en-US" smtClean="0"/>
-              <a:t>7/18/2019</a:t>
+          <a:lstStyle>
+            <a:extLst/>
+          </a:lstStyle>
+          <a:p>
+            <a:fld id="{6FCA2A23-8C46-4703-93E5-2082CC41CAF7}" type="datetime1">
+              <a:rPr lang="en-US" smtClean="0"/>
+              <a:t>7/19/2019</a:t>
             </a:fld>
             <a:endParaRPr lang="en-US"/>
           </a:p>
@@ -1771,8 +2909,14 @@
         <p:spPr/>
         <p:txBody>
           <a:bodyPr/>
-          <a:lstStyle/>
-          <a:p>
+          <a:lstStyle>
+            <a:extLst/>
+          </a:lstStyle>
+          <a:p>
+            <a:r>
+              <a:rPr lang="en-US" smtClean="0"/>
+              <a:t>N.chaithanya Koushik</a:t>
+            </a:r>
             <a:endParaRPr lang="en-US"/>
           </a:p>
         </p:txBody>
@@ -1790,25 +2934,48 @@
         <p:spPr/>
         <p:txBody>
           <a:bodyPr/>
-          <a:lstStyle/>
+          <a:lstStyle>
+            <a:extLst/>
+          </a:lstStyle>
           <a:p>
             <a:fld id="{9CF0812B-CEB2-4056-BF4D-9194C6B60941}" type="slidenum">
               <a:rPr lang="en-US" smtClean="0"/>
+              <a:pPr/>
               <a:t>‹#›</a:t>
             </a:fld>
             <a:endParaRPr lang="en-US"/>
           </a:p>
         </p:txBody>
       </p:sp>
+      <p:sp>
+        <p:nvSpPr>
+          <p:cNvPr id="6" name="Title 5"/>
+          <p:cNvSpPr>
+            <a:spLocks noGrp="1"/>
+          </p:cNvSpPr>
+          <p:nvPr>
+            <p:ph type="title"/>
+          </p:nvPr>
+        </p:nvSpPr>
+        <p:spPr/>
+        <p:txBody>
+          <a:bodyPr rtlCol="0"/>
+          <a:lstStyle>
+            <a:extLst/>
+          </a:lstStyle>
+          <a:p>
+            <a:r>
+              <a:rPr kumimoji="0" lang="en-US" smtClean="0"/>
+              <a:t>Click to edit Master title style</a:t>
+            </a:r>
+            <a:endParaRPr kumimoji="0" lang="en-US"/>
+          </a:p>
+        </p:txBody>
+      </p:sp>
     </p:spTree>
-    <p:extLst>
-      <p:ext uri="{BB962C8B-B14F-4D97-AF65-F5344CB8AC3E}">
-        <p14:creationId xmlns:p14="http://schemas.microsoft.com/office/powerpoint/2010/main" val="3784154381"/>
-      </p:ext>
-    </p:extLst>
   </p:cSld>
   <p:clrMapOvr>
-    <a:masterClrMapping/>
+    <a:overrideClrMapping bg1="dk1" tx1="lt1" bg2="dk2" tx2="lt2" accent1="accent1" accent2="accent2" accent3="accent3" accent4="accent4" accent5="accent5" accent6="accent6" hlink="hlink" folHlink="folHlink"/>
   </p:clrMapOvr>
 </p:sldLayout>
 </file>
@@ -1843,11 +3010,13 @@
         <p:spPr/>
         <p:txBody>
           <a:bodyPr/>
-          <a:lstStyle/>
-          <a:p>
-            <a:fld id="{0F9640C9-FD1D-4EC7-A146-38DBD4133D1C}" type="datetimeFigureOut">
-              <a:rPr lang="en-US" smtClean="0"/>
-              <a:t>7/18/2019</a:t>
+          <a:lstStyle>
+            <a:extLst/>
+          </a:lstStyle>
+          <a:p>
+            <a:fld id="{EF6CE5F1-FFD9-4101-9BB4-AE2E603A91F0}" type="datetime1">
+              <a:rPr lang="en-US" smtClean="0"/>
+              <a:t>7/19/2019</a:t>
             </a:fld>
             <a:endParaRPr lang="en-US"/>
           </a:p>
@@ -1866,8 +3035,14 @@
         <p:spPr/>
         <p:txBody>
           <a:bodyPr/>
-          <a:lstStyle/>
-          <a:p>
+          <a:lstStyle>
+            <a:extLst/>
+          </a:lstStyle>
+          <a:p>
+            <a:r>
+              <a:rPr lang="en-US" smtClean="0"/>
+              <a:t>N.chaithanya Koushik</a:t>
+            </a:r>
             <a:endParaRPr lang="en-US"/>
           </a:p>
         </p:txBody>
@@ -1885,10 +3060,13 @@
         <p:spPr/>
         <p:txBody>
           <a:bodyPr/>
-          <a:lstStyle/>
+          <a:lstStyle>
+            <a:extLst/>
+          </a:lstStyle>
           <a:p>
             <a:fld id="{9CF0812B-CEB2-4056-BF4D-9194C6B60941}" type="slidenum">
               <a:rPr lang="en-US" smtClean="0"/>
+              <a:pPr/>
               <a:t>‹#›</a:t>
             </a:fld>
             <a:endParaRPr lang="en-US"/>
@@ -1896,11 +3074,6 @@
         </p:txBody>
       </p:sp>
     </p:spTree>
-    <p:extLst>
-      <p:ext uri="{BB962C8B-B14F-4D97-AF65-F5344CB8AC3E}">
-        <p14:creationId xmlns:p14="http://schemas.microsoft.com/office/powerpoint/2010/main" val="1198866759"/>
-      </p:ext>
-    </p:extLst>
   </p:cSld>
   <p:clrMapOvr>
     <a:masterClrMapping/>
@@ -1909,8 +3082,13 @@
 </file>
 
 <file path=ppt/slideLayouts/slideLayout8.xml><?xml version="1.0" encoding="utf-8"?>
-<p:sldLayout xmlns:a="http://schemas.openxmlformats.org/drawingml/2006/main" xmlns:r="http://schemas.openxmlformats.org/officeDocument/2006/relationships" xmlns:p="http://schemas.openxmlformats.org/presentationml/2006/main" type="objTx" preserve="1">
+<p:sldLayout xmlns:a="http://schemas.openxmlformats.org/drawingml/2006/main" xmlns:r="http://schemas.openxmlformats.org/officeDocument/2006/relationships" xmlns:p="http://schemas.openxmlformats.org/presentationml/2006/main" showMasterSp="0" type="objTx" preserve="1">
   <p:cSld name="Content with Caption">
+    <p:bg>
+      <p:bgRef idx="1003">
+        <a:schemeClr val="bg1"/>
+      </p:bgRef>
+    </p:bg>
     <p:spTree>
       <p:nvGrpSpPr>
         <p:cNvPr id="1" name=""/>
@@ -1937,40 +3115,102 @@
         </p:nvSpPr>
         <p:spPr>
           <a:xfrm>
-            <a:off x="839788" y="457200"/>
-            <a:ext cx="3932237" cy="1600200"/>
+            <a:off x="1219200" y="4876800"/>
+            <a:ext cx="9975701" cy="457200"/>
           </a:xfrm>
         </p:spPr>
         <p:txBody>
-          <a:bodyPr anchor="b"/>
+          <a:bodyPr vert="horz" anchor="t">
+            <a:noAutofit/>
+            <a:sp3d prstMaterial="softEdge">
+              <a:bevelT w="0" h="0"/>
+            </a:sp3d>
+          </a:bodyPr>
           <a:lstStyle>
-            <a:lvl1pPr>
-              <a:defRPr sz="3200"/>
+            <a:lvl1pPr algn="r">
+              <a:buNone/>
+              <a:defRPr sz="2500" b="0">
+                <a:solidFill>
+                  <a:schemeClr val="accent1"/>
+                </a:solidFill>
+                <a:effectLst/>
+              </a:defRPr>
             </a:lvl1pPr>
+            <a:extLst/>
           </a:lstStyle>
           <a:p>
             <a:r>
-              <a:rPr lang="en-US" smtClean="0"/>
+              <a:rPr kumimoji="0" lang="en-US" smtClean="0"/>
               <a:t>Click to edit Master title style</a:t>
             </a:r>
-            <a:endParaRPr lang="en-US"/>
-          </a:p>
-        </p:txBody>
-      </p:sp>
-      <p:sp>
-        <p:nvSpPr>
-          <p:cNvPr id="3" name="Content Placeholder 2"/>
-          <p:cNvSpPr>
-            <a:spLocks noGrp="1"/>
-          </p:cNvSpPr>
-          <p:nvPr>
-            <p:ph idx="1"/>
+            <a:endParaRPr kumimoji="0" lang="en-US"/>
+          </a:p>
+        </p:txBody>
+      </p:sp>
+      <p:sp>
+        <p:nvSpPr>
+          <p:cNvPr id="3" name="Text Placeholder 2"/>
+          <p:cNvSpPr>
+            <a:spLocks noGrp="1"/>
+          </p:cNvSpPr>
+          <p:nvPr>
+            <p:ph type="body" idx="2"/>
           </p:nvPr>
         </p:nvSpPr>
         <p:spPr>
           <a:xfrm>
-            <a:off x="5183188" y="987425"/>
-            <a:ext cx="6172200" cy="4873625"/>
+            <a:off x="5892800" y="5355102"/>
+            <a:ext cx="5299456" cy="914400"/>
+          </a:xfrm>
+        </p:spPr>
+        <p:txBody>
+          <a:bodyPr/>
+          <a:lstStyle>
+            <a:lvl1pPr marL="0" indent="0" algn="r">
+              <a:buNone/>
+              <a:defRPr sz="1600"/>
+            </a:lvl1pPr>
+            <a:lvl2pPr>
+              <a:buNone/>
+              <a:defRPr sz="1200"/>
+            </a:lvl2pPr>
+            <a:lvl3pPr>
+              <a:buNone/>
+              <a:defRPr sz="1000"/>
+            </a:lvl3pPr>
+            <a:lvl4pPr>
+              <a:buNone/>
+              <a:defRPr sz="900"/>
+            </a:lvl4pPr>
+            <a:lvl5pPr>
+              <a:buNone/>
+              <a:defRPr sz="900"/>
+            </a:lvl5pPr>
+            <a:extLst/>
+          </a:lstStyle>
+          <a:p>
+            <a:pPr lvl="0" eaLnBrk="1" latinLnBrk="0" hangingPunct="1"/>
+            <a:r>
+              <a:rPr kumimoji="0" lang="en-US" smtClean="0"/>
+              <a:t>Click to edit Master text styles</a:t>
+            </a:r>
+          </a:p>
+        </p:txBody>
+      </p:sp>
+      <p:sp>
+        <p:nvSpPr>
+          <p:cNvPr id="4" name="Content Placeholder 3"/>
+          <p:cNvSpPr>
+            <a:spLocks noGrp="1"/>
+          </p:cNvSpPr>
+          <p:nvPr>
+            <p:ph sz="half" idx="1"/>
+          </p:nvPr>
+        </p:nvSpPr>
+        <p:spPr>
+          <a:xfrm>
+            <a:off x="1219200" y="274320"/>
+            <a:ext cx="9973056" cy="4572000"/>
           </a:xfrm>
         </p:spPr>
         <p:txBody>
@@ -1991,140 +3231,71 @@
             <a:lvl5pPr>
               <a:defRPr sz="2000"/>
             </a:lvl5pPr>
-            <a:lvl6pPr>
-              <a:defRPr sz="2000"/>
-            </a:lvl6pPr>
-            <a:lvl7pPr>
-              <a:defRPr sz="2000"/>
-            </a:lvl7pPr>
-            <a:lvl8pPr>
-              <a:defRPr sz="2000"/>
-            </a:lvl8pPr>
-            <a:lvl9pPr>
-              <a:defRPr sz="2000"/>
-            </a:lvl9pPr>
+            <a:extLst/>
           </a:lstStyle>
           <a:p>
-            <a:pPr lvl="0"/>
+            <a:pPr lvl="0" eaLnBrk="1" latinLnBrk="0" hangingPunct="1"/>
             <a:r>
               <a:rPr lang="en-US" smtClean="0"/>
               <a:t>Click to edit Master text styles</a:t>
             </a:r>
           </a:p>
           <a:p>
-            <a:pPr lvl="1"/>
+            <a:pPr lvl="1" eaLnBrk="1" latinLnBrk="0" hangingPunct="1"/>
             <a:r>
               <a:rPr lang="en-US" smtClean="0"/>
               <a:t>Second level</a:t>
             </a:r>
           </a:p>
           <a:p>
-            <a:pPr lvl="2"/>
+            <a:pPr lvl="2" eaLnBrk="1" latinLnBrk="0" hangingPunct="1"/>
             <a:r>
               <a:rPr lang="en-US" smtClean="0"/>
               <a:t>Third level</a:t>
             </a:r>
           </a:p>
           <a:p>
-            <a:pPr lvl="3"/>
+            <a:pPr lvl="3" eaLnBrk="1" latinLnBrk="0" hangingPunct="1"/>
             <a:r>
               <a:rPr lang="en-US" smtClean="0"/>
               <a:t>Fourth level</a:t>
             </a:r>
           </a:p>
           <a:p>
-            <a:pPr lvl="4"/>
+            <a:pPr lvl="4" eaLnBrk="1" latinLnBrk="0" hangingPunct="1"/>
             <a:r>
               <a:rPr lang="en-US" smtClean="0"/>
               <a:t>Fifth level</a:t>
             </a:r>
-            <a:endParaRPr lang="en-US"/>
-          </a:p>
-        </p:txBody>
-      </p:sp>
-      <p:sp>
-        <p:nvSpPr>
-          <p:cNvPr id="4" name="Text Placeholder 3"/>
-          <p:cNvSpPr>
-            <a:spLocks noGrp="1"/>
-          </p:cNvSpPr>
-          <p:nvPr>
-            <p:ph type="body" sz="half" idx="2"/>
+            <a:endParaRPr kumimoji="0" lang="en-US"/>
+          </a:p>
+        </p:txBody>
+      </p:sp>
+      <p:sp>
+        <p:nvSpPr>
+          <p:cNvPr id="5" name="Date Placeholder 4"/>
+          <p:cNvSpPr>
+            <a:spLocks noGrp="1"/>
+          </p:cNvSpPr>
+          <p:nvPr>
+            <p:ph type="dt" sz="half" idx="10"/>
           </p:nvPr>
         </p:nvSpPr>
         <p:spPr>
           <a:xfrm>
-            <a:off x="839788" y="2057400"/>
-            <a:ext cx="3932237" cy="3811588"/>
+            <a:off x="8969376" y="6407944"/>
+            <a:ext cx="2560320" cy="365760"/>
           </a:xfrm>
         </p:spPr>
         <p:txBody>
           <a:bodyPr/>
           <a:lstStyle>
-            <a:lvl1pPr marL="0" indent="0">
-              <a:buNone/>
-              <a:defRPr sz="1600"/>
-            </a:lvl1pPr>
-            <a:lvl2pPr marL="457200" indent="0">
-              <a:buNone/>
-              <a:defRPr sz="1400"/>
-            </a:lvl2pPr>
-            <a:lvl3pPr marL="914400" indent="0">
-              <a:buNone/>
-              <a:defRPr sz="1200"/>
-            </a:lvl3pPr>
-            <a:lvl4pPr marL="1371600" indent="0">
-              <a:buNone/>
-              <a:defRPr sz="1000"/>
-            </a:lvl4pPr>
-            <a:lvl5pPr marL="1828800" indent="0">
-              <a:buNone/>
-              <a:defRPr sz="1000"/>
-            </a:lvl5pPr>
-            <a:lvl6pPr marL="2286000" indent="0">
-              <a:buNone/>
-              <a:defRPr sz="1000"/>
-            </a:lvl6pPr>
-            <a:lvl7pPr marL="2743200" indent="0">
-              <a:buNone/>
-              <a:defRPr sz="1000"/>
-            </a:lvl7pPr>
-            <a:lvl8pPr marL="3200400" indent="0">
-              <a:buNone/>
-              <a:defRPr sz="1000"/>
-            </a:lvl8pPr>
-            <a:lvl9pPr marL="3657600" indent="0">
-              <a:buNone/>
-              <a:defRPr sz="1000"/>
-            </a:lvl9pPr>
+            <a:extLst/>
           </a:lstStyle>
           <a:p>
-            <a:pPr lvl="0"/>
-            <a:r>
-              <a:rPr lang="en-US" smtClean="0"/>
-              <a:t>Click to edit Master text styles</a:t>
-            </a:r>
-          </a:p>
-        </p:txBody>
-      </p:sp>
-      <p:sp>
-        <p:nvSpPr>
-          <p:cNvPr id="5" name="Date Placeholder 4"/>
-          <p:cNvSpPr>
-            <a:spLocks noGrp="1"/>
-          </p:cNvSpPr>
-          <p:nvPr>
-            <p:ph type="dt" sz="half" idx="10"/>
-          </p:nvPr>
-        </p:nvSpPr>
-        <p:spPr/>
-        <p:txBody>
-          <a:bodyPr/>
-          <a:lstStyle/>
-          <a:p>
-            <a:fld id="{0F9640C9-FD1D-4EC7-A146-38DBD4133D1C}" type="datetimeFigureOut">
-              <a:rPr lang="en-US" smtClean="0"/>
-              <a:t>7/18/2019</a:t>
+            <a:fld id="{7EA6C960-531A-42C3-A9D7-C6BE9FF48B65}" type="datetime1">
+              <a:rPr lang="en-US" smtClean="0"/>
+              <a:t>7/19/2019</a:t>
             </a:fld>
             <a:endParaRPr lang="en-US"/>
           </a:p>
@@ -2143,8 +3314,14 @@
         <p:spPr/>
         <p:txBody>
           <a:bodyPr/>
-          <a:lstStyle/>
-          <a:p>
+          <a:lstStyle>
+            <a:extLst/>
+          </a:lstStyle>
+          <a:p>
+            <a:r>
+              <a:rPr lang="en-US" smtClean="0"/>
+              <a:t>N.chaithanya Koushik</a:t>
+            </a:r>
             <a:endParaRPr lang="en-US"/>
           </a:p>
         </p:txBody>
@@ -2162,10 +3339,13 @@
         <p:spPr/>
         <p:txBody>
           <a:bodyPr/>
-          <a:lstStyle/>
+          <a:lstStyle>
+            <a:extLst/>
+          </a:lstStyle>
           <a:p>
             <a:fld id="{9CF0812B-CEB2-4056-BF4D-9194C6B60941}" type="slidenum">
               <a:rPr lang="en-US" smtClean="0"/>
+              <a:pPr/>
               <a:t>‹#›</a:t>
             </a:fld>
             <a:endParaRPr lang="en-US"/>
@@ -2173,21 +3353,21 @@
         </p:txBody>
       </p:sp>
     </p:spTree>
-    <p:extLst>
-      <p:ext uri="{BB962C8B-B14F-4D97-AF65-F5344CB8AC3E}">
-        <p14:creationId xmlns:p14="http://schemas.microsoft.com/office/powerpoint/2010/main" val="565059660"/>
-      </p:ext>
-    </p:extLst>
   </p:cSld>
   <p:clrMapOvr>
-    <a:masterClrMapping/>
+    <a:overrideClrMapping bg1="lt1" tx1="dk1" bg2="lt2" tx2="dk2" accent1="accent1" accent2="accent2" accent3="accent3" accent4="accent4" accent5="accent5" accent6="accent6" hlink="hlink" folHlink="folHlink"/>
   </p:clrMapOvr>
 </p:sldLayout>
 </file>
 
 <file path=ppt/slideLayouts/slideLayout9.xml><?xml version="1.0" encoding="utf-8"?>
-<p:sldLayout xmlns:a="http://schemas.openxmlformats.org/drawingml/2006/main" xmlns:r="http://schemas.openxmlformats.org/officeDocument/2006/relationships" xmlns:p="http://schemas.openxmlformats.org/presentationml/2006/main" type="picTx" preserve="1">
+<p:sldLayout xmlns:a="http://schemas.openxmlformats.org/drawingml/2006/main" xmlns:r="http://schemas.openxmlformats.org/officeDocument/2006/relationships" xmlns:p="http://schemas.openxmlformats.org/presentationml/2006/main" showMasterSp="0" type="picTx" preserve="1">
   <p:cSld name="Picture with Caption">
+    <p:bg>
+      <p:bgRef idx="1002">
+        <a:schemeClr val="bg1"/>
+      </p:bgRef>
+    </p:bg>
     <p:spTree>
       <p:nvGrpSpPr>
         <p:cNvPr id="1" name=""/>
@@ -2204,33 +3384,48 @@
       </p:grpSpPr>
       <p:sp>
         <p:nvSpPr>
-          <p:cNvPr id="2" name="Title 1"/>
-          <p:cNvSpPr>
-            <a:spLocks noGrp="1"/>
-          </p:cNvSpPr>
-          <p:nvPr>
-            <p:ph type="title"/>
+          <p:cNvPr id="4" name="Text Placeholder 3"/>
+          <p:cNvSpPr>
+            <a:spLocks noGrp="1"/>
+          </p:cNvSpPr>
+          <p:nvPr>
+            <p:ph type="body" sz="half" idx="2"/>
           </p:nvPr>
         </p:nvSpPr>
         <p:spPr>
           <a:xfrm>
-            <a:off x="839788" y="457200"/>
-            <a:ext cx="3932237" cy="1600200"/>
+            <a:off x="1521643" y="5443402"/>
+            <a:ext cx="9550400" cy="648232"/>
           </a:xfrm>
+          <a:noFill/>
         </p:spPr>
         <p:txBody>
-          <a:bodyPr anchor="b"/>
+          <a:bodyPr lIns="91440" tIns="0" rIns="91440" anchor="t"/>
           <a:lstStyle>
-            <a:lvl1pPr>
-              <a:defRPr sz="3200"/>
+            <a:lvl1pPr marL="0" marR="18288" indent="0" algn="r">
+              <a:buNone/>
+              <a:defRPr sz="1400"/>
             </a:lvl1pPr>
+            <a:lvl2pPr>
+              <a:defRPr sz="1200"/>
+            </a:lvl2pPr>
+            <a:lvl3pPr>
+              <a:defRPr sz="1000"/>
+            </a:lvl3pPr>
+            <a:lvl4pPr>
+              <a:defRPr sz="900"/>
+            </a:lvl4pPr>
+            <a:lvl5pPr>
+              <a:defRPr sz="900"/>
+            </a:lvl5pPr>
+            <a:extLst/>
           </a:lstStyle>
           <a:p>
-            <a:r>
-              <a:rPr lang="en-US" smtClean="0"/>
-              <a:t>Click to edit Master title style</a:t>
-            </a:r>
-            <a:endParaRPr lang="en-US"/>
+            <a:pPr lvl="0" eaLnBrk="1" latinLnBrk="0" hangingPunct="1"/>
+            <a:r>
+              <a:rPr kumimoji="0" lang="en-US" smtClean="0"/>
+              <a:t>Click to edit Master text styles</a:t>
+            </a:r>
           </a:p>
         </p:txBody>
       </p:sp>
@@ -2246,9 +3441,25 @@
         </p:nvSpPr>
         <p:spPr>
           <a:xfrm>
-            <a:off x="5183188" y="987425"/>
-            <a:ext cx="6172200" cy="4873625"/>
+            <a:off x="304800" y="189968"/>
+            <a:ext cx="11582400" cy="4389120"/>
           </a:xfrm>
+          <a:prstGeom prst="rect">
+            <a:avLst/>
+          </a:prstGeom>
+          <a:solidFill>
+            <a:schemeClr val="bg2"/>
+          </a:solidFill>
+          <a:ln>
+            <a:solidFill>
+              <a:schemeClr val="bg1"/>
+            </a:solidFill>
+          </a:ln>
+          <a:effectLst>
+            <a:innerShdw blurRad="95250">
+              <a:srgbClr val="000000"/>
+            </a:innerShdw>
+          </a:effectLst>
         </p:spPr>
         <p:txBody>
           <a:bodyPr/>
@@ -2257,183 +3468,661 @@
               <a:buNone/>
               <a:defRPr sz="3200"/>
             </a:lvl1pPr>
-            <a:lvl2pPr marL="457200" indent="0">
-              <a:buNone/>
-              <a:defRPr sz="2800"/>
-            </a:lvl2pPr>
-            <a:lvl3pPr marL="914400" indent="0">
-              <a:buNone/>
-              <a:defRPr sz="2400"/>
-            </a:lvl3pPr>
-            <a:lvl4pPr marL="1371600" indent="0">
-              <a:buNone/>
-              <a:defRPr sz="2000"/>
-            </a:lvl4pPr>
-            <a:lvl5pPr marL="1828800" indent="0">
-              <a:buNone/>
-              <a:defRPr sz="2000"/>
-            </a:lvl5pPr>
-            <a:lvl6pPr marL="2286000" indent="0">
-              <a:buNone/>
-              <a:defRPr sz="2000"/>
-            </a:lvl6pPr>
-            <a:lvl7pPr marL="2743200" indent="0">
-              <a:buNone/>
-              <a:defRPr sz="2000"/>
-            </a:lvl7pPr>
-            <a:lvl8pPr marL="3200400" indent="0">
-              <a:buNone/>
-              <a:defRPr sz="2000"/>
-            </a:lvl8pPr>
-            <a:lvl9pPr marL="3657600" indent="0">
-              <a:buNone/>
-              <a:defRPr sz="2000"/>
-            </a:lvl9pPr>
+            <a:extLst/>
           </a:lstStyle>
           <a:p>
+            <a:r>
+              <a:rPr kumimoji="0" lang="en-US" smtClean="0"/>
+              <a:t>Click icon to add picture</a:t>
+            </a:r>
+            <a:endParaRPr kumimoji="0" lang="en-US" dirty="0"/>
+          </a:p>
+        </p:txBody>
+      </p:sp>
+      <p:sp>
+        <p:nvSpPr>
+          <p:cNvPr id="5" name="Date Placeholder 4"/>
+          <p:cNvSpPr>
+            <a:spLocks noGrp="1"/>
+          </p:cNvSpPr>
+          <p:nvPr>
+            <p:ph type="dt" sz="half" idx="10"/>
+          </p:nvPr>
+        </p:nvSpPr>
+        <p:spPr/>
+        <p:txBody>
+          <a:bodyPr/>
+          <a:lstStyle>
+            <a:lvl1pPr>
+              <a:defRPr>
+                <a:solidFill>
+                  <a:schemeClr val="tx1"/>
+                </a:solidFill>
+              </a:defRPr>
+            </a:lvl1pPr>
+            <a:extLst/>
+          </a:lstStyle>
+          <a:p>
+            <a:fld id="{E946A458-A081-4D14-91B9-E7BCAED261BF}" type="datetime1">
+              <a:rPr lang="en-US" smtClean="0"/>
+              <a:t>7/19/2019</a:t>
+            </a:fld>
             <a:endParaRPr lang="en-US"/>
           </a:p>
         </p:txBody>
       </p:sp>
       <p:sp>
         <p:nvSpPr>
-          <p:cNvPr id="4" name="Text Placeholder 3"/>
-          <p:cNvSpPr>
-            <a:spLocks noGrp="1"/>
-          </p:cNvSpPr>
-          <p:nvPr>
-            <p:ph type="body" sz="half" idx="2"/>
+          <p:cNvPr id="6" name="Footer Placeholder 5"/>
+          <p:cNvSpPr>
+            <a:spLocks noGrp="1"/>
+          </p:cNvSpPr>
+          <p:nvPr>
+            <p:ph type="ftr" sz="quarter" idx="11"/>
           </p:nvPr>
         </p:nvSpPr>
         <p:spPr>
           <a:xfrm>
-            <a:off x="839788" y="2057400"/>
-            <a:ext cx="3932237" cy="3811588"/>
+            <a:off x="5840097" y="6407945"/>
+            <a:ext cx="3134241" cy="365125"/>
           </a:xfrm>
         </p:spPr>
         <p:txBody>
           <a:bodyPr/>
           <a:lstStyle>
-            <a:lvl1pPr marL="0" indent="0">
-              <a:buNone/>
-              <a:defRPr sz="1600"/>
+            <a:lvl1pPr>
+              <a:defRPr>
+                <a:solidFill>
+                  <a:schemeClr val="tx1"/>
+                </a:solidFill>
+              </a:defRPr>
             </a:lvl1pPr>
-            <a:lvl2pPr marL="457200" indent="0">
-              <a:buNone/>
-              <a:defRPr sz="1400"/>
-            </a:lvl2pPr>
-            <a:lvl3pPr marL="914400" indent="0">
-              <a:buNone/>
-              <a:defRPr sz="1200"/>
-            </a:lvl3pPr>
-            <a:lvl4pPr marL="1371600" indent="0">
-              <a:buNone/>
-              <a:defRPr sz="1000"/>
-            </a:lvl4pPr>
-            <a:lvl5pPr marL="1828800" indent="0">
-              <a:buNone/>
-              <a:defRPr sz="1000"/>
-            </a:lvl5pPr>
-            <a:lvl6pPr marL="2286000" indent="0">
-              <a:buNone/>
-              <a:defRPr sz="1000"/>
-            </a:lvl6pPr>
-            <a:lvl7pPr marL="2743200" indent="0">
-              <a:buNone/>
-              <a:defRPr sz="1000"/>
-            </a:lvl7pPr>
-            <a:lvl8pPr marL="3200400" indent="0">
-              <a:buNone/>
-              <a:defRPr sz="1000"/>
-            </a:lvl8pPr>
-            <a:lvl9pPr marL="3657600" indent="0">
-              <a:buNone/>
-              <a:defRPr sz="1000"/>
-            </a:lvl9pPr>
+            <a:extLst/>
           </a:lstStyle>
           <a:p>
-            <a:pPr lvl="0"/>
-            <a:r>
-              <a:rPr lang="en-US" smtClean="0"/>
-              <a:t>Click to edit Master text styles</a:t>
-            </a:r>
-          </a:p>
-        </p:txBody>
-      </p:sp>
-      <p:sp>
-        <p:nvSpPr>
-          <p:cNvPr id="5" name="Date Placeholder 4"/>
-          <p:cNvSpPr>
-            <a:spLocks noGrp="1"/>
-          </p:cNvSpPr>
-          <p:nvPr>
-            <p:ph type="dt" sz="half" idx="10"/>
+            <a:r>
+              <a:rPr lang="en-US" smtClean="0"/>
+              <a:t>N.chaithanya Koushik</a:t>
+            </a:r>
+            <a:endParaRPr lang="en-US"/>
+          </a:p>
+        </p:txBody>
+      </p:sp>
+      <p:sp>
+        <p:nvSpPr>
+          <p:cNvPr id="7" name="Slide Number Placeholder 6"/>
+          <p:cNvSpPr>
+            <a:spLocks noGrp="1"/>
+          </p:cNvSpPr>
+          <p:nvPr>
+            <p:ph type="sldNum" sz="quarter" idx="12"/>
           </p:nvPr>
         </p:nvSpPr>
         <p:spPr/>
         <p:txBody>
           <a:bodyPr/>
-          <a:lstStyle/>
-          <a:p>
-            <a:fld id="{0F9640C9-FD1D-4EC7-A146-38DBD4133D1C}" type="datetimeFigureOut">
-              <a:rPr lang="en-US" smtClean="0"/>
-              <a:t>7/18/2019</a:t>
-            </a:fld>
-            <a:endParaRPr lang="en-US"/>
-          </a:p>
-        </p:txBody>
-      </p:sp>
-      <p:sp>
-        <p:nvSpPr>
-          <p:cNvPr id="6" name="Footer Placeholder 5"/>
-          <p:cNvSpPr>
-            <a:spLocks noGrp="1"/>
-          </p:cNvSpPr>
-          <p:nvPr>
-            <p:ph type="ftr" sz="quarter" idx="11"/>
-          </p:nvPr>
-        </p:nvSpPr>
-        <p:spPr/>
-        <p:txBody>
-          <a:bodyPr/>
-          <a:lstStyle/>
-          <a:p>
-            <a:endParaRPr lang="en-US"/>
-          </a:p>
-        </p:txBody>
-      </p:sp>
-      <p:sp>
-        <p:nvSpPr>
-          <p:cNvPr id="7" name="Slide Number Placeholder 6"/>
-          <p:cNvSpPr>
-            <a:spLocks noGrp="1"/>
-          </p:cNvSpPr>
-          <p:nvPr>
-            <p:ph type="sldNum" sz="quarter" idx="12"/>
-          </p:nvPr>
-        </p:nvSpPr>
-        <p:spPr/>
-        <p:txBody>
-          <a:bodyPr/>
-          <a:lstStyle/>
+          <a:lstStyle>
+            <a:lvl1pPr>
+              <a:defRPr>
+                <a:solidFill>
+                  <a:schemeClr val="tx1"/>
+                </a:solidFill>
+              </a:defRPr>
+            </a:lvl1pPr>
+            <a:extLst/>
+          </a:lstStyle>
           <a:p>
             <a:fld id="{9CF0812B-CEB2-4056-BF4D-9194C6B60941}" type="slidenum">
               <a:rPr lang="en-US" smtClean="0"/>
+              <a:pPr/>
               <a:t>‹#›</a:t>
             </a:fld>
             <a:endParaRPr lang="en-US"/>
           </a:p>
         </p:txBody>
       </p:sp>
+      <p:sp>
+        <p:nvSpPr>
+          <p:cNvPr id="2" name="Title 1"/>
+          <p:cNvSpPr>
+            <a:spLocks noGrp="1"/>
+          </p:cNvSpPr>
+          <p:nvPr>
+            <p:ph type="title"/>
+          </p:nvPr>
+        </p:nvSpPr>
+        <p:spPr>
+          <a:xfrm>
+            <a:off x="304800" y="4865122"/>
+            <a:ext cx="10767243" cy="562672"/>
+          </a:xfrm>
+          <a:noFill/>
+        </p:spPr>
+        <p:txBody>
+          <a:bodyPr anchor="t">
+            <a:sp3d prstMaterial="softEdge"/>
+          </a:bodyPr>
+          <a:lstStyle>
+            <a:lvl1pPr marR="0" algn="r">
+              <a:buNone/>
+              <a:defRPr sz="3000" b="0">
+                <a:solidFill>
+                  <a:schemeClr val="accent1"/>
+                </a:solidFill>
+                <a:effectLst>
+                  <a:outerShdw blurRad="50800" dist="25000" dir="5400000" algn="t" rotWithShape="0">
+                    <a:prstClr val="black">
+                      <a:alpha val="45000"/>
+                    </a:prstClr>
+                  </a:outerShdw>
+                </a:effectLst>
+              </a:defRPr>
+            </a:lvl1pPr>
+            <a:extLst/>
+          </a:lstStyle>
+          <a:p>
+            <a:r>
+              <a:rPr kumimoji="0" lang="en-US" smtClean="0"/>
+              <a:t>Click to edit Master title style</a:t>
+            </a:r>
+            <a:endParaRPr kumimoji="0" lang="en-US"/>
+          </a:p>
+        </p:txBody>
+      </p:sp>
+      <p:sp>
+        <p:nvSpPr>
+          <p:cNvPr id="8" name="Freeform 7"/>
+          <p:cNvSpPr>
+            <a:spLocks/>
+          </p:cNvSpPr>
+          <p:nvPr/>
+        </p:nvSpPr>
+        <p:spPr bwMode="auto">
+          <a:xfrm>
+            <a:off x="665697" y="5944936"/>
+            <a:ext cx="6587499" cy="921076"/>
+          </a:xfrm>
+          <a:custGeom>
+            <a:avLst>
+              <a:gd name="A1" fmla="val 0"/>
+              <a:gd name="A2" fmla="val 0"/>
+              <a:gd name="A3" fmla="val 0"/>
+              <a:gd name="A4" fmla="val 0"/>
+              <a:gd name="A5" fmla="val 0"/>
+              <a:gd name="A6" fmla="val 0"/>
+              <a:gd name="A7" fmla="val 0"/>
+              <a:gd name="A8" fmla="val 0"/>
+            </a:avLst>
+            <a:gdLst/>
+            <a:ahLst/>
+            <a:cxnLst>
+              <a:cxn ang="0">
+                <a:pos x="0" y="0"/>
+              </a:cxn>
+              <a:cxn ang="0">
+                <a:pos x="5760" y="0"/>
+              </a:cxn>
+              <a:cxn ang="0">
+                <a:pos x="5760" y="528"/>
+              </a:cxn>
+              <a:cxn ang="0">
+                <a:pos x="48" y="0"/>
+              </a:cxn>
+            </a:cxnLst>
+            <a:rect l="0" t="0" r="0" b="0"/>
+            <a:pathLst>
+              <a:path w="7485" h="337">
+                <a:moveTo>
+                  <a:pt x="0" y="2"/>
+                </a:moveTo>
+                <a:lnTo>
+                  <a:pt x="7485" y="337"/>
+                </a:lnTo>
+                <a:lnTo>
+                  <a:pt x="5558" y="337"/>
+                </a:lnTo>
+                <a:lnTo>
+                  <a:pt x="1" y="0"/>
+                </a:lnTo>
+              </a:path>
+            </a:pathLst>
+          </a:custGeom>
+          <a:solidFill>
+            <a:schemeClr val="accent1">
+              <a:tint val="65000"/>
+              <a:satMod val="115000"/>
+              <a:alpha val="40000"/>
+            </a:schemeClr>
+          </a:solidFill>
+          <a:ln w="9525" cap="flat" cmpd="sng" algn="ctr">
+            <a:noFill/>
+            <a:prstDash val="solid"/>
+            <a:round/>
+            <a:headEnd type="none" w="med" len="med"/>
+            <a:tailEnd type="none" w="med" len="med"/>
+          </a:ln>
+          <a:effectLst/>
+        </p:spPr>
+        <p:txBody>
+          <a:bodyPr vert="horz" wrap="square" lIns="91440" tIns="45720" rIns="91440" bIns="45720" anchor="t" compatLnSpc="1"/>
+          <a:lstStyle>
+            <a:extLst/>
+          </a:lstStyle>
+          <a:p>
+            <a:endParaRPr kumimoji="0" lang="en-US"/>
+          </a:p>
+        </p:txBody>
+      </p:sp>
+      <p:sp>
+        <p:nvSpPr>
+          <p:cNvPr id="9" name="Freeform 8"/>
+          <p:cNvSpPr>
+            <a:spLocks/>
+          </p:cNvSpPr>
+          <p:nvPr/>
+        </p:nvSpPr>
+        <p:spPr bwMode="auto">
+          <a:xfrm>
+            <a:off x="647623" y="5939011"/>
+            <a:ext cx="4920601" cy="933450"/>
+          </a:xfrm>
+          <a:custGeom>
+            <a:avLst>
+              <a:gd name="A1" fmla="val 0"/>
+              <a:gd name="A2" fmla="val 0"/>
+              <a:gd name="A3" fmla="val 0"/>
+              <a:gd name="A4" fmla="val 0"/>
+              <a:gd name="A5" fmla="val 0"/>
+              <a:gd name="A6" fmla="val 0"/>
+              <a:gd name="A7" fmla="val 0"/>
+              <a:gd name="A8" fmla="val 0"/>
+            </a:avLst>
+            <a:gdLst/>
+            <a:ahLst/>
+            <a:cxnLst>
+              <a:cxn ang="0">
+                <a:pos x="0" y="0"/>
+              </a:cxn>
+              <a:cxn ang="0">
+                <a:pos x="5760" y="0"/>
+              </a:cxn>
+              <a:cxn ang="0">
+                <a:pos x="5760" y="528"/>
+              </a:cxn>
+              <a:cxn ang="0">
+                <a:pos x="48" y="0"/>
+              </a:cxn>
+            </a:cxnLst>
+            <a:rect l="0" t="0" r="0" b="0"/>
+            <a:pathLst>
+              <a:path w="5591" h="588">
+                <a:moveTo>
+                  <a:pt x="0" y="0"/>
+                </a:moveTo>
+                <a:lnTo>
+                  <a:pt x="5591" y="585"/>
+                </a:lnTo>
+                <a:lnTo>
+                  <a:pt x="4415" y="588"/>
+                </a:lnTo>
+                <a:lnTo>
+                  <a:pt x="12" y="4"/>
+                </a:lnTo>
+              </a:path>
+            </a:pathLst>
+          </a:custGeom>
+          <a:solidFill>
+            <a:srgbClr val="000000">
+              <a:alpha val="100000"/>
+            </a:srgbClr>
+          </a:solidFill>
+          <a:ln w="9525" cap="flat" cmpd="sng" algn="ctr">
+            <a:noFill/>
+            <a:prstDash val="solid"/>
+            <a:round/>
+            <a:headEnd type="none" w="med" len="med"/>
+            <a:tailEnd type="none" w="med" len="med"/>
+          </a:ln>
+          <a:effectLst/>
+        </p:spPr>
+        <p:txBody>
+          <a:bodyPr vert="horz" wrap="square" lIns="91440" tIns="45720" rIns="91440" bIns="45720" anchor="t" compatLnSpc="1"/>
+          <a:lstStyle>
+            <a:extLst/>
+          </a:lstStyle>
+          <a:p>
+            <a:endParaRPr kumimoji="0" lang="en-US"/>
+          </a:p>
+        </p:txBody>
+      </p:sp>
+      <p:sp>
+        <p:nvSpPr>
+          <p:cNvPr id="10" name="Right Triangle 9"/>
+          <p:cNvSpPr>
+            <a:spLocks/>
+          </p:cNvSpPr>
+          <p:nvPr/>
+        </p:nvSpPr>
+        <p:spPr bwMode="auto">
+          <a:xfrm>
+            <a:off x="-8056" y="5791253"/>
+            <a:ext cx="4536419" cy="1080868"/>
+          </a:xfrm>
+          <a:prstGeom prst="rtTriangle">
+            <a:avLst/>
+          </a:prstGeom>
+          <a:blipFill>
+            <a:blip r:embed="rId2" cstate="print">
+              <a:alphaModFix amt="50000"/>
+            </a:blip>
+            <a:tile tx="0" ty="0" sx="50000" sy="50000" flip="none" algn="t"/>
+          </a:blipFill>
+          <a:ln w="12700" cap="rnd" cmpd="thickThin" algn="ctr">
+            <a:noFill/>
+            <a:prstDash val="solid"/>
+          </a:ln>
+          <a:effectLst>
+            <a:fillOverlay blend="mult">
+              <a:gradFill flip="none" rotWithShape="1">
+                <a:gsLst>
+                  <a:gs pos="0">
+                    <a:schemeClr val="accent1">
+                      <a:shade val="20000"/>
+                      <a:satMod val="176000"/>
+                      <a:alpha val="100000"/>
+                    </a:schemeClr>
+                  </a:gs>
+                  <a:gs pos="18000">
+                    <a:schemeClr val="accent1">
+                      <a:shade val="48000"/>
+                      <a:satMod val="153000"/>
+                      <a:alpha val="100000"/>
+                    </a:schemeClr>
+                  </a:gs>
+                  <a:gs pos="43000">
+                    <a:schemeClr val="accent1">
+                      <a:tint val="86000"/>
+                      <a:satMod val="149000"/>
+                      <a:alpha val="100000"/>
+                    </a:schemeClr>
+                  </a:gs>
+                  <a:gs pos="45000">
+                    <a:schemeClr val="accent1">
+                      <a:tint val="85000"/>
+                      <a:satMod val="150000"/>
+                      <a:alpha val="100000"/>
+                    </a:schemeClr>
+                  </a:gs>
+                  <a:gs pos="50000">
+                    <a:schemeClr val="accent1">
+                      <a:tint val="86000"/>
+                      <a:satMod val="149000"/>
+                      <a:alpha val="100000"/>
+                    </a:schemeClr>
+                  </a:gs>
+                  <a:gs pos="79000">
+                    <a:schemeClr val="accent1">
+                      <a:shade val="53000"/>
+                      <a:satMod val="150000"/>
+                      <a:alpha val="100000"/>
+                    </a:schemeClr>
+                  </a:gs>
+                  <a:gs pos="100000">
+                    <a:schemeClr val="accent1">
+                      <a:shade val="25000"/>
+                      <a:satMod val="170000"/>
+                      <a:alpha val="100000"/>
+                    </a:schemeClr>
+                  </a:gs>
+                </a:gsLst>
+                <a:lin ang="450000" scaled="1"/>
+                <a:tileRect/>
+              </a:gradFill>
+            </a:fillOverlay>
+          </a:effectLst>
+        </p:spPr>
+        <p:style>
+          <a:lnRef idx="3">
+            <a:schemeClr val="lt1"/>
+          </a:lnRef>
+          <a:fillRef idx="1">
+            <a:schemeClr val="accent1"/>
+          </a:fillRef>
+          <a:effectRef idx="1">
+            <a:schemeClr val="accent1"/>
+          </a:effectRef>
+          <a:fontRef idx="minor">
+            <a:schemeClr val="lt1"/>
+          </a:fontRef>
+        </p:style>
+        <p:txBody>
+          <a:bodyPr vert="horz" wrap="square" lIns="91440" tIns="45720" rIns="91440" bIns="45720" anchor="ctr" compatLnSpc="1"/>
+          <a:lstStyle>
+            <a:extLst/>
+          </a:lstStyle>
+          <a:p>
+            <a:pPr algn="ctr" eaLnBrk="1" latinLnBrk="0" hangingPunct="1"/>
+            <a:endParaRPr kumimoji="0" lang="en-US"/>
+          </a:p>
+        </p:txBody>
+      </p:sp>
+      <p:cxnSp>
+        <p:nvCxnSpPr>
+          <p:cNvPr id="11" name="Straight Connector 10"/>
+          <p:cNvCxnSpPr/>
+          <p:nvPr/>
+        </p:nvCxnSpPr>
+        <p:spPr>
+          <a:xfrm>
+            <a:off x="-12316" y="5787739"/>
+            <a:ext cx="4540679" cy="1084383"/>
+          </a:xfrm>
+          <a:prstGeom prst="line">
+            <a:avLst/>
+          </a:prstGeom>
+          <a:noFill/>
+          <a:ln w="12065" cap="flat" cmpd="sng" algn="ctr">
+            <a:gradFill>
+              <a:gsLst>
+                <a:gs pos="45000">
+                  <a:schemeClr val="accent1">
+                    <a:tint val="70000"/>
+                    <a:satMod val="110000"/>
+                  </a:schemeClr>
+                </a:gs>
+                <a:gs pos="15000">
+                  <a:schemeClr val="accent1">
+                    <a:shade val="40000"/>
+                    <a:satMod val="110000"/>
+                  </a:schemeClr>
+                </a:gs>
+              </a:gsLst>
+              <a:lin ang="5400000" scaled="1"/>
+            </a:gradFill>
+            <a:prstDash val="solid"/>
+            <a:miter lim="800000"/>
+          </a:ln>
+          <a:effectLst/>
+        </p:spPr>
+        <p:style>
+          <a:lnRef idx="2">
+            <a:schemeClr val="accent1"/>
+          </a:lnRef>
+          <a:fillRef idx="0">
+            <a:schemeClr val="accent1"/>
+          </a:fillRef>
+          <a:effectRef idx="1">
+            <a:schemeClr val="accent1"/>
+          </a:effectRef>
+          <a:fontRef idx="minor">
+            <a:schemeClr val="tx1"/>
+          </a:fontRef>
+        </p:style>
+      </p:cxnSp>
+      <p:sp>
+        <p:nvSpPr>
+          <p:cNvPr id="12" name="Chevron 11"/>
+          <p:cNvSpPr/>
+          <p:nvPr/>
+        </p:nvSpPr>
+        <p:spPr>
+          <a:xfrm>
+            <a:off x="11552149" y="4988440"/>
+            <a:ext cx="243840" cy="228600"/>
+          </a:xfrm>
+          <a:prstGeom prst="chevron">
+            <a:avLst>
+              <a:gd name="adj" fmla="val 50000"/>
+            </a:avLst>
+          </a:prstGeom>
+          <a:gradFill flip="none" rotWithShape="1">
+            <a:gsLst>
+              <a:gs pos="0">
+                <a:schemeClr val="accent1">
+                  <a:shade val="60000"/>
+                  <a:satMod val="125000"/>
+                </a:schemeClr>
+              </a:gs>
+              <a:gs pos="72000">
+                <a:schemeClr val="accent1">
+                  <a:tint val="90000"/>
+                  <a:satMod val="138000"/>
+                </a:schemeClr>
+              </a:gs>
+              <a:gs pos="100000">
+                <a:schemeClr val="accent1">
+                  <a:tint val="76000"/>
+                  <a:satMod val="136000"/>
+                </a:schemeClr>
+              </a:gs>
+            </a:gsLst>
+            <a:lin ang="16200000" scaled="0"/>
+          </a:gradFill>
+          <a:ln w="3175" cap="rnd" cmpd="sng" algn="ctr">
+            <a:solidFill>
+              <a:schemeClr val="accent1">
+                <a:shade val="50000"/>
+              </a:schemeClr>
+            </a:solidFill>
+            <a:prstDash val="solid"/>
+          </a:ln>
+          <a:effectLst>
+            <a:outerShdw blurRad="50800" dist="25400" dir="5400000">
+              <a:srgbClr val="000000">
+                <a:alpha val="46000"/>
+              </a:srgbClr>
+            </a:outerShdw>
+          </a:effectLst>
+        </p:spPr>
+        <p:style>
+          <a:lnRef idx="1">
+            <a:schemeClr val="accent1"/>
+          </a:lnRef>
+          <a:fillRef idx="3">
+            <a:schemeClr val="accent1"/>
+          </a:fillRef>
+          <a:effectRef idx="2">
+            <a:schemeClr val="accent1"/>
+          </a:effectRef>
+          <a:fontRef idx="minor">
+            <a:schemeClr val="lt1"/>
+          </a:fontRef>
+        </p:style>
+        <p:txBody>
+          <a:bodyPr anchor="ctr"/>
+          <a:lstStyle>
+            <a:extLst/>
+          </a:lstStyle>
+          <a:p>
+            <a:pPr algn="l" eaLnBrk="1" latinLnBrk="0" hangingPunct="1"/>
+            <a:endParaRPr kumimoji="0" lang="en-US"/>
+          </a:p>
+        </p:txBody>
+      </p:sp>
+      <p:sp>
+        <p:nvSpPr>
+          <p:cNvPr id="13" name="Chevron 12"/>
+          <p:cNvSpPr/>
+          <p:nvPr/>
+        </p:nvSpPr>
+        <p:spPr>
+          <a:xfrm>
+            <a:off x="11303595" y="4988440"/>
+            <a:ext cx="243840" cy="228600"/>
+          </a:xfrm>
+          <a:prstGeom prst="chevron">
+            <a:avLst>
+              <a:gd name="adj" fmla="val 50000"/>
+            </a:avLst>
+          </a:prstGeom>
+          <a:gradFill flip="none" rotWithShape="1">
+            <a:gsLst>
+              <a:gs pos="0">
+                <a:schemeClr val="accent1">
+                  <a:shade val="60000"/>
+                  <a:satMod val="125000"/>
+                </a:schemeClr>
+              </a:gs>
+              <a:gs pos="72000">
+                <a:schemeClr val="accent1">
+                  <a:tint val="90000"/>
+                  <a:satMod val="138000"/>
+                </a:schemeClr>
+              </a:gs>
+              <a:gs pos="100000">
+                <a:schemeClr val="accent1">
+                  <a:tint val="76000"/>
+                  <a:satMod val="136000"/>
+                </a:schemeClr>
+              </a:gs>
+            </a:gsLst>
+            <a:lin ang="16200000" scaled="0"/>
+          </a:gradFill>
+          <a:ln w="3175" cap="rnd" cmpd="sng" algn="ctr">
+            <a:solidFill>
+              <a:schemeClr val="accent1">
+                <a:shade val="50000"/>
+              </a:schemeClr>
+            </a:solidFill>
+            <a:prstDash val="solid"/>
+          </a:ln>
+          <a:effectLst>
+            <a:outerShdw blurRad="50800" dist="25400" dir="5400000">
+              <a:srgbClr val="000000">
+                <a:alpha val="46000"/>
+              </a:srgbClr>
+            </a:outerShdw>
+          </a:effectLst>
+        </p:spPr>
+        <p:style>
+          <a:lnRef idx="1">
+            <a:schemeClr val="accent1"/>
+          </a:lnRef>
+          <a:fillRef idx="3">
+            <a:schemeClr val="accent1"/>
+          </a:fillRef>
+          <a:effectRef idx="2">
+            <a:schemeClr val="accent1"/>
+          </a:effectRef>
+          <a:fontRef idx="minor">
+            <a:schemeClr val="lt1"/>
+          </a:fontRef>
+        </p:style>
+        <p:txBody>
+          <a:bodyPr anchor="ctr"/>
+          <a:lstStyle>
+            <a:extLst/>
+          </a:lstStyle>
+          <a:p>
+            <a:pPr algn="l" eaLnBrk="1" latinLnBrk="0" hangingPunct="1"/>
+            <a:endParaRPr kumimoji="0" lang="en-US"/>
+          </a:p>
+        </p:txBody>
+      </p:sp>
     </p:spTree>
-    <p:extLst>
-      <p:ext uri="{BB962C8B-B14F-4D97-AF65-F5344CB8AC3E}">
-        <p14:creationId xmlns:p14="http://schemas.microsoft.com/office/powerpoint/2010/main" val="2991570564"/>
-      </p:ext>
-    </p:extLst>
   </p:cSld>
   <p:clrMapOvr>
-    <a:masterClrMapping/>
+    <a:overrideClrMapping bg1="dk1" tx1="lt1" bg2="dk2" tx2="lt2" accent1="accent1" accent2="accent2" accent3="accent3" accent4="accent4" accent5="accent5" accent6="accent6" hlink="hlink" folHlink="folHlink"/>
   </p:clrMapOvr>
 </p:sldLayout>
 </file>
@@ -2462,40 +4151,379 @@
       </p:grpSpPr>
       <p:sp>
         <p:nvSpPr>
-          <p:cNvPr id="2" name="Title Placeholder 1"/>
-          <p:cNvSpPr>
-            <a:spLocks noGrp="1"/>
-          </p:cNvSpPr>
-          <p:nvPr>
-            <p:ph type="title"/>
-          </p:nvPr>
-        </p:nvSpPr>
+          <p:cNvPr id="13" name="Freeform 12"/>
+          <p:cNvSpPr>
+            <a:spLocks/>
+          </p:cNvSpPr>
+          <p:nvPr/>
+        </p:nvSpPr>
+        <p:spPr bwMode="auto">
+          <a:xfrm>
+            <a:off x="665697" y="5944936"/>
+            <a:ext cx="6587499" cy="921076"/>
+          </a:xfrm>
+          <a:custGeom>
+            <a:avLst>
+              <a:gd name="A1" fmla="val 0"/>
+              <a:gd name="A2" fmla="val 0"/>
+              <a:gd name="A3" fmla="val 0"/>
+              <a:gd name="A4" fmla="val 0"/>
+              <a:gd name="A5" fmla="val 0"/>
+              <a:gd name="A6" fmla="val 0"/>
+              <a:gd name="A7" fmla="val 0"/>
+              <a:gd name="A8" fmla="val 0"/>
+            </a:avLst>
+            <a:gdLst/>
+            <a:ahLst/>
+            <a:cxnLst>
+              <a:cxn ang="0">
+                <a:pos x="0" y="0"/>
+              </a:cxn>
+              <a:cxn ang="0">
+                <a:pos x="5760" y="0"/>
+              </a:cxn>
+              <a:cxn ang="0">
+                <a:pos x="5760" y="528"/>
+              </a:cxn>
+              <a:cxn ang="0">
+                <a:pos x="48" y="0"/>
+              </a:cxn>
+            </a:cxnLst>
+            <a:rect l="0" t="0" r="0" b="0"/>
+            <a:pathLst>
+              <a:path w="7485" h="337">
+                <a:moveTo>
+                  <a:pt x="0" y="2"/>
+                </a:moveTo>
+                <a:lnTo>
+                  <a:pt x="7485" y="337"/>
+                </a:lnTo>
+                <a:lnTo>
+                  <a:pt x="5558" y="337"/>
+                </a:lnTo>
+                <a:lnTo>
+                  <a:pt x="1" y="0"/>
+                </a:lnTo>
+              </a:path>
+            </a:pathLst>
+          </a:custGeom>
+          <a:solidFill>
+            <a:schemeClr val="accent1">
+              <a:tint val="65000"/>
+              <a:satMod val="115000"/>
+              <a:alpha val="40000"/>
+            </a:schemeClr>
+          </a:solidFill>
+          <a:ln w="9525" cap="flat" cmpd="sng" algn="ctr">
+            <a:noFill/>
+            <a:prstDash val="solid"/>
+            <a:round/>
+            <a:headEnd type="none" w="med" len="med"/>
+            <a:tailEnd type="none" w="med" len="med"/>
+          </a:ln>
+          <a:effectLst/>
+        </p:spPr>
+        <p:txBody>
+          <a:bodyPr vert="horz" wrap="square" lIns="91440" tIns="45720" rIns="91440" bIns="45720" anchor="t" compatLnSpc="1"/>
+          <a:lstStyle>
+            <a:extLst/>
+          </a:lstStyle>
+          <a:p>
+            <a:endParaRPr kumimoji="0" lang="en-US"/>
+          </a:p>
+        </p:txBody>
+      </p:sp>
+      <p:sp>
+        <p:nvSpPr>
+          <p:cNvPr id="12" name="Freeform 11"/>
+          <p:cNvSpPr>
+            <a:spLocks/>
+          </p:cNvSpPr>
+          <p:nvPr/>
+        </p:nvSpPr>
+        <p:spPr bwMode="auto">
+          <a:xfrm>
+            <a:off x="647623" y="5939011"/>
+            <a:ext cx="4920601" cy="933450"/>
+          </a:xfrm>
+          <a:custGeom>
+            <a:avLst>
+              <a:gd name="A1" fmla="val 0"/>
+              <a:gd name="A2" fmla="val 0"/>
+              <a:gd name="A3" fmla="val 0"/>
+              <a:gd name="A4" fmla="val 0"/>
+              <a:gd name="A5" fmla="val 0"/>
+              <a:gd name="A6" fmla="val 0"/>
+              <a:gd name="A7" fmla="val 0"/>
+              <a:gd name="A8" fmla="val 0"/>
+            </a:avLst>
+            <a:gdLst/>
+            <a:ahLst/>
+            <a:cxnLst>
+              <a:cxn ang="0">
+                <a:pos x="0" y="0"/>
+              </a:cxn>
+              <a:cxn ang="0">
+                <a:pos x="5760" y="0"/>
+              </a:cxn>
+              <a:cxn ang="0">
+                <a:pos x="5760" y="528"/>
+              </a:cxn>
+              <a:cxn ang="0">
+                <a:pos x="48" y="0"/>
+              </a:cxn>
+            </a:cxnLst>
+            <a:rect l="0" t="0" r="0" b="0"/>
+            <a:pathLst>
+              <a:path w="5591" h="588">
+                <a:moveTo>
+                  <a:pt x="0" y="0"/>
+                </a:moveTo>
+                <a:lnTo>
+                  <a:pt x="5591" y="585"/>
+                </a:lnTo>
+                <a:lnTo>
+                  <a:pt x="4415" y="588"/>
+                </a:lnTo>
+                <a:lnTo>
+                  <a:pt x="12" y="4"/>
+                </a:lnTo>
+              </a:path>
+            </a:pathLst>
+          </a:custGeom>
+          <a:solidFill>
+            <a:srgbClr val="000000">
+              <a:alpha val="100000"/>
+            </a:srgbClr>
+          </a:solidFill>
+          <a:ln w="9525" cap="flat" cmpd="sng" algn="ctr">
+            <a:noFill/>
+            <a:prstDash val="solid"/>
+            <a:round/>
+            <a:headEnd type="none" w="med" len="med"/>
+            <a:tailEnd type="none" w="med" len="med"/>
+          </a:ln>
+          <a:effectLst/>
+        </p:spPr>
+        <p:txBody>
+          <a:bodyPr vert="horz" wrap="square" lIns="91440" tIns="45720" rIns="91440" bIns="45720" anchor="t" compatLnSpc="1"/>
+          <a:lstStyle>
+            <a:extLst/>
+          </a:lstStyle>
+          <a:p>
+            <a:endParaRPr kumimoji="0" lang="en-US"/>
+          </a:p>
+        </p:txBody>
+      </p:sp>
+      <p:sp>
+        <p:nvSpPr>
+          <p:cNvPr id="14" name="Right Triangle 13"/>
+          <p:cNvSpPr>
+            <a:spLocks/>
+          </p:cNvSpPr>
+          <p:nvPr/>
+        </p:nvSpPr>
+        <p:spPr bwMode="auto">
+          <a:xfrm>
+            <a:off x="-8056" y="5791253"/>
+            <a:ext cx="4536419" cy="1080868"/>
+          </a:xfrm>
+          <a:prstGeom prst="rtTriangle">
+            <a:avLst/>
+          </a:prstGeom>
+          <a:blipFill>
+            <a:blip r:embed="rId13" cstate="print">
+              <a:alphaModFix amt="50000"/>
+            </a:blip>
+            <a:tile tx="0" ty="0" sx="50000" sy="50000" flip="none" algn="t"/>
+          </a:blipFill>
+          <a:ln w="12700" cap="rnd" cmpd="thickThin" algn="ctr">
+            <a:noFill/>
+            <a:prstDash val="solid"/>
+          </a:ln>
+          <a:effectLst>
+            <a:fillOverlay blend="mult">
+              <a:gradFill flip="none" rotWithShape="1">
+                <a:gsLst>
+                  <a:gs pos="0">
+                    <a:schemeClr val="accent1">
+                      <a:shade val="20000"/>
+                      <a:satMod val="176000"/>
+                      <a:alpha val="100000"/>
+                    </a:schemeClr>
+                  </a:gs>
+                  <a:gs pos="18000">
+                    <a:schemeClr val="accent1">
+                      <a:shade val="48000"/>
+                      <a:satMod val="153000"/>
+                      <a:alpha val="100000"/>
+                    </a:schemeClr>
+                  </a:gs>
+                  <a:gs pos="43000">
+                    <a:schemeClr val="accent1">
+                      <a:tint val="86000"/>
+                      <a:satMod val="149000"/>
+                      <a:alpha val="100000"/>
+                    </a:schemeClr>
+                  </a:gs>
+                  <a:gs pos="45000">
+                    <a:schemeClr val="accent1">
+                      <a:tint val="85000"/>
+                      <a:satMod val="150000"/>
+                      <a:alpha val="100000"/>
+                    </a:schemeClr>
+                  </a:gs>
+                  <a:gs pos="50000">
+                    <a:schemeClr val="accent1">
+                      <a:tint val="86000"/>
+                      <a:satMod val="149000"/>
+                      <a:alpha val="100000"/>
+                    </a:schemeClr>
+                  </a:gs>
+                  <a:gs pos="79000">
+                    <a:schemeClr val="accent1">
+                      <a:shade val="53000"/>
+                      <a:satMod val="150000"/>
+                      <a:alpha val="100000"/>
+                    </a:schemeClr>
+                  </a:gs>
+                  <a:gs pos="100000">
+                    <a:schemeClr val="accent1">
+                      <a:shade val="25000"/>
+                      <a:satMod val="170000"/>
+                      <a:alpha val="100000"/>
+                    </a:schemeClr>
+                  </a:gs>
+                </a:gsLst>
+                <a:lin ang="450000" scaled="1"/>
+                <a:tileRect/>
+              </a:gradFill>
+            </a:fillOverlay>
+          </a:effectLst>
+        </p:spPr>
+        <p:style>
+          <a:lnRef idx="3">
+            <a:schemeClr val="lt1"/>
+          </a:lnRef>
+          <a:fillRef idx="1">
+            <a:schemeClr val="accent1"/>
+          </a:fillRef>
+          <a:effectRef idx="1">
+            <a:schemeClr val="accent1"/>
+          </a:effectRef>
+          <a:fontRef idx="minor">
+            <a:schemeClr val="lt1"/>
+          </a:fontRef>
+        </p:style>
+        <p:txBody>
+          <a:bodyPr vert="horz" wrap="square" lIns="91440" tIns="45720" rIns="91440" bIns="45720" anchor="ctr" compatLnSpc="1"/>
+          <a:lstStyle>
+            <a:extLst/>
+          </a:lstStyle>
+          <a:p>
+            <a:pPr algn="ctr" eaLnBrk="1" latinLnBrk="0" hangingPunct="1"/>
+            <a:endParaRPr kumimoji="0" lang="en-US"/>
+          </a:p>
+        </p:txBody>
+      </p:sp>
+      <p:cxnSp>
+        <p:nvCxnSpPr>
+          <p:cNvPr id="15" name="Straight Connector 14"/>
+          <p:cNvCxnSpPr/>
+          <p:nvPr/>
+        </p:nvCxnSpPr>
         <p:spPr>
           <a:xfrm>
-            <a:off x="838200" y="365125"/>
-            <a:ext cx="10515600" cy="1325563"/>
+            <a:off x="-12316" y="5787739"/>
+            <a:ext cx="4540679" cy="1084383"/>
+          </a:xfrm>
+          <a:prstGeom prst="line">
+            <a:avLst/>
+          </a:prstGeom>
+          <a:noFill/>
+          <a:ln w="12065" cap="flat" cmpd="sng" algn="ctr">
+            <a:gradFill>
+              <a:gsLst>
+                <a:gs pos="45000">
+                  <a:schemeClr val="accent1">
+                    <a:tint val="70000"/>
+                    <a:satMod val="110000"/>
+                  </a:schemeClr>
+                </a:gs>
+                <a:gs pos="15000">
+                  <a:schemeClr val="accent1">
+                    <a:shade val="40000"/>
+                    <a:satMod val="110000"/>
+                  </a:schemeClr>
+                </a:gs>
+              </a:gsLst>
+              <a:lin ang="5400000" scaled="1"/>
+            </a:gradFill>
+            <a:prstDash val="solid"/>
+            <a:miter lim="800000"/>
+          </a:ln>
+          <a:effectLst/>
+        </p:spPr>
+        <p:style>
+          <a:lnRef idx="2">
+            <a:schemeClr val="accent1"/>
+          </a:lnRef>
+          <a:fillRef idx="0">
+            <a:schemeClr val="accent1"/>
+          </a:fillRef>
+          <a:effectRef idx="1">
+            <a:schemeClr val="accent1"/>
+          </a:effectRef>
+          <a:fontRef idx="minor">
+            <a:schemeClr val="tx1"/>
+          </a:fontRef>
+        </p:style>
+      </p:cxnSp>
+      <p:sp>
+        <p:nvSpPr>
+          <p:cNvPr id="9" name="Title Placeholder 8"/>
+          <p:cNvSpPr>
+            <a:spLocks noGrp="1"/>
+          </p:cNvSpPr>
+          <p:nvPr>
+            <p:ph type="title"/>
+          </p:nvPr>
+        </p:nvSpPr>
+        <p:spPr>
+          <a:xfrm>
+            <a:off x="609600" y="274638"/>
+            <a:ext cx="10972800" cy="1143000"/>
           </a:xfrm>
           <a:prstGeom prst="rect">
             <a:avLst/>
           </a:prstGeom>
         </p:spPr>
         <p:txBody>
-          <a:bodyPr vert="horz" lIns="91440" tIns="45720" rIns="91440" bIns="45720" rtlCol="0" anchor="ctr">
+          <a:bodyPr vert="horz" anchor="ctr">
             <a:normAutofit/>
+            <a:scene3d>
+              <a:camera prst="orthographicFront"/>
+              <a:lightRig rig="soft" dir="t"/>
+            </a:scene3d>
+            <a:sp3d prstMaterial="softEdge">
+              <a:bevelT w="25400" h="25400"/>
+            </a:sp3d>
           </a:bodyPr>
-          <a:lstStyle/>
-          <a:p>
-            <a:r>
-              <a:rPr lang="en-US" smtClean="0"/>
+          <a:lstStyle>
+            <a:extLst/>
+          </a:lstStyle>
+          <a:p>
+            <a:r>
+              <a:rPr kumimoji="0" lang="en-US" smtClean="0"/>
               <a:t>Click to edit Master title style</a:t>
             </a:r>
-            <a:endParaRPr lang="en-US"/>
-          </a:p>
-        </p:txBody>
-      </p:sp>
-      <p:sp>
-        <p:nvSpPr>
-          <p:cNvPr id="3" name="Text Placeholder 2"/>
+            <a:endParaRPr kumimoji="0" lang="en-US"/>
+          </a:p>
+        </p:txBody>
+      </p:sp>
+      <p:sp>
+        <p:nvSpPr>
+          <p:cNvPr id="30" name="Text Placeholder 29"/>
           <p:cNvSpPr>
             <a:spLocks noGrp="1"/>
           </p:cNvSpPr>
@@ -2505,59 +4533,61 @@
         </p:nvSpPr>
         <p:spPr>
           <a:xfrm>
-            <a:off x="838200" y="1825625"/>
-            <a:ext cx="10515600" cy="4351338"/>
+            <a:off x="609600" y="1481329"/>
+            <a:ext cx="10972800" cy="4525963"/>
           </a:xfrm>
           <a:prstGeom prst="rect">
             <a:avLst/>
           </a:prstGeom>
         </p:spPr>
         <p:txBody>
-          <a:bodyPr vert="horz" lIns="91440" tIns="45720" rIns="91440" bIns="45720" rtlCol="0">
+          <a:bodyPr vert="horz">
             <a:normAutofit/>
           </a:bodyPr>
-          <a:lstStyle/>
-          <a:p>
-            <a:pPr lvl="0"/>
-            <a:r>
-              <a:rPr lang="en-US" smtClean="0"/>
+          <a:lstStyle>
+            <a:extLst/>
+          </a:lstStyle>
+          <a:p>
+            <a:pPr lvl="0" eaLnBrk="1" latinLnBrk="0" hangingPunct="1"/>
+            <a:r>
+              <a:rPr kumimoji="0" lang="en-US" smtClean="0"/>
               <a:t>Click to edit Master text styles</a:t>
             </a:r>
           </a:p>
           <a:p>
-            <a:pPr lvl="1"/>
-            <a:r>
-              <a:rPr lang="en-US" smtClean="0"/>
+            <a:pPr lvl="1" eaLnBrk="1" latinLnBrk="0" hangingPunct="1"/>
+            <a:r>
+              <a:rPr kumimoji="0" lang="en-US" smtClean="0"/>
               <a:t>Second level</a:t>
             </a:r>
           </a:p>
           <a:p>
-            <a:pPr lvl="2"/>
-            <a:r>
-              <a:rPr lang="en-US" smtClean="0"/>
+            <a:pPr lvl="2" eaLnBrk="1" latinLnBrk="0" hangingPunct="1"/>
+            <a:r>
+              <a:rPr kumimoji="0" lang="en-US" smtClean="0"/>
               <a:t>Third level</a:t>
             </a:r>
           </a:p>
           <a:p>
-            <a:pPr lvl="3"/>
-            <a:r>
-              <a:rPr lang="en-US" smtClean="0"/>
+            <a:pPr lvl="3" eaLnBrk="1" latinLnBrk="0" hangingPunct="1"/>
+            <a:r>
+              <a:rPr kumimoji="0" lang="en-US" smtClean="0"/>
               <a:t>Fourth level</a:t>
             </a:r>
           </a:p>
           <a:p>
-            <a:pPr lvl="4"/>
-            <a:r>
-              <a:rPr lang="en-US" smtClean="0"/>
+            <a:pPr lvl="4" eaLnBrk="1" latinLnBrk="0" hangingPunct="1"/>
+            <a:r>
+              <a:rPr kumimoji="0" lang="en-US" smtClean="0"/>
               <a:t>Fifth level</a:t>
             </a:r>
-            <a:endParaRPr lang="en-US"/>
-          </a:p>
-        </p:txBody>
-      </p:sp>
-      <p:sp>
-        <p:nvSpPr>
-          <p:cNvPr id="4" name="Date Placeholder 3"/>
+            <a:endParaRPr kumimoji="0" lang="en-US"/>
+          </a:p>
+        </p:txBody>
+      </p:sp>
+      <p:sp>
+        <p:nvSpPr>
+          <p:cNvPr id="10" name="Date Placeholder 9"/>
           <p:cNvSpPr>
             <a:spLocks noGrp="1"/>
           </p:cNvSpPr>
@@ -2567,30 +4597,29 @@
         </p:nvSpPr>
         <p:spPr>
           <a:xfrm>
-            <a:off x="838200" y="6356350"/>
-            <a:ext cx="2743200" cy="365125"/>
+            <a:off x="8969376" y="6407944"/>
+            <a:ext cx="2560320" cy="365760"/>
           </a:xfrm>
           <a:prstGeom prst="rect">
             <a:avLst/>
           </a:prstGeom>
         </p:spPr>
         <p:txBody>
-          <a:bodyPr vert="horz" lIns="91440" tIns="45720" rIns="91440" bIns="45720" rtlCol="0" anchor="ctr"/>
+          <a:bodyPr vert="horz" anchor="b"/>
           <a:lstStyle>
-            <a:lvl1pPr algn="l">
-              <a:defRPr sz="1200">
+            <a:lvl1pPr algn="l" eaLnBrk="1" latinLnBrk="0" hangingPunct="1">
+              <a:defRPr kumimoji="0" sz="1000">
                 <a:solidFill>
-                  <a:schemeClr val="tx1">
-                    <a:tint val="75000"/>
-                  </a:schemeClr>
+                  <a:schemeClr val="tx1"/>
                 </a:solidFill>
               </a:defRPr>
             </a:lvl1pPr>
+            <a:extLst/>
           </a:lstStyle>
           <a:p>
-            <a:fld id="{0F9640C9-FD1D-4EC7-A146-38DBD4133D1C}" type="datetimeFigureOut">
-              <a:rPr lang="en-US" smtClean="0"/>
-              <a:t>7/18/2019</a:t>
+            <a:fld id="{6D59FE74-89A8-460B-8D91-2CB51B14669C}" type="datetime1">
+              <a:rPr lang="en-US" smtClean="0"/>
+              <a:t>7/19/2019</a:t>
             </a:fld>
             <a:endParaRPr lang="en-US"/>
           </a:p>
@@ -2598,7 +4627,7 @@
       </p:sp>
       <p:sp>
         <p:nvSpPr>
-          <p:cNvPr id="5" name="Footer Placeholder 4"/>
+          <p:cNvPr id="22" name="Footer Placeholder 21"/>
           <p:cNvSpPr>
             <a:spLocks noGrp="1"/>
           </p:cNvSpPr>
@@ -2608,34 +4637,37 @@
         </p:nvSpPr>
         <p:spPr>
           <a:xfrm>
-            <a:off x="4038600" y="6356350"/>
-            <a:ext cx="4114800" cy="365125"/>
+            <a:off x="5840097" y="6407945"/>
+            <a:ext cx="3134241" cy="365125"/>
           </a:xfrm>
           <a:prstGeom prst="rect">
             <a:avLst/>
           </a:prstGeom>
         </p:spPr>
         <p:txBody>
-          <a:bodyPr vert="horz" lIns="91440" tIns="45720" rIns="91440" bIns="45720" rtlCol="0" anchor="ctr"/>
+          <a:bodyPr vert="horz" anchor="b"/>
           <a:lstStyle>
-            <a:lvl1pPr algn="ctr">
-              <a:defRPr sz="1200">
+            <a:lvl1pPr algn="r" eaLnBrk="1" latinLnBrk="0" hangingPunct="1">
+              <a:defRPr kumimoji="0" sz="1000">
                 <a:solidFill>
-                  <a:schemeClr val="tx1">
-                    <a:tint val="75000"/>
-                  </a:schemeClr>
+                  <a:schemeClr val="tx1"/>
                 </a:solidFill>
               </a:defRPr>
             </a:lvl1pPr>
+            <a:extLst/>
           </a:lstStyle>
           <a:p>
+            <a:r>
+              <a:rPr lang="en-US" smtClean="0"/>
+              <a:t>N.chaithanya Koushik</a:t>
+            </a:r>
             <a:endParaRPr lang="en-US"/>
           </a:p>
         </p:txBody>
       </p:sp>
       <p:sp>
         <p:nvSpPr>
-          <p:cNvPr id="6" name="Slide Number Placeholder 5"/>
+          <p:cNvPr id="18" name="Slide Number Placeholder 17"/>
           <p:cNvSpPr>
             <a:spLocks noGrp="1"/>
           </p:cNvSpPr>
@@ -2645,29 +4677,29 @@
         </p:nvSpPr>
         <p:spPr>
           <a:xfrm>
-            <a:off x="8610600" y="6356350"/>
-            <a:ext cx="2743200" cy="365125"/>
+            <a:off x="11529696" y="6407945"/>
+            <a:ext cx="487680" cy="365125"/>
           </a:xfrm>
           <a:prstGeom prst="rect">
             <a:avLst/>
           </a:prstGeom>
         </p:spPr>
         <p:txBody>
-          <a:bodyPr vert="horz" lIns="91440" tIns="45720" rIns="91440" bIns="45720" rtlCol="0" anchor="ctr"/>
+          <a:bodyPr vert="horz" anchor="b"/>
           <a:lstStyle>
-            <a:lvl1pPr algn="r">
-              <a:defRPr sz="1200">
+            <a:lvl1pPr algn="r" eaLnBrk="1" latinLnBrk="0" hangingPunct="1">
+              <a:defRPr kumimoji="0" sz="1000" b="0">
                 <a:solidFill>
-                  <a:schemeClr val="tx1">
-                    <a:tint val="75000"/>
-                  </a:schemeClr>
+                  <a:schemeClr val="tx1"/>
                 </a:solidFill>
               </a:defRPr>
             </a:lvl1pPr>
+            <a:extLst/>
           </a:lstStyle>
           <a:p>
             <a:fld id="{9CF0812B-CEB2-4056-BF4D-9194C6B60941}" type="slidenum">
               <a:rPr lang="en-US" smtClean="0"/>
+              <a:pPr/>
               <a:t>‹#›</a:t>
             </a:fld>
             <a:endParaRPr lang="en-US"/>
@@ -2675,57 +4707,62 @@
         </p:txBody>
       </p:sp>
     </p:spTree>
-    <p:extLst>
-      <p:ext uri="{BB962C8B-B14F-4D97-AF65-F5344CB8AC3E}">
-        <p14:creationId xmlns:p14="http://schemas.microsoft.com/office/powerpoint/2010/main" val="1422402680"/>
-      </p:ext>
-    </p:extLst>
   </p:cSld>
   <p:clrMap bg1="lt1" tx1="dk1" bg2="lt2" tx2="dk2" accent1="accent1" accent2="accent2" accent3="accent3" accent4="accent4" accent5="accent5" accent6="accent6" hlink="hlink" folHlink="folHlink"/>
   <p:sldLayoutIdLst>
-    <p:sldLayoutId id="2147483726" r:id="rId1"/>
-    <p:sldLayoutId id="2147483727" r:id="rId2"/>
-    <p:sldLayoutId id="2147483728" r:id="rId3"/>
-    <p:sldLayoutId id="2147483729" r:id="rId4"/>
-    <p:sldLayoutId id="2147483730" r:id="rId5"/>
-    <p:sldLayoutId id="2147483731" r:id="rId6"/>
-    <p:sldLayoutId id="2147483732" r:id="rId7"/>
-    <p:sldLayoutId id="2147483733" r:id="rId8"/>
-    <p:sldLayoutId id="2147483734" r:id="rId9"/>
-    <p:sldLayoutId id="2147483735" r:id="rId10"/>
-    <p:sldLayoutId id="2147483736" r:id="rId11"/>
+    <p:sldLayoutId id="2147483774" r:id="rId1"/>
+    <p:sldLayoutId id="2147483775" r:id="rId2"/>
+    <p:sldLayoutId id="2147483776" r:id="rId3"/>
+    <p:sldLayoutId id="2147483777" r:id="rId4"/>
+    <p:sldLayoutId id="2147483778" r:id="rId5"/>
+    <p:sldLayoutId id="2147483779" r:id="rId6"/>
+    <p:sldLayoutId id="2147483780" r:id="rId7"/>
+    <p:sldLayoutId id="2147483781" r:id="rId8"/>
+    <p:sldLayoutId id="2147483782" r:id="rId9"/>
+    <p:sldLayoutId id="2147483783" r:id="rId10"/>
+    <p:sldLayoutId id="2147483784" r:id="rId11"/>
   </p:sldLayoutIdLst>
+  <p:hf hdr="0" ftr="0" dt="0"/>
   <p:txStyles>
     <p:titleStyle>
-      <a:lvl1pPr algn="l" defTabSz="914400" rtl="0" eaLnBrk="1" latinLnBrk="0" hangingPunct="1">
-        <a:lnSpc>
-          <a:spcPct val="90000"/>
-        </a:lnSpc>
+      <a:lvl1pPr algn="l" rtl="0" eaLnBrk="1" latinLnBrk="0" hangingPunct="1">
         <a:spcBef>
           <a:spcPct val="0"/>
         </a:spcBef>
         <a:buNone/>
-        <a:defRPr sz="4400" kern="1200">
+        <a:defRPr kumimoji="0" sz="4100" b="1" kern="1200">
           <a:solidFill>
-            <a:schemeClr val="tx1"/>
+            <a:schemeClr val="tx2"/>
           </a:solidFill>
+          <a:effectLst>
+            <a:outerShdw blurRad="31750" dist="25400" dir="5400000" algn="tl" rotWithShape="0">
+              <a:srgbClr val="000000">
+                <a:alpha val="25000"/>
+              </a:srgbClr>
+            </a:outerShdw>
+          </a:effectLst>
           <a:latin typeface="+mj-lt"/>
           <a:ea typeface="+mj-ea"/>
           <a:cs typeface="+mj-cs"/>
         </a:defRPr>
       </a:lvl1pPr>
+      <a:extLst/>
     </p:titleStyle>
     <p:bodyStyle>
-      <a:lvl1pPr marL="228600" indent="-228600" algn="l" defTabSz="914400" rtl="0" eaLnBrk="1" latinLnBrk="0" hangingPunct="1">
-        <a:lnSpc>
-          <a:spcPct val="90000"/>
-        </a:lnSpc>
+      <a:lvl1pPr marL="365760" indent="-256032" algn="l" rtl="0" eaLnBrk="1" latinLnBrk="0" hangingPunct="1">
         <a:spcBef>
-          <a:spcPts val="1000"/>
+          <a:spcPts val="400"/>
         </a:spcBef>
-        <a:buFont typeface="Arial" panose="020B0604020202020204" pitchFamily="34" charset="0"/>
-        <a:buChar char="•"/>
-        <a:defRPr sz="2800" kern="1200">
+        <a:spcAft>
+          <a:spcPts val="0"/>
+        </a:spcAft>
+        <a:buClr>
+          <a:schemeClr val="accent1"/>
+        </a:buClr>
+        <a:buSzPct val="68000"/>
+        <a:buFont typeface="Wingdings 3"/>
+        <a:buChar char=""/>
+        <a:defRPr kumimoji="0" sz="2700" kern="1200">
           <a:solidFill>
             <a:schemeClr val="tx1"/>
           </a:solidFill>
@@ -2734,16 +4771,16 @@
           <a:cs typeface="+mn-cs"/>
         </a:defRPr>
       </a:lvl1pPr>
-      <a:lvl2pPr marL="685800" indent="-228600" algn="l" defTabSz="914400" rtl="0" eaLnBrk="1" latinLnBrk="0" hangingPunct="1">
-        <a:lnSpc>
-          <a:spcPct val="90000"/>
-        </a:lnSpc>
+      <a:lvl2pPr marL="621792" indent="-228600" algn="l" rtl="0" eaLnBrk="1" latinLnBrk="0" hangingPunct="1">
         <a:spcBef>
-          <a:spcPts val="500"/>
+          <a:spcPts val="324"/>
         </a:spcBef>
-        <a:buFont typeface="Arial" panose="020B0604020202020204" pitchFamily="34" charset="0"/>
-        <a:buChar char="•"/>
-        <a:defRPr sz="2400" kern="1200">
+        <a:buClr>
+          <a:schemeClr val="accent1"/>
+        </a:buClr>
+        <a:buFont typeface="Verdana"/>
+        <a:buChar char="◦"/>
+        <a:defRPr kumimoji="0" sz="2300" kern="1200">
           <a:solidFill>
             <a:schemeClr val="tx1"/>
           </a:solidFill>
@@ -2752,16 +4789,17 @@
           <a:cs typeface="+mn-cs"/>
         </a:defRPr>
       </a:lvl2pPr>
-      <a:lvl3pPr marL="1143000" indent="-228600" algn="l" defTabSz="914400" rtl="0" eaLnBrk="1" latinLnBrk="0" hangingPunct="1">
-        <a:lnSpc>
-          <a:spcPct val="90000"/>
-        </a:lnSpc>
+      <a:lvl3pPr marL="859536" indent="-228600" algn="l" rtl="0" eaLnBrk="1" latinLnBrk="0" hangingPunct="1">
         <a:spcBef>
-          <a:spcPts val="500"/>
+          <a:spcPts val="350"/>
         </a:spcBef>
-        <a:buFont typeface="Arial" panose="020B0604020202020204" pitchFamily="34" charset="0"/>
-        <a:buChar char="•"/>
-        <a:defRPr sz="2000" kern="1200">
+        <a:buClr>
+          <a:schemeClr val="accent2"/>
+        </a:buClr>
+        <a:buSzPct val="100000"/>
+        <a:buFont typeface="Wingdings 2"/>
+        <a:buChar char=""/>
+        <a:defRPr kumimoji="0" sz="2100" kern="1200">
           <a:solidFill>
             <a:schemeClr val="tx1"/>
           </a:solidFill>
@@ -2770,16 +4808,16 @@
           <a:cs typeface="+mn-cs"/>
         </a:defRPr>
       </a:lvl3pPr>
-      <a:lvl4pPr marL="1600200" indent="-228600" algn="l" defTabSz="914400" rtl="0" eaLnBrk="1" latinLnBrk="0" hangingPunct="1">
-        <a:lnSpc>
-          <a:spcPct val="90000"/>
-        </a:lnSpc>
+      <a:lvl4pPr marL="1143000" indent="-228600" algn="l" rtl="0" eaLnBrk="1" latinLnBrk="0" hangingPunct="1">
         <a:spcBef>
-          <a:spcPts val="500"/>
+          <a:spcPts val="350"/>
         </a:spcBef>
-        <a:buFont typeface="Arial" panose="020B0604020202020204" pitchFamily="34" charset="0"/>
-        <a:buChar char="•"/>
-        <a:defRPr sz="1800" kern="1200">
+        <a:buClr>
+          <a:schemeClr val="accent2"/>
+        </a:buClr>
+        <a:buFont typeface="Wingdings 2"/>
+        <a:buChar char=""/>
+        <a:defRPr kumimoji="0" sz="1900" kern="1200">
           <a:solidFill>
             <a:schemeClr val="tx1"/>
           </a:solidFill>
@@ -2788,16 +4826,16 @@
           <a:cs typeface="+mn-cs"/>
         </a:defRPr>
       </a:lvl4pPr>
-      <a:lvl5pPr marL="2057400" indent="-228600" algn="l" defTabSz="914400" rtl="0" eaLnBrk="1" latinLnBrk="0" hangingPunct="1">
-        <a:lnSpc>
-          <a:spcPct val="90000"/>
-        </a:lnSpc>
+      <a:lvl5pPr marL="1371600" indent="-228600" algn="l" rtl="0" eaLnBrk="1" latinLnBrk="0" hangingPunct="1">
         <a:spcBef>
-          <a:spcPts val="500"/>
+          <a:spcPts val="350"/>
         </a:spcBef>
-        <a:buFont typeface="Arial" panose="020B0604020202020204" pitchFamily="34" charset="0"/>
-        <a:buChar char="•"/>
-        <a:defRPr sz="1800" kern="1200">
+        <a:buClr>
+          <a:schemeClr val="accent2"/>
+        </a:buClr>
+        <a:buFont typeface="Wingdings 2"/>
+        <a:buChar char=""/>
+        <a:defRPr kumimoji="0" sz="1800" kern="1200">
           <a:solidFill>
             <a:schemeClr val="tx1"/>
           </a:solidFill>
@@ -2806,16 +4844,16 @@
           <a:cs typeface="+mn-cs"/>
         </a:defRPr>
       </a:lvl5pPr>
-      <a:lvl6pPr marL="2514600" indent="-228600" algn="l" defTabSz="914400" rtl="0" eaLnBrk="1" latinLnBrk="0" hangingPunct="1">
-        <a:lnSpc>
-          <a:spcPct val="90000"/>
-        </a:lnSpc>
+      <a:lvl6pPr marL="1600200" indent="-228600" algn="l" rtl="0" eaLnBrk="1" latinLnBrk="0" hangingPunct="1">
         <a:spcBef>
-          <a:spcPts val="500"/>
+          <a:spcPts val="350"/>
         </a:spcBef>
-        <a:buFont typeface="Arial" panose="020B0604020202020204" pitchFamily="34" charset="0"/>
-        <a:buChar char="•"/>
-        <a:defRPr sz="1800" kern="1200">
+        <a:buClr>
+          <a:schemeClr val="accent3"/>
+        </a:buClr>
+        <a:buFont typeface="Wingdings 2"/>
+        <a:buChar char=""/>
+        <a:defRPr kumimoji="0" sz="1800" kern="1200">
           <a:solidFill>
             <a:schemeClr val="tx1"/>
           </a:solidFill>
@@ -2824,16 +4862,16 @@
           <a:cs typeface="+mn-cs"/>
         </a:defRPr>
       </a:lvl6pPr>
-      <a:lvl7pPr marL="2971800" indent="-228600" algn="l" defTabSz="914400" rtl="0" eaLnBrk="1" latinLnBrk="0" hangingPunct="1">
-        <a:lnSpc>
-          <a:spcPct val="90000"/>
-        </a:lnSpc>
+      <a:lvl7pPr marL="1828800" indent="-228600" algn="l" rtl="0" eaLnBrk="1" latinLnBrk="0" hangingPunct="1">
         <a:spcBef>
-          <a:spcPts val="500"/>
+          <a:spcPts val="350"/>
         </a:spcBef>
-        <a:buFont typeface="Arial" panose="020B0604020202020204" pitchFamily="34" charset="0"/>
-        <a:buChar char="•"/>
-        <a:defRPr sz="1800" kern="1200">
+        <a:buClr>
+          <a:schemeClr val="accent3"/>
+        </a:buClr>
+        <a:buFont typeface="Wingdings 2"/>
+        <a:buChar char=""/>
+        <a:defRPr kumimoji="0" sz="1600" kern="1200">
           <a:solidFill>
             <a:schemeClr val="tx1"/>
           </a:solidFill>
@@ -2842,16 +4880,16 @@
           <a:cs typeface="+mn-cs"/>
         </a:defRPr>
       </a:lvl7pPr>
-      <a:lvl8pPr marL="3429000" indent="-228600" algn="l" defTabSz="914400" rtl="0" eaLnBrk="1" latinLnBrk="0" hangingPunct="1">
-        <a:lnSpc>
-          <a:spcPct val="90000"/>
-        </a:lnSpc>
+      <a:lvl8pPr marL="2057400" indent="-228600" algn="l" rtl="0" eaLnBrk="1" latinLnBrk="0" hangingPunct="1">
         <a:spcBef>
-          <a:spcPts val="500"/>
+          <a:spcPts val="350"/>
         </a:spcBef>
-        <a:buFont typeface="Arial" panose="020B0604020202020204" pitchFamily="34" charset="0"/>
-        <a:buChar char="•"/>
-        <a:defRPr sz="1800" kern="1200">
+        <a:buClr>
+          <a:schemeClr val="accent3"/>
+        </a:buClr>
+        <a:buFont typeface="Wingdings 2"/>
+        <a:buChar char=""/>
+        <a:defRPr kumimoji="0" sz="1600" kern="1200">
           <a:solidFill>
             <a:schemeClr val="tx1"/>
           </a:solidFill>
@@ -2860,16 +4898,16 @@
           <a:cs typeface="+mn-cs"/>
         </a:defRPr>
       </a:lvl8pPr>
-      <a:lvl9pPr marL="3886200" indent="-228600" algn="l" defTabSz="914400" rtl="0" eaLnBrk="1" latinLnBrk="0" hangingPunct="1">
-        <a:lnSpc>
-          <a:spcPct val="90000"/>
-        </a:lnSpc>
+      <a:lvl9pPr marL="2286000" indent="-228600" algn="l" rtl="0" eaLnBrk="1" latinLnBrk="0" hangingPunct="1">
         <a:spcBef>
-          <a:spcPts val="500"/>
+          <a:spcPts val="350"/>
         </a:spcBef>
-        <a:buFont typeface="Arial" panose="020B0604020202020204" pitchFamily="34" charset="0"/>
-        <a:buChar char="•"/>
-        <a:defRPr sz="1800" kern="1200">
+        <a:buClr>
+          <a:schemeClr val="accent3"/>
+        </a:buClr>
+        <a:buFont typeface="Wingdings 2"/>
+        <a:buChar char=""/>
+        <a:defRPr kumimoji="0" sz="1600" kern="1200" baseline="0">
           <a:solidFill>
             <a:schemeClr val="tx1"/>
           </a:solidFill>
@@ -2878,13 +4916,11 @@
           <a:cs typeface="+mn-cs"/>
         </a:defRPr>
       </a:lvl9pPr>
+      <a:extLst/>
     </p:bodyStyle>
     <p:otherStyle>
-      <a:defPPr>
-        <a:defRPr lang="en-US"/>
-      </a:defPPr>
-      <a:lvl1pPr marL="0" algn="l" defTabSz="914400" rtl="0" eaLnBrk="1" latinLnBrk="0" hangingPunct="1">
-        <a:defRPr sz="1800" kern="1200">
+      <a:lvl1pPr marL="0" algn="l" rtl="0" eaLnBrk="1" latinLnBrk="0" hangingPunct="1">
+        <a:defRPr kumimoji="0" kern="1200">
           <a:solidFill>
             <a:schemeClr val="tx1"/>
           </a:solidFill>
@@ -2893,8 +4929,8 @@
           <a:cs typeface="+mn-cs"/>
         </a:defRPr>
       </a:lvl1pPr>
-      <a:lvl2pPr marL="457200" algn="l" defTabSz="914400" rtl="0" eaLnBrk="1" latinLnBrk="0" hangingPunct="1">
-        <a:defRPr sz="1800" kern="1200">
+      <a:lvl2pPr marL="457200" algn="l" rtl="0" eaLnBrk="1" latinLnBrk="0" hangingPunct="1">
+        <a:defRPr kumimoji="0" kern="1200">
           <a:solidFill>
             <a:schemeClr val="tx1"/>
           </a:solidFill>
@@ -2903,8 +4939,8 @@
           <a:cs typeface="+mn-cs"/>
         </a:defRPr>
       </a:lvl2pPr>
-      <a:lvl3pPr marL="914400" algn="l" defTabSz="914400" rtl="0" eaLnBrk="1" latinLnBrk="0" hangingPunct="1">
-        <a:defRPr sz="1800" kern="1200">
+      <a:lvl3pPr marL="914400" algn="l" rtl="0" eaLnBrk="1" latinLnBrk="0" hangingPunct="1">
+        <a:defRPr kumimoji="0" kern="1200">
           <a:solidFill>
             <a:schemeClr val="tx1"/>
           </a:solidFill>
@@ -2913,8 +4949,8 @@
           <a:cs typeface="+mn-cs"/>
         </a:defRPr>
       </a:lvl3pPr>
-      <a:lvl4pPr marL="1371600" algn="l" defTabSz="914400" rtl="0" eaLnBrk="1" latinLnBrk="0" hangingPunct="1">
-        <a:defRPr sz="1800" kern="1200">
+      <a:lvl4pPr marL="1371600" algn="l" rtl="0" eaLnBrk="1" latinLnBrk="0" hangingPunct="1">
+        <a:defRPr kumimoji="0" kern="1200">
           <a:solidFill>
             <a:schemeClr val="tx1"/>
           </a:solidFill>
@@ -2923,8 +4959,8 @@
           <a:cs typeface="+mn-cs"/>
         </a:defRPr>
       </a:lvl4pPr>
-      <a:lvl5pPr marL="1828800" algn="l" defTabSz="914400" rtl="0" eaLnBrk="1" latinLnBrk="0" hangingPunct="1">
-        <a:defRPr sz="1800" kern="1200">
+      <a:lvl5pPr marL="1828800" algn="l" rtl="0" eaLnBrk="1" latinLnBrk="0" hangingPunct="1">
+        <a:defRPr kumimoji="0" kern="1200">
           <a:solidFill>
             <a:schemeClr val="tx1"/>
           </a:solidFill>
@@ -2933,8 +4969,8 @@
           <a:cs typeface="+mn-cs"/>
         </a:defRPr>
       </a:lvl5pPr>
-      <a:lvl6pPr marL="2286000" algn="l" defTabSz="914400" rtl="0" eaLnBrk="1" latinLnBrk="0" hangingPunct="1">
-        <a:defRPr sz="1800" kern="1200">
+      <a:lvl6pPr marL="2286000" algn="l" rtl="0" eaLnBrk="1" latinLnBrk="0" hangingPunct="1">
+        <a:defRPr kumimoji="0" kern="1200">
           <a:solidFill>
             <a:schemeClr val="tx1"/>
           </a:solidFill>
@@ -2943,8 +4979,8 @@
           <a:cs typeface="+mn-cs"/>
         </a:defRPr>
       </a:lvl6pPr>
-      <a:lvl7pPr marL="2743200" algn="l" defTabSz="914400" rtl="0" eaLnBrk="1" latinLnBrk="0" hangingPunct="1">
-        <a:defRPr sz="1800" kern="1200">
+      <a:lvl7pPr marL="2743200" algn="l" rtl="0" eaLnBrk="1" latinLnBrk="0" hangingPunct="1">
+        <a:defRPr kumimoji="0" kern="1200">
           <a:solidFill>
             <a:schemeClr val="tx1"/>
           </a:solidFill>
@@ -2953,8 +4989,8 @@
           <a:cs typeface="+mn-cs"/>
         </a:defRPr>
       </a:lvl7pPr>
-      <a:lvl8pPr marL="3200400" algn="l" defTabSz="914400" rtl="0" eaLnBrk="1" latinLnBrk="0" hangingPunct="1">
-        <a:defRPr sz="1800" kern="1200">
+      <a:lvl8pPr marL="3200400" algn="l" rtl="0" eaLnBrk="1" latinLnBrk="0" hangingPunct="1">
+        <a:defRPr kumimoji="0" kern="1200">
           <a:solidFill>
             <a:schemeClr val="tx1"/>
           </a:solidFill>
@@ -2963,8 +4999,8 @@
           <a:cs typeface="+mn-cs"/>
         </a:defRPr>
       </a:lvl8pPr>
-      <a:lvl9pPr marL="3657600" algn="l" defTabSz="914400" rtl="0" eaLnBrk="1" latinLnBrk="0" hangingPunct="1">
-        <a:defRPr sz="1800" kern="1200">
+      <a:lvl9pPr marL="3657600" algn="l" rtl="0" eaLnBrk="1" latinLnBrk="0" hangingPunct="1">
+        <a:defRPr kumimoji="0" kern="1200">
           <a:solidFill>
             <a:schemeClr val="tx1"/>
           </a:solidFill>
@@ -2973,6 +5009,7 @@
           <a:cs typeface="+mn-cs"/>
         </a:defRPr>
       </a:lvl9pPr>
+      <a:extLst/>
     </p:otherStyle>
   </p:txStyles>
 </p:sldMaster>
@@ -3063,8 +5100,8 @@
         </p:nvSpPr>
         <p:spPr>
           <a:xfrm>
-            <a:off x="850005" y="2485621"/>
-            <a:ext cx="5151550" cy="3160299"/>
+            <a:off x="850006" y="2485622"/>
+            <a:ext cx="5151551" cy="3160299"/>
           </a:xfrm>
         </p:spPr>
         <p:txBody>
@@ -3084,6 +5121,30 @@
               <a:latin typeface="Times New Roman" panose="02020603050405020304" pitchFamily="18" charset="0"/>
               <a:cs typeface="Times New Roman" panose="02020603050405020304" pitchFamily="18" charset="0"/>
             </a:endParaRPr>
+          </a:p>
+        </p:txBody>
+      </p:sp>
+      <p:sp>
+        <p:nvSpPr>
+          <p:cNvPr id="6" name="Slide Number Placeholder 5"/>
+          <p:cNvSpPr>
+            <a:spLocks noGrp="1"/>
+          </p:cNvSpPr>
+          <p:nvPr>
+            <p:ph type="sldNum" sz="quarter" idx="12"/>
+          </p:nvPr>
+        </p:nvSpPr>
+        <p:spPr/>
+        <p:txBody>
+          <a:bodyPr/>
+          <a:lstStyle/>
+          <a:p>
+            <a:fld id="{9CF0812B-CEB2-4056-BF4D-9194C6B60941}" type="slidenum">
+              <a:rPr lang="en-US" smtClean="0"/>
+              <a:pPr/>
+              <a:t>1</a:t>
+            </a:fld>
+            <a:endParaRPr lang="en-US"/>
           </a:p>
         </p:txBody>
       </p:sp>
@@ -3099,7 +5160,7 @@
           <a:blip r:embed="rId2" cstate="print">
             <a:extLst>
               <a:ext uri="{28A0092B-C50C-407E-A947-70E740481C1C}">
-                <a14:useLocalDpi xmlns:a14="http://schemas.microsoft.com/office/drawing/2010/main" val="0"/>
+                <a14:useLocalDpi xmlns:a14="http://schemas.microsoft.com/office/drawing/2010/main" xmlns="" val="0"/>
               </a:ext>
             </a:extLst>
           </a:blip>
@@ -3109,7 +5170,7 @@
         </p:blipFill>
         <p:spPr>
           <a:xfrm>
-            <a:off x="6650556" y="2485621"/>
+            <a:off x="6650557" y="2485622"/>
             <a:ext cx="5270988" cy="3160299"/>
           </a:xfrm>
           <a:prstGeom prst="round2DiagRect">
@@ -3136,7 +5197,7 @@
     </p:spTree>
     <p:extLst>
       <p:ext uri="{BB962C8B-B14F-4D97-AF65-F5344CB8AC3E}">
-        <p14:creationId xmlns:p14="http://schemas.microsoft.com/office/powerpoint/2010/main" val="1830456032"/>
+        <p14:creationId xmlns:p14="http://schemas.microsoft.com/office/powerpoint/2010/main" xmlns="" val="1830456032"/>
       </p:ext>
     </p:extLst>
   </p:cSld>
@@ -3189,7 +5250,7 @@
           <a:noFill/>
           <a:extLst>
             <a:ext uri="{909E8E84-426E-40DD-AFC4-6F175D3DCCD1}">
-              <a14:hiddenFill xmlns:a14="http://schemas.microsoft.com/office/drawing/2010/main">
+              <a14:hiddenFill xmlns:a14="http://schemas.microsoft.com/office/drawing/2010/main" xmlns="">
                 <a:solidFill>
                   <a:srgbClr val="FFFFFF"/>
                 </a:solidFill>
@@ -3221,7 +5282,7 @@
           <a:blip r:embed="rId2" cstate="print">
             <a:extLst>
               <a:ext uri="{28A0092B-C50C-407E-A947-70E740481C1C}">
-                <a14:useLocalDpi xmlns:a14="http://schemas.microsoft.com/office/drawing/2010/main" val="0"/>
+                <a14:useLocalDpi xmlns:a14="http://schemas.microsoft.com/office/drawing/2010/main" xmlns="" val="0"/>
               </a:ext>
             </a:extLst>
           </a:blip>
@@ -3232,7 +5293,7 @@
         </p:blipFill>
         <p:spPr bwMode="auto">
           <a:xfrm rot="21046491">
-            <a:off x="8604292" y="239312"/>
+            <a:off x="8604293" y="239312"/>
             <a:ext cx="2899321" cy="1525958"/>
           </a:xfrm>
           <a:prstGeom prst="rect">
@@ -3241,7 +5302,7 @@
           <a:noFill/>
           <a:extLst>
             <a:ext uri="{909E8E84-426E-40DD-AFC4-6F175D3DCCD1}">
-              <a14:hiddenFill xmlns:a14="http://schemas.microsoft.com/office/drawing/2010/main">
+              <a14:hiddenFill xmlns:a14="http://schemas.microsoft.com/office/drawing/2010/main" xmlns="">
                 <a:solidFill>
                   <a:srgbClr val="FFFFFF"/>
                 </a:solidFill>
@@ -3258,8 +5319,8 @@
         </p:nvSpPr>
         <p:spPr>
           <a:xfrm rot="21307505">
-            <a:off x="496313" y="473906"/>
-            <a:ext cx="1821653" cy="923330"/>
+            <a:off x="410714" y="473906"/>
+            <a:ext cx="1992853" cy="923330"/>
           </a:xfrm>
           <a:prstGeom prst="rect">
             <a:avLst/>
@@ -3325,7 +5386,7 @@
         </p:nvSpPr>
         <p:spPr>
           <a:xfrm>
-            <a:off x="618186" y="1526138"/>
+            <a:off x="618187" y="1526140"/>
             <a:ext cx="6638997" cy="461665"/>
           </a:xfrm>
           <a:prstGeom prst="rect">
@@ -3376,10 +5437,10 @@
           <p:nvPr/>
         </p:nvPicPr>
         <p:blipFill>
-          <a:blip r:embed="rId3">
+          <a:blip r:embed="rId3" cstate="print">
             <a:extLst>
               <a:ext uri="{28A0092B-C50C-407E-A947-70E740481C1C}">
-                <a14:useLocalDpi xmlns:a14="http://schemas.microsoft.com/office/drawing/2010/main" val="0"/>
+                <a14:useLocalDpi xmlns:a14="http://schemas.microsoft.com/office/drawing/2010/main" xmlns="" val="0"/>
               </a:ext>
             </a:extLst>
           </a:blip>
@@ -3389,7 +5450,7 @@
         </p:blipFill>
         <p:spPr>
           <a:xfrm>
-            <a:off x="460375" y="2164286"/>
+            <a:off x="460377" y="2164286"/>
             <a:ext cx="5233593" cy="3759996"/>
           </a:xfrm>
           <a:prstGeom prst="rect">
@@ -3406,10 +5467,10 @@
           <p:nvPr/>
         </p:nvPicPr>
         <p:blipFill>
-          <a:blip r:embed="rId4">
+          <a:blip r:embed="rId4" cstate="print">
             <a:extLst>
               <a:ext uri="{28A0092B-C50C-407E-A947-70E740481C1C}">
-                <a14:useLocalDpi xmlns:a14="http://schemas.microsoft.com/office/drawing/2010/main" val="0"/>
+                <a14:useLocalDpi xmlns:a14="http://schemas.microsoft.com/office/drawing/2010/main" xmlns="" val="0"/>
               </a:ext>
             </a:extLst>
           </a:blip>
@@ -3427,10 +5488,34 @@
           </a:prstGeom>
         </p:spPr>
       </p:pic>
+      <p:sp>
+        <p:nvSpPr>
+          <p:cNvPr id="9" name="Slide Number Placeholder 8"/>
+          <p:cNvSpPr>
+            <a:spLocks noGrp="1"/>
+          </p:cNvSpPr>
+          <p:nvPr>
+            <p:ph type="sldNum" sz="quarter" idx="12"/>
+          </p:nvPr>
+        </p:nvSpPr>
+        <p:spPr/>
+        <p:txBody>
+          <a:bodyPr/>
+          <a:lstStyle/>
+          <a:p>
+            <a:fld id="{9CF0812B-CEB2-4056-BF4D-9194C6B60941}" type="slidenum">
+              <a:rPr lang="en-US" smtClean="0"/>
+              <a:pPr/>
+              <a:t>10</a:t>
+            </a:fld>
+            <a:endParaRPr lang="en-US"/>
+          </a:p>
+        </p:txBody>
+      </p:sp>
     </p:spTree>
     <p:extLst>
       <p:ext uri="{BB962C8B-B14F-4D97-AF65-F5344CB8AC3E}">
-        <p14:creationId xmlns:p14="http://schemas.microsoft.com/office/powerpoint/2010/main" val="1565817588"/>
+        <p14:creationId xmlns:p14="http://schemas.microsoft.com/office/powerpoint/2010/main" xmlns="" val="1565817588"/>
       </p:ext>
     </p:extLst>
   </p:cSld>
@@ -3464,42 +5549,57 @@
           <a:chExt cx="0" cy="0"/>
         </a:xfrm>
       </p:grpSpPr>
+      <p:sp>
+        <p:nvSpPr>
+          <p:cNvPr id="2" name="Slide Number Placeholder 1"/>
+          <p:cNvSpPr>
+            <a:spLocks noGrp="1"/>
+          </p:cNvSpPr>
+          <p:nvPr>
+            <p:ph type="sldNum" sz="quarter" idx="12"/>
+          </p:nvPr>
+        </p:nvSpPr>
+        <p:spPr/>
+        <p:txBody>
+          <a:bodyPr/>
+          <a:lstStyle/>
+          <a:p>
+            <a:fld id="{9CF0812B-CEB2-4056-BF4D-9194C6B60941}" type="slidenum">
+              <a:rPr lang="en-US" smtClean="0"/>
+              <a:pPr/>
+              <a:t>11</a:t>
+            </a:fld>
+            <a:endParaRPr lang="en-US"/>
+          </a:p>
+        </p:txBody>
+      </p:sp>
       <p:pic>
         <p:nvPicPr>
-          <p:cNvPr id="2" name="Picture 1"/>
+          <p:cNvPr id="3075" name="Picture 3" descr="C:\Users\N Chaithanya koushik\Desktop\4.jpg"/>
           <p:cNvPicPr>
-            <a:picLocks noChangeAspect="1"/>
+            <a:picLocks noChangeAspect="1" noChangeArrowheads="1"/>
           </p:cNvPicPr>
           <p:nvPr/>
         </p:nvPicPr>
         <p:blipFill>
-          <a:blip r:embed="rId2">
-            <a:extLst>
-              <a:ext uri="{28A0092B-C50C-407E-A947-70E740481C1C}">
-                <a14:useLocalDpi xmlns:a14="http://schemas.microsoft.com/office/drawing/2010/main" val="0"/>
-              </a:ext>
-            </a:extLst>
-          </a:blip>
+          <a:blip r:embed="rId2" cstate="print"/>
+          <a:srcRect/>
           <a:stretch>
             <a:fillRect/>
           </a:stretch>
         </p:blipFill>
-        <p:spPr>
+        <p:spPr bwMode="auto">
           <a:xfrm>
-            <a:off x="1651967" y="428206"/>
-            <a:ext cx="8888065" cy="6001588"/>
+            <a:off x="2919497" y="663547"/>
+            <a:ext cx="7821465" cy="5066036"/>
           </a:xfrm>
           <a:prstGeom prst="rect">
             <a:avLst/>
           </a:prstGeom>
+          <a:noFill/>
         </p:spPr>
       </p:pic>
     </p:spTree>
-    <p:extLst>
-      <p:ext uri="{BB962C8B-B14F-4D97-AF65-F5344CB8AC3E}">
-        <p14:creationId xmlns:p14="http://schemas.microsoft.com/office/powerpoint/2010/main" val="3841118280"/>
-      </p:ext>
-    </p:extLst>
   </p:cSld>
   <p:clrMapOvr>
     <a:masterClrMapping/>
@@ -3531,25 +5631,6 @@
           <a:chExt cx="0" cy="0"/>
         </a:xfrm>
       </p:grpSpPr>
-      <p:sp>
-        <p:nvSpPr>
-          <p:cNvPr id="2" name="Title 1"/>
-          <p:cNvSpPr>
-            <a:spLocks noGrp="1"/>
-          </p:cNvSpPr>
-          <p:nvPr>
-            <p:ph type="title"/>
-          </p:nvPr>
-        </p:nvSpPr>
-        <p:spPr/>
-        <p:txBody>
-          <a:bodyPr/>
-          <a:lstStyle/>
-          <a:p>
-            <a:endParaRPr lang="en-US" dirty="0"/>
-          </a:p>
-        </p:txBody>
-      </p:sp>
       <p:pic>
         <p:nvPicPr>
           <p:cNvPr id="3074" name="Picture 2" descr="Image result for why access modifiers"/>
@@ -3561,10 +5642,10 @@
           </p:nvPr>
         </p:nvPicPr>
         <p:blipFill>
-          <a:blip r:embed="rId2">
+          <a:blip r:embed="rId2" cstate="print">
             <a:extLst>
               <a:ext uri="{28A0092B-C50C-407E-A947-70E740481C1C}">
-                <a14:useLocalDpi xmlns:a14="http://schemas.microsoft.com/office/drawing/2010/main" val="0"/>
+                <a14:useLocalDpi xmlns:a14="http://schemas.microsoft.com/office/drawing/2010/main" xmlns="" val="0"/>
               </a:ext>
             </a:extLst>
           </a:blip>
@@ -3575,8 +5656,8 @@
         </p:blipFill>
         <p:spPr bwMode="auto">
           <a:xfrm>
-            <a:off x="838200" y="365125"/>
-            <a:ext cx="8888168" cy="5301200"/>
+            <a:off x="1755972" y="170916"/>
+            <a:ext cx="9645707" cy="5753022"/>
           </a:xfrm>
           <a:prstGeom prst="rect">
             <a:avLst/>
@@ -3584,7 +5665,7 @@
           <a:noFill/>
           <a:extLst>
             <a:ext uri="{909E8E84-426E-40DD-AFC4-6F175D3DCCD1}">
-              <a14:hiddenFill xmlns:a14="http://schemas.microsoft.com/office/drawing/2010/main">
+              <a14:hiddenFill xmlns:a14="http://schemas.microsoft.com/office/drawing/2010/main" xmlns="">
                 <a:solidFill>
                   <a:srgbClr val="FFFFFF"/>
                 </a:solidFill>
@@ -3593,10 +5674,34 @@
           </a:extLst>
         </p:spPr>
       </p:pic>
+      <p:sp>
+        <p:nvSpPr>
+          <p:cNvPr id="5" name="Slide Number Placeholder 4"/>
+          <p:cNvSpPr>
+            <a:spLocks noGrp="1"/>
+          </p:cNvSpPr>
+          <p:nvPr>
+            <p:ph type="sldNum" sz="quarter" idx="12"/>
+          </p:nvPr>
+        </p:nvSpPr>
+        <p:spPr/>
+        <p:txBody>
+          <a:bodyPr/>
+          <a:lstStyle/>
+          <a:p>
+            <a:fld id="{9CF0812B-CEB2-4056-BF4D-9194C6B60941}" type="slidenum">
+              <a:rPr lang="en-US" smtClean="0"/>
+              <a:pPr/>
+              <a:t>2</a:t>
+            </a:fld>
+            <a:endParaRPr lang="en-US"/>
+          </a:p>
+        </p:txBody>
+      </p:sp>
     </p:spTree>
     <p:extLst>
       <p:ext uri="{BB962C8B-B14F-4D97-AF65-F5344CB8AC3E}">
-        <p14:creationId xmlns:p14="http://schemas.microsoft.com/office/powerpoint/2010/main" val="465507401"/>
+        <p14:creationId xmlns:p14="http://schemas.microsoft.com/office/powerpoint/2010/main" xmlns="" val="465507401"/>
       </p:ext>
     </p:extLst>
   </p:cSld>
@@ -3632,12 +5737,12 @@
       </p:grpSpPr>
       <p:sp>
         <p:nvSpPr>
-          <p:cNvPr id="2" name="Title 1"/>
-          <p:cNvSpPr>
-            <a:spLocks noGrp="1"/>
-          </p:cNvSpPr>
-          <p:nvPr>
-            <p:ph type="title"/>
+          <p:cNvPr id="5" name="Content Placeholder 4"/>
+          <p:cNvSpPr>
+            <a:spLocks noGrp="1"/>
+          </p:cNvSpPr>
+          <p:nvPr>
+            <p:ph idx="1"/>
           </p:nvPr>
         </p:nvSpPr>
         <p:spPr/>
@@ -3647,6 +5752,83 @@
           <a:p>
             <a:r>
               <a:rPr lang="en-IN" dirty="0" smtClean="0"/>
+              <a:t>Default</a:t>
+            </a:r>
+          </a:p>
+          <a:p>
+            <a:r>
+              <a:rPr lang="en-IN" dirty="0" smtClean="0"/>
+              <a:t>Private</a:t>
+            </a:r>
+          </a:p>
+          <a:p>
+            <a:r>
+              <a:rPr lang="en-IN" dirty="0" smtClean="0"/>
+              <a:t>Public </a:t>
+            </a:r>
+          </a:p>
+          <a:p>
+            <a:r>
+              <a:rPr lang="en-IN" dirty="0" smtClean="0"/>
+              <a:t>Protected</a:t>
+            </a:r>
+          </a:p>
+          <a:p>
+            <a:r>
+              <a:rPr lang="en-IN" dirty="0" smtClean="0"/>
+              <a:t>Static</a:t>
+            </a:r>
+          </a:p>
+          <a:p>
+            <a:r>
+              <a:rPr lang="en-IN" dirty="0" smtClean="0"/>
+              <a:t>Final</a:t>
+            </a:r>
+            <a:endParaRPr lang="en-US" dirty="0"/>
+          </a:p>
+        </p:txBody>
+      </p:sp>
+      <p:sp>
+        <p:nvSpPr>
+          <p:cNvPr id="6" name="Slide Number Placeholder 5"/>
+          <p:cNvSpPr>
+            <a:spLocks noGrp="1"/>
+          </p:cNvSpPr>
+          <p:nvPr>
+            <p:ph type="sldNum" sz="quarter" idx="12"/>
+          </p:nvPr>
+        </p:nvSpPr>
+        <p:spPr/>
+        <p:txBody>
+          <a:bodyPr/>
+          <a:lstStyle/>
+          <a:p>
+            <a:fld id="{9CF0812B-CEB2-4056-BF4D-9194C6B60941}" type="slidenum">
+              <a:rPr lang="en-US" smtClean="0"/>
+              <a:pPr/>
+              <a:t>3</a:t>
+            </a:fld>
+            <a:endParaRPr lang="en-US"/>
+          </a:p>
+        </p:txBody>
+      </p:sp>
+      <p:sp>
+        <p:nvSpPr>
+          <p:cNvPr id="2" name="Title 1"/>
+          <p:cNvSpPr>
+            <a:spLocks noGrp="1"/>
+          </p:cNvSpPr>
+          <p:nvPr>
+            <p:ph type="title"/>
+          </p:nvPr>
+        </p:nvSpPr>
+        <p:spPr/>
+        <p:txBody>
+          <a:bodyPr/>
+          <a:lstStyle/>
+          <a:p>
+            <a:r>
+              <a:rPr lang="en-IN" dirty="0" smtClean="0"/>
               <a:t>Types of </a:t>
             </a:r>
             <a:r>
@@ -3656,59 +5838,6 @@
             <a:r>
               <a:rPr lang="en-IN" dirty="0" smtClean="0"/>
               <a:t>:</a:t>
-            </a:r>
-            <a:endParaRPr lang="en-US" dirty="0"/>
-          </a:p>
-        </p:txBody>
-      </p:sp>
-      <p:sp>
-        <p:nvSpPr>
-          <p:cNvPr id="5" name="Content Placeholder 4"/>
-          <p:cNvSpPr>
-            <a:spLocks noGrp="1"/>
-          </p:cNvSpPr>
-          <p:nvPr>
-            <p:ph idx="1"/>
-          </p:nvPr>
-        </p:nvSpPr>
-        <p:spPr/>
-        <p:txBody>
-          <a:bodyPr/>
-          <a:lstStyle/>
-          <a:p>
-            <a:r>
-              <a:rPr lang="en-IN" dirty="0" smtClean="0"/>
-              <a:t>Default</a:t>
-            </a:r>
-          </a:p>
-          <a:p>
-            <a:r>
-              <a:rPr lang="en-IN" dirty="0" smtClean="0"/>
-              <a:t>Private</a:t>
-            </a:r>
-          </a:p>
-          <a:p>
-            <a:r>
-              <a:rPr lang="en-IN" dirty="0" smtClean="0"/>
-              <a:t>Public </a:t>
-            </a:r>
-          </a:p>
-          <a:p>
-            <a:r>
-              <a:rPr lang="en-IN" dirty="0" smtClean="0"/>
-              <a:t>Protected</a:t>
-            </a:r>
-          </a:p>
-          <a:p>
-            <a:r>
-              <a:rPr lang="en-IN" dirty="0" smtClean="0"/>
-              <a:t>Static</a:t>
-            </a:r>
-          </a:p>
-          <a:p>
-            <a:r>
-              <a:rPr lang="en-IN" dirty="0" smtClean="0"/>
-              <a:t>Final</a:t>
             </a:r>
             <a:endParaRPr lang="en-US" dirty="0"/>
           </a:p>
@@ -3717,7 +5846,7 @@
     </p:spTree>
     <p:extLst>
       <p:ext uri="{BB962C8B-B14F-4D97-AF65-F5344CB8AC3E}">
-        <p14:creationId xmlns:p14="http://schemas.microsoft.com/office/powerpoint/2010/main" val="3976952866"/>
+        <p14:creationId xmlns:p14="http://schemas.microsoft.com/office/powerpoint/2010/main" xmlns="" val="3976952866"/>
       </p:ext>
     </p:extLst>
   </p:cSld>
@@ -3753,34 +5882,6 @@
       </p:grpSpPr>
       <p:sp>
         <p:nvSpPr>
-          <p:cNvPr id="2" name="Title 1"/>
-          <p:cNvSpPr>
-            <a:spLocks noGrp="1"/>
-          </p:cNvSpPr>
-          <p:nvPr>
-            <p:ph type="title"/>
-          </p:nvPr>
-        </p:nvSpPr>
-        <p:spPr>
-          <a:xfrm>
-            <a:off x="0" y="0"/>
-            <a:ext cx="10515600" cy="1325563"/>
-          </a:xfrm>
-        </p:spPr>
-        <p:txBody>
-          <a:bodyPr/>
-          <a:lstStyle/>
-          <a:p>
-            <a:r>
-              <a:rPr lang="en-IN" dirty="0" smtClean="0"/>
-              <a:t>Default:</a:t>
-            </a:r>
-            <a:endParaRPr lang="en-US" dirty="0"/>
-          </a:p>
-        </p:txBody>
-      </p:sp>
-      <p:sp>
-        <p:nvSpPr>
           <p:cNvPr id="3" name="Content Placeholder 2"/>
           <p:cNvSpPr>
             <a:spLocks noGrp="1"/>
@@ -3792,12 +5893,12 @@
         <p:spPr>
           <a:xfrm>
             <a:off x="0" y="1040014"/>
-            <a:ext cx="10515600" cy="4351338"/>
+            <a:ext cx="11861443" cy="5618363"/>
           </a:xfrm>
         </p:spPr>
         <p:txBody>
           <a:bodyPr>
-            <a:normAutofit fontScale="92500" lnSpcReduction="20000"/>
+            <a:normAutofit/>
           </a:bodyPr>
           <a:lstStyle/>
           <a:p>
@@ -3842,7 +5943,7 @@
               <a:buNone/>
             </a:pPr>
             <a:r>
-              <a:rPr lang="en-IN" dirty="0" smtClean="0"/>
+              <a:rPr lang="en-IN" b="1" dirty="0" smtClean="0"/>
               <a:t>Example:</a:t>
             </a:r>
           </a:p>
@@ -3850,23 +5951,38 @@
             <a:pPr marL="0" indent="0">
               <a:buNone/>
             </a:pPr>
-            <a:endParaRPr lang="en-IN" dirty="0"/>
+            <a:r>
+              <a:rPr lang="en-IN" sz="2400" dirty="0" smtClean="0"/>
+              <a:t>Class </a:t>
+            </a:r>
+            <a:r>
+              <a:rPr lang="en-IN" sz="2400" dirty="0" err="1" smtClean="0"/>
+              <a:t>abc</a:t>
+            </a:r>
+            <a:r>
+              <a:rPr lang="en-IN" sz="2400" dirty="0" smtClean="0"/>
+              <a:t>{</a:t>
+            </a:r>
           </a:p>
           <a:p>
             <a:pPr marL="0" indent="0">
               <a:buNone/>
             </a:pPr>
             <a:r>
-              <a:rPr lang="en-IN" dirty="0" smtClean="0"/>
-              <a:t>Class </a:t>
-            </a:r>
-            <a:r>
-              <a:rPr lang="en-IN" dirty="0" err="1" smtClean="0"/>
-              <a:t>abc</a:t>
-            </a:r>
-            <a:r>
-              <a:rPr lang="en-IN" dirty="0" smtClean="0"/>
-              <a:t>{</a:t>
+              <a:rPr lang="en-IN" sz="2400" dirty="0"/>
+              <a:t> </a:t>
+            </a:r>
+            <a:r>
+              <a:rPr lang="en-IN" sz="2400" dirty="0" smtClean="0"/>
+              <a:t>    </a:t>
+            </a:r>
+            <a:r>
+              <a:rPr lang="en-IN" sz="2400" dirty="0" err="1" smtClean="0"/>
+              <a:t>int</a:t>
+            </a:r>
+            <a:r>
+              <a:rPr lang="en-IN" sz="2400" dirty="0" smtClean="0"/>
+              <a:t> a;</a:t>
             </a:r>
           </a:p>
           <a:p>
@@ -3874,20 +5990,8 @@
               <a:buNone/>
             </a:pPr>
             <a:r>
-              <a:rPr lang="en-IN" dirty="0"/>
-              <a:t> </a:t>
-            </a:r>
-            <a:r>
-              <a:rPr lang="en-IN" dirty="0" smtClean="0"/>
-              <a:t>    </a:t>
-            </a:r>
-            <a:r>
-              <a:rPr lang="en-IN" dirty="0" err="1" smtClean="0"/>
-              <a:t>int</a:t>
-            </a:r>
-            <a:r>
-              <a:rPr lang="en-IN" dirty="0" smtClean="0"/>
-              <a:t> a;</a:t>
+              <a:rPr lang="en-IN" sz="2400" dirty="0" smtClean="0"/>
+              <a:t>------</a:t>
             </a:r>
           </a:p>
           <a:p>
@@ -3895,8 +5999,8 @@
               <a:buNone/>
             </a:pPr>
             <a:r>
-              <a:rPr lang="en-IN" dirty="0" smtClean="0"/>
-              <a:t>------</a:t>
+              <a:rPr lang="en-IN" sz="2400" dirty="0" smtClean="0"/>
+              <a:t>-------</a:t>
             </a:r>
           </a:p>
           <a:p>
@@ -3904,20 +6008,11 @@
               <a:buNone/>
             </a:pPr>
             <a:r>
-              <a:rPr lang="en-IN" dirty="0" smtClean="0"/>
-              <a:t>-------</a:t>
-            </a:r>
-          </a:p>
-          <a:p>
-            <a:pPr marL="0" indent="0">
-              <a:buNone/>
-            </a:pPr>
-            <a:r>
-              <a:rPr lang="en-IN" dirty="0"/>
+              <a:rPr lang="en-IN" sz="2400" dirty="0"/>
               <a:t>}</a:t>
             </a:r>
             <a:r>
-              <a:rPr lang="en-IN" dirty="0" smtClean="0"/>
+              <a:rPr lang="en-IN" sz="2400" dirty="0" smtClean="0"/>
               <a:t> </a:t>
             </a:r>
           </a:p>
@@ -3935,10 +6030,88 @@
           </a:p>
         </p:txBody>
       </p:sp>
+      <p:sp>
+        <p:nvSpPr>
+          <p:cNvPr id="5" name="Slide Number Placeholder 4"/>
+          <p:cNvSpPr>
+            <a:spLocks noGrp="1"/>
+          </p:cNvSpPr>
+          <p:nvPr>
+            <p:ph type="sldNum" sz="quarter" idx="12"/>
+          </p:nvPr>
+        </p:nvSpPr>
+        <p:spPr/>
+        <p:txBody>
+          <a:bodyPr/>
+          <a:lstStyle/>
+          <a:p>
+            <a:fld id="{9CF0812B-CEB2-4056-BF4D-9194C6B60941}" type="slidenum">
+              <a:rPr lang="en-US" smtClean="0"/>
+              <a:pPr/>
+              <a:t>4</a:t>
+            </a:fld>
+            <a:endParaRPr lang="en-US"/>
+          </a:p>
+        </p:txBody>
+      </p:sp>
+      <p:sp>
+        <p:nvSpPr>
+          <p:cNvPr id="2" name="Title 1"/>
+          <p:cNvSpPr>
+            <a:spLocks noGrp="1"/>
+          </p:cNvSpPr>
+          <p:nvPr>
+            <p:ph type="title"/>
+          </p:nvPr>
+        </p:nvSpPr>
+        <p:spPr>
+          <a:xfrm>
+            <a:off x="0" y="2"/>
+            <a:ext cx="10515600" cy="1325563"/>
+          </a:xfrm>
+        </p:spPr>
+        <p:txBody>
+          <a:bodyPr/>
+          <a:lstStyle/>
+          <a:p>
+            <a:r>
+              <a:rPr lang="en-IN" dirty="0" smtClean="0"/>
+              <a:t>Default:</a:t>
+            </a:r>
+            <a:endParaRPr lang="en-US" dirty="0"/>
+          </a:p>
+        </p:txBody>
+      </p:sp>
+      <p:pic>
+        <p:nvPicPr>
+          <p:cNvPr id="2050" name="Picture 2" descr="C:\Users\N Chaithanya koushik\Desktop\456.png"/>
+          <p:cNvPicPr>
+            <a:picLocks noChangeAspect="1" noChangeArrowheads="1"/>
+          </p:cNvPicPr>
+          <p:nvPr/>
+        </p:nvPicPr>
+        <p:blipFill>
+          <a:blip r:embed="rId2" cstate="print"/>
+          <a:srcRect/>
+          <a:stretch>
+            <a:fillRect/>
+          </a:stretch>
+        </p:blipFill>
+        <p:spPr bwMode="auto">
+          <a:xfrm>
+            <a:off x="6570733" y="2670371"/>
+            <a:ext cx="4863314" cy="3612563"/>
+          </a:xfrm>
+          <a:prstGeom prst="rect">
+            <a:avLst/>
+          </a:prstGeom>
+          <a:noFill/>
+        </p:spPr>
+      </p:pic>
     </p:spTree>
     <p:extLst>
       <p:ext uri="{BB962C8B-B14F-4D97-AF65-F5344CB8AC3E}">
-        <p14:creationId xmlns:p14="http://schemas.microsoft.com/office/powerpoint/2010/main" val="4212267089"/>
+        <p14:creationId xmlns:p14="http://schemas.microsoft.com/office/powerpoint/2010/main" xmlns="" val="4212267089"/>
       </p:ext>
     </p:extLst>
   </p:cSld>
@@ -3974,34 +6147,6 @@
       </p:grpSpPr>
       <p:sp>
         <p:nvSpPr>
-          <p:cNvPr id="2" name="Title 1"/>
-          <p:cNvSpPr>
-            <a:spLocks noGrp="1"/>
-          </p:cNvSpPr>
-          <p:nvPr>
-            <p:ph type="title"/>
-          </p:nvPr>
-        </p:nvSpPr>
-        <p:spPr>
-          <a:xfrm>
-            <a:off x="232893" y="0"/>
-            <a:ext cx="10515600" cy="1325563"/>
-          </a:xfrm>
-        </p:spPr>
-        <p:txBody>
-          <a:bodyPr/>
-          <a:lstStyle/>
-          <a:p>
-            <a:r>
-              <a:rPr lang="en-IN" dirty="0" smtClean="0"/>
-              <a:t>Private:</a:t>
-            </a:r>
-            <a:endParaRPr lang="en-US" dirty="0"/>
-          </a:p>
-        </p:txBody>
-      </p:sp>
-      <p:sp>
-        <p:nvSpPr>
           <p:cNvPr id="3" name="Content Placeholder 2"/>
           <p:cNvSpPr>
             <a:spLocks noGrp="1"/>
@@ -4013,7 +6158,7 @@
         <p:spPr>
           <a:xfrm>
             <a:off x="232893" y="1093743"/>
-            <a:ext cx="10515600" cy="4351338"/>
+            <a:ext cx="10515600" cy="5294178"/>
           </a:xfrm>
         </p:spPr>
         <p:txBody>
@@ -4049,7 +6194,7 @@
               <a:buNone/>
             </a:pPr>
             <a:r>
-              <a:rPr lang="en-IN" dirty="0" smtClean="0"/>
+              <a:rPr lang="en-IN" b="1" dirty="0" smtClean="0"/>
               <a:t>Example:</a:t>
             </a:r>
           </a:p>
@@ -4175,6 +6320,58 @@
             <a:pPr marL="0" indent="0">
               <a:buNone/>
             </a:pPr>
+            <a:endParaRPr lang="en-US" dirty="0"/>
+          </a:p>
+        </p:txBody>
+      </p:sp>
+      <p:sp>
+        <p:nvSpPr>
+          <p:cNvPr id="7" name="Slide Number Placeholder 6"/>
+          <p:cNvSpPr>
+            <a:spLocks noGrp="1"/>
+          </p:cNvSpPr>
+          <p:nvPr>
+            <p:ph type="sldNum" sz="quarter" idx="12"/>
+          </p:nvPr>
+        </p:nvSpPr>
+        <p:spPr/>
+        <p:txBody>
+          <a:bodyPr/>
+          <a:lstStyle/>
+          <a:p>
+            <a:fld id="{9CF0812B-CEB2-4056-BF4D-9194C6B60941}" type="slidenum">
+              <a:rPr lang="en-US" smtClean="0"/>
+              <a:pPr/>
+              <a:t>5</a:t>
+            </a:fld>
+            <a:endParaRPr lang="en-US"/>
+          </a:p>
+        </p:txBody>
+      </p:sp>
+      <p:sp>
+        <p:nvSpPr>
+          <p:cNvPr id="2" name="Title 1"/>
+          <p:cNvSpPr>
+            <a:spLocks noGrp="1"/>
+          </p:cNvSpPr>
+          <p:nvPr>
+            <p:ph type="title"/>
+          </p:nvPr>
+        </p:nvSpPr>
+        <p:spPr>
+          <a:xfrm>
+            <a:off x="232893" y="2"/>
+            <a:ext cx="10515600" cy="1325563"/>
+          </a:xfrm>
+        </p:spPr>
+        <p:txBody>
+          <a:bodyPr/>
+          <a:lstStyle/>
+          <a:p>
+            <a:r>
+              <a:rPr lang="en-IN" dirty="0" smtClean="0"/>
+              <a:t>Private:</a:t>
+            </a:r>
             <a:endParaRPr lang="en-US" dirty="0"/>
           </a:p>
         </p:txBody>
@@ -4188,10 +6385,10 @@
           <p:nvPr/>
         </p:nvPicPr>
         <p:blipFill>
-          <a:blip r:embed="rId2">
+          <a:blip r:embed="rId2" cstate="print">
             <a:extLst>
               <a:ext uri="{28A0092B-C50C-407E-A947-70E740481C1C}">
-                <a14:useLocalDpi xmlns:a14="http://schemas.microsoft.com/office/drawing/2010/main" val="0"/>
+                <a14:useLocalDpi xmlns:a14="http://schemas.microsoft.com/office/drawing/2010/main" xmlns="" val="0"/>
               </a:ext>
             </a:extLst>
           </a:blip>
@@ -4201,8 +6398,38 @@
         </p:blipFill>
         <p:spPr>
           <a:xfrm>
-            <a:off x="6465194" y="2888672"/>
-            <a:ext cx="3258354" cy="2381827"/>
+            <a:off x="8289303" y="220363"/>
+            <a:ext cx="893333" cy="653018"/>
+          </a:xfrm>
+          <a:prstGeom prst="rect">
+            <a:avLst/>
+          </a:prstGeom>
+        </p:spPr>
+      </p:pic>
+      <p:pic>
+        <p:nvPicPr>
+          <p:cNvPr id="10" name="Picture 9"/>
+          <p:cNvPicPr>
+            <a:picLocks noChangeAspect="1"/>
+          </p:cNvPicPr>
+          <p:nvPr/>
+        </p:nvPicPr>
+        <p:blipFill>
+          <a:blip r:embed="rId3" cstate="print">
+            <a:extLst>
+              <a:ext uri="{28A0092B-C50C-407E-A947-70E740481C1C}">
+                <a14:useLocalDpi xmlns:a14="http://schemas.microsoft.com/office/drawing/2010/main" xmlns="" val="0"/>
+              </a:ext>
+            </a:extLst>
+          </a:blip>
+          <a:stretch>
+            <a:fillRect/>
+          </a:stretch>
+        </p:blipFill>
+        <p:spPr>
+          <a:xfrm>
+            <a:off x="7521261" y="2796761"/>
+            <a:ext cx="2667691" cy="3196630"/>
           </a:xfrm>
           <a:prstGeom prst="rect">
             <a:avLst/>
@@ -4212,7 +6439,7 @@
     </p:spTree>
     <p:extLst>
       <p:ext uri="{BB962C8B-B14F-4D97-AF65-F5344CB8AC3E}">
-        <p14:creationId xmlns:p14="http://schemas.microsoft.com/office/powerpoint/2010/main" val="1565819598"/>
+        <p14:creationId xmlns:p14="http://schemas.microsoft.com/office/powerpoint/2010/main" xmlns="" val="1565819598"/>
       </p:ext>
     </p:extLst>
   </p:cSld>
@@ -4248,34 +6475,6 @@
       </p:grpSpPr>
       <p:sp>
         <p:nvSpPr>
-          <p:cNvPr id="2" name="Title 1"/>
-          <p:cNvSpPr>
-            <a:spLocks noGrp="1"/>
-          </p:cNvSpPr>
-          <p:nvPr>
-            <p:ph type="title"/>
-          </p:nvPr>
-        </p:nvSpPr>
-        <p:spPr>
-          <a:xfrm>
-            <a:off x="91225" y="0"/>
-            <a:ext cx="10515600" cy="1325563"/>
-          </a:xfrm>
-        </p:spPr>
-        <p:txBody>
-          <a:bodyPr/>
-          <a:lstStyle/>
-          <a:p>
-            <a:r>
-              <a:rPr lang="en-IN" dirty="0" smtClean="0"/>
-              <a:t>Public:</a:t>
-            </a:r>
-            <a:endParaRPr lang="en-US" dirty="0"/>
-          </a:p>
-        </p:txBody>
-      </p:sp>
-      <p:sp>
-        <p:nvSpPr>
           <p:cNvPr id="3" name="Content Placeholder 2"/>
           <p:cNvSpPr>
             <a:spLocks noGrp="1"/>
@@ -4300,8 +6499,11 @@
             </a:r>
           </a:p>
           <a:p>
-            <a:r>
-              <a:rPr lang="en-IN" dirty="0" smtClean="0"/>
+            <a:endParaRPr lang="en-IN" b="1" dirty="0" smtClean="0"/>
+          </a:p>
+          <a:p>
+            <a:r>
+              <a:rPr lang="en-IN" b="1" dirty="0" smtClean="0"/>
               <a:t>Example:</a:t>
             </a:r>
           </a:p>
@@ -4310,15 +6512,15 @@
               <a:buNone/>
             </a:pPr>
             <a:r>
-              <a:rPr lang="en-IN" dirty="0"/>
+              <a:rPr lang="en-IN" sz="2000" dirty="0"/>
               <a:t> </a:t>
             </a:r>
             <a:r>
-              <a:rPr lang="en-IN" dirty="0" err="1" smtClean="0"/>
+              <a:rPr lang="en-IN" sz="1800" dirty="0" err="1" smtClean="0"/>
               <a:t>classABC</a:t>
             </a:r>
             <a:r>
-              <a:rPr lang="en-IN" dirty="0" smtClean="0"/>
+              <a:rPr lang="en-IN" sz="1800" dirty="0" smtClean="0"/>
               <a:t>{</a:t>
             </a:r>
           </a:p>
@@ -4327,15 +6529,15 @@
               <a:buNone/>
             </a:pPr>
             <a:r>
-              <a:rPr lang="en-IN" dirty="0" smtClean="0"/>
+              <a:rPr lang="en-IN" sz="1800" dirty="0" smtClean="0"/>
               <a:t>Public </a:t>
             </a:r>
             <a:r>
-              <a:rPr lang="en-IN" dirty="0" err="1" smtClean="0"/>
+              <a:rPr lang="en-IN" sz="1800" dirty="0" err="1" smtClean="0"/>
               <a:t>int</a:t>
             </a:r>
             <a:r>
-              <a:rPr lang="en-IN" dirty="0" smtClean="0"/>
+              <a:rPr lang="en-IN" sz="1800" dirty="0" smtClean="0"/>
               <a:t> a=10;</a:t>
             </a:r>
           </a:p>
@@ -4344,7 +6546,7 @@
               <a:buNone/>
             </a:pPr>
             <a:r>
-              <a:rPr lang="en-IN" dirty="0" smtClean="0"/>
+              <a:rPr lang="en-IN" sz="1800" dirty="0" smtClean="0"/>
               <a:t>--------</a:t>
             </a:r>
           </a:p>
@@ -4353,7 +6555,7 @@
               <a:buNone/>
             </a:pPr>
             <a:r>
-              <a:rPr lang="en-IN" dirty="0" smtClean="0"/>
+              <a:rPr lang="en-IN" sz="1800" dirty="0" smtClean="0"/>
               <a:t>---------}</a:t>
             </a:r>
           </a:p>
@@ -4371,6 +6573,58 @@
             <a:pPr marL="0" indent="0">
               <a:buNone/>
             </a:pPr>
+            <a:endParaRPr lang="en-US" dirty="0"/>
+          </a:p>
+        </p:txBody>
+      </p:sp>
+      <p:sp>
+        <p:nvSpPr>
+          <p:cNvPr id="7" name="Slide Number Placeholder 6"/>
+          <p:cNvSpPr>
+            <a:spLocks noGrp="1"/>
+          </p:cNvSpPr>
+          <p:nvPr>
+            <p:ph type="sldNum" sz="quarter" idx="12"/>
+          </p:nvPr>
+        </p:nvSpPr>
+        <p:spPr/>
+        <p:txBody>
+          <a:bodyPr/>
+          <a:lstStyle/>
+          <a:p>
+            <a:fld id="{9CF0812B-CEB2-4056-BF4D-9194C6B60941}" type="slidenum">
+              <a:rPr lang="en-US" smtClean="0"/>
+              <a:pPr/>
+              <a:t>6</a:t>
+            </a:fld>
+            <a:endParaRPr lang="en-US"/>
+          </a:p>
+        </p:txBody>
+      </p:sp>
+      <p:sp>
+        <p:nvSpPr>
+          <p:cNvPr id="2" name="Title 1"/>
+          <p:cNvSpPr>
+            <a:spLocks noGrp="1"/>
+          </p:cNvSpPr>
+          <p:nvPr>
+            <p:ph type="title"/>
+          </p:nvPr>
+        </p:nvSpPr>
+        <p:spPr>
+          <a:xfrm>
+            <a:off x="91225" y="2"/>
+            <a:ext cx="10515600" cy="1325563"/>
+          </a:xfrm>
+        </p:spPr>
+        <p:txBody>
+          <a:bodyPr/>
+          <a:lstStyle/>
+          <a:p>
+            <a:r>
+              <a:rPr lang="en-IN" dirty="0" smtClean="0"/>
+              <a:t>Public:</a:t>
+            </a:r>
             <a:endParaRPr lang="en-US" dirty="0"/>
           </a:p>
         </p:txBody>
@@ -4384,10 +6638,10 @@
           <p:nvPr/>
         </p:nvPicPr>
         <p:blipFill>
-          <a:blip r:embed="rId2">
+          <a:blip r:embed="rId2" cstate="print">
             <a:extLst>
               <a:ext uri="{28A0092B-C50C-407E-A947-70E740481C1C}">
-                <a14:useLocalDpi xmlns:a14="http://schemas.microsoft.com/office/drawing/2010/main" val="0"/>
+                <a14:useLocalDpi xmlns:a14="http://schemas.microsoft.com/office/drawing/2010/main" xmlns="" val="0"/>
               </a:ext>
             </a:extLst>
           </a:blip>
@@ -4397,8 +6651,38 @@
         </p:blipFill>
         <p:spPr>
           <a:xfrm rot="21438442">
-            <a:off x="6619998" y="2272909"/>
-            <a:ext cx="2814246" cy="2814246"/>
+            <a:off x="9301879" y="174146"/>
+            <a:ext cx="768996" cy="768996"/>
+          </a:xfrm>
+          <a:prstGeom prst="rect">
+            <a:avLst/>
+          </a:prstGeom>
+        </p:spPr>
+      </p:pic>
+      <p:pic>
+        <p:nvPicPr>
+          <p:cNvPr id="5" name="Picture 4"/>
+          <p:cNvPicPr>
+            <a:picLocks noChangeAspect="1"/>
+          </p:cNvPicPr>
+          <p:nvPr/>
+        </p:nvPicPr>
+        <p:blipFill>
+          <a:blip r:embed="rId3" cstate="print">
+            <a:extLst>
+              <a:ext uri="{28A0092B-C50C-407E-A947-70E740481C1C}">
+                <a14:useLocalDpi xmlns:a14="http://schemas.microsoft.com/office/drawing/2010/main" xmlns="" val="0"/>
+              </a:ext>
+            </a:extLst>
+          </a:blip>
+          <a:stretch>
+            <a:fillRect/>
+          </a:stretch>
+        </p:blipFill>
+        <p:spPr>
+          <a:xfrm>
+            <a:off x="7830357" y="2078068"/>
+            <a:ext cx="2946785" cy="3551584"/>
           </a:xfrm>
           <a:prstGeom prst="rect">
             <a:avLst/>
@@ -4408,7 +6692,7 @@
     </p:spTree>
     <p:extLst>
       <p:ext uri="{BB962C8B-B14F-4D97-AF65-F5344CB8AC3E}">
-        <p14:creationId xmlns:p14="http://schemas.microsoft.com/office/powerpoint/2010/main" val="4206232207"/>
+        <p14:creationId xmlns:p14="http://schemas.microsoft.com/office/powerpoint/2010/main" xmlns="" val="4206232207"/>
       </p:ext>
     </p:extLst>
   </p:cSld>
@@ -4444,6 +6728,131 @@
       </p:grpSpPr>
       <p:sp>
         <p:nvSpPr>
+          <p:cNvPr id="3" name="Content Placeholder 2"/>
+          <p:cNvSpPr>
+            <a:spLocks noGrp="1"/>
+          </p:cNvSpPr>
+          <p:nvPr>
+            <p:ph idx="1"/>
+          </p:nvPr>
+        </p:nvSpPr>
+        <p:spPr>
+          <a:xfrm>
+            <a:off x="270456" y="1426380"/>
+            <a:ext cx="10515600" cy="4351338"/>
+          </a:xfrm>
+        </p:spPr>
+        <p:txBody>
+          <a:bodyPr>
+            <a:normAutofit/>
+          </a:bodyPr>
+          <a:lstStyle/>
+          <a:p>
+            <a:r>
+              <a:rPr lang="en-IN" dirty="0" smtClean="0"/>
+              <a:t>This can be accessed only inside a package</a:t>
+            </a:r>
+            <a:r>
+              <a:rPr lang="en-US" dirty="0" smtClean="0"/>
+              <a:t>.Only the methods used or when inherited can be used in the inherited package also. </a:t>
+            </a:r>
+            <a:r>
+              <a:rPr lang="en-US" dirty="0" smtClean="0"/>
+              <a:t>It is somewhat less unsecure when compared to private.</a:t>
+            </a:r>
+          </a:p>
+          <a:p>
+            <a:pPr marL="0" indent="0">
+              <a:buNone/>
+            </a:pPr>
+            <a:endParaRPr lang="en-IN" dirty="0"/>
+          </a:p>
+          <a:p>
+            <a:pPr marL="0" indent="0">
+              <a:buNone/>
+            </a:pPr>
+            <a:r>
+              <a:rPr lang="en-IN" b="1" dirty="0" smtClean="0"/>
+              <a:t>Example:</a:t>
+            </a:r>
+          </a:p>
+          <a:p>
+            <a:pPr marL="0" indent="0">
+              <a:buNone/>
+            </a:pPr>
+            <a:r>
+              <a:rPr lang="en-IN" sz="2000" dirty="0" smtClean="0"/>
+              <a:t>Class ABC{</a:t>
+            </a:r>
+          </a:p>
+          <a:p>
+            <a:pPr marL="0" indent="0">
+              <a:buNone/>
+            </a:pPr>
+            <a:r>
+              <a:rPr lang="en-IN" sz="2000" dirty="0" smtClean="0"/>
+              <a:t>Protected </a:t>
+            </a:r>
+            <a:r>
+              <a:rPr lang="en-IN" sz="2000" dirty="0" err="1" smtClean="0"/>
+              <a:t>int</a:t>
+            </a:r>
+            <a:r>
+              <a:rPr lang="en-IN" sz="2000" dirty="0" smtClean="0"/>
+              <a:t> a;</a:t>
+            </a:r>
+          </a:p>
+          <a:p>
+            <a:pPr marL="0" indent="0">
+              <a:buNone/>
+            </a:pPr>
+            <a:r>
+              <a:rPr lang="en-IN" sz="2000" dirty="0" smtClean="0"/>
+              <a:t>-------</a:t>
+            </a:r>
+          </a:p>
+          <a:p>
+            <a:pPr marL="0" indent="0">
+              <a:buNone/>
+            </a:pPr>
+            <a:r>
+              <a:rPr lang="en-IN" sz="2000" dirty="0" smtClean="0"/>
+              <a:t>------</a:t>
+            </a:r>
+            <a:r>
+              <a:rPr lang="en-IN" sz="2000" dirty="0"/>
+              <a:t>}</a:t>
+            </a:r>
+            <a:endParaRPr lang="en-IN" sz="2000" dirty="0" smtClean="0"/>
+          </a:p>
+        </p:txBody>
+      </p:sp>
+      <p:sp>
+        <p:nvSpPr>
+          <p:cNvPr id="5" name="Slide Number Placeholder 4"/>
+          <p:cNvSpPr>
+            <a:spLocks noGrp="1"/>
+          </p:cNvSpPr>
+          <p:nvPr>
+            <p:ph type="sldNum" sz="quarter" idx="12"/>
+          </p:nvPr>
+        </p:nvSpPr>
+        <p:spPr/>
+        <p:txBody>
+          <a:bodyPr/>
+          <a:lstStyle/>
+          <a:p>
+            <a:fld id="{9CF0812B-CEB2-4056-BF4D-9194C6B60941}" type="slidenum">
+              <a:rPr lang="en-US" smtClean="0"/>
+              <a:pPr/>
+              <a:t>7</a:t>
+            </a:fld>
+            <a:endParaRPr lang="en-US"/>
+          </a:p>
+        </p:txBody>
+      </p:sp>
+      <p:sp>
+        <p:nvSpPr>
           <p:cNvPr id="2" name="Title 1"/>
           <p:cNvSpPr>
             <a:spLocks noGrp="1"/>
@@ -4470,115 +6879,36 @@
           </a:p>
         </p:txBody>
       </p:sp>
-      <p:sp>
-        <p:nvSpPr>
-          <p:cNvPr id="3" name="Content Placeholder 2"/>
-          <p:cNvSpPr>
-            <a:spLocks noGrp="1"/>
-          </p:cNvSpPr>
-          <p:nvPr>
-            <p:ph idx="1"/>
-          </p:nvPr>
-        </p:nvSpPr>
-        <p:spPr>
+      <p:pic>
+        <p:nvPicPr>
+          <p:cNvPr id="1026" name="Picture 2" descr="C:\Users\N Chaithanya koushik\Desktop\123.png"/>
+          <p:cNvPicPr>
+            <a:picLocks noChangeAspect="1" noChangeArrowheads="1"/>
+          </p:cNvPicPr>
+          <p:nvPr/>
+        </p:nvPicPr>
+        <p:blipFill>
+          <a:blip r:embed="rId2" cstate="print"/>
+          <a:srcRect/>
+          <a:stretch>
+            <a:fillRect/>
+          </a:stretch>
+        </p:blipFill>
+        <p:spPr bwMode="auto">
           <a:xfrm>
-            <a:off x="270456" y="1426380"/>
-            <a:ext cx="10515600" cy="4351338"/>
+            <a:off x="6263802" y="2899472"/>
+            <a:ext cx="4096577" cy="3040082"/>
           </a:xfrm>
+          <a:prstGeom prst="rect">
+            <a:avLst/>
+          </a:prstGeom>
+          <a:noFill/>
         </p:spPr>
-        <p:txBody>
-          <a:bodyPr>
-            <a:normAutofit/>
-          </a:bodyPr>
-          <a:lstStyle/>
-          <a:p>
-            <a:r>
-              <a:rPr lang="en-IN" dirty="0" smtClean="0"/>
-              <a:t>This can be accessed only inside a package</a:t>
-            </a:r>
-            <a:r>
-              <a:rPr lang="en-US" dirty="0" smtClean="0"/>
-              <a:t>. It is somewhat less unsecure when compared to private.</a:t>
-            </a:r>
-          </a:p>
-          <a:p>
-            <a:pPr marL="0" indent="0">
-              <a:buNone/>
-            </a:pPr>
-            <a:endParaRPr lang="en-IN" dirty="0"/>
-          </a:p>
-          <a:p>
-            <a:pPr marL="0" indent="0">
-              <a:buNone/>
-            </a:pPr>
-            <a:r>
-              <a:rPr lang="en-IN" b="1" dirty="0" smtClean="0">
-                <a:effectLst>
-                  <a:outerShdw blurRad="38100" dist="38100" dir="2700000" algn="tl">
-                    <a:srgbClr val="000000">
-                      <a:alpha val="43137"/>
-                    </a:srgbClr>
-                  </a:outerShdw>
-                </a:effectLst>
-              </a:rPr>
-              <a:t>Example:</a:t>
-            </a:r>
-          </a:p>
-          <a:p>
-            <a:pPr marL="0" indent="0">
-              <a:buNone/>
-            </a:pPr>
-            <a:r>
-              <a:rPr lang="en-IN" dirty="0" smtClean="0"/>
-              <a:t>Class ABC{</a:t>
-            </a:r>
-          </a:p>
-          <a:p>
-            <a:pPr marL="0" indent="0">
-              <a:buNone/>
-            </a:pPr>
-            <a:r>
-              <a:rPr lang="en-IN" dirty="0" smtClean="0"/>
-              <a:t>Protected </a:t>
-            </a:r>
-            <a:r>
-              <a:rPr lang="en-IN" dirty="0" err="1" smtClean="0"/>
-              <a:t>int</a:t>
-            </a:r>
-            <a:r>
-              <a:rPr lang="en-IN" dirty="0" smtClean="0"/>
-              <a:t> a;</a:t>
-            </a:r>
-          </a:p>
-          <a:p>
-            <a:pPr marL="0" indent="0">
-              <a:buNone/>
-            </a:pPr>
-            <a:r>
-              <a:rPr lang="en-IN" dirty="0" smtClean="0"/>
-              <a:t>-------</a:t>
-            </a:r>
-          </a:p>
-          <a:p>
-            <a:pPr marL="0" indent="0">
-              <a:buNone/>
-            </a:pPr>
-            <a:r>
-              <a:rPr lang="en-IN" dirty="0" smtClean="0"/>
-              <a:t>------</a:t>
-            </a:r>
-            <a:r>
-              <a:rPr lang="en-IN" dirty="0"/>
-              <a:t>}</a:t>
-            </a:r>
-            <a:endParaRPr lang="en-IN" dirty="0" smtClean="0"/>
-          </a:p>
-        </p:txBody>
-      </p:sp>
+      </p:pic>
     </p:spTree>
     <p:extLst>
       <p:ext uri="{BB962C8B-B14F-4D97-AF65-F5344CB8AC3E}">
-        <p14:creationId xmlns:p14="http://schemas.microsoft.com/office/powerpoint/2010/main" val="1453136081"/>
+        <p14:creationId xmlns:p14="http://schemas.microsoft.com/office/powerpoint/2010/main" xmlns="" val="1453136081"/>
       </p:ext>
     </p:extLst>
   </p:cSld>
@@ -4614,51 +6944,23 @@
       </p:grpSpPr>
       <p:sp>
         <p:nvSpPr>
-          <p:cNvPr id="2" name="Title 1"/>
-          <p:cNvSpPr>
-            <a:spLocks noGrp="1"/>
-          </p:cNvSpPr>
-          <p:nvPr>
-            <p:ph type="title"/>
+          <p:cNvPr id="3" name="Content Placeholder 2"/>
+          <p:cNvSpPr>
+            <a:spLocks noGrp="1"/>
+          </p:cNvSpPr>
+          <p:nvPr>
+            <p:ph idx="1"/>
           </p:nvPr>
         </p:nvSpPr>
         <p:spPr>
           <a:xfrm>
-            <a:off x="271530" y="120427"/>
-            <a:ext cx="10515600" cy="1325563"/>
-          </a:xfrm>
-        </p:spPr>
-        <p:txBody>
-          <a:bodyPr/>
-          <a:lstStyle/>
-          <a:p>
-            <a:r>
-              <a:rPr lang="en-IN" dirty="0" smtClean="0"/>
-              <a:t>Static:</a:t>
-            </a:r>
-            <a:endParaRPr lang="en-US" dirty="0"/>
-          </a:p>
-        </p:txBody>
-      </p:sp>
-      <p:sp>
-        <p:nvSpPr>
-          <p:cNvPr id="3" name="Content Placeholder 2"/>
-          <p:cNvSpPr>
-            <a:spLocks noGrp="1"/>
-          </p:cNvSpPr>
-          <p:nvPr>
-            <p:ph idx="1"/>
-          </p:nvPr>
-        </p:nvSpPr>
-        <p:spPr>
-          <a:xfrm>
-            <a:off x="271530" y="1153331"/>
+            <a:off x="271531" y="1153331"/>
             <a:ext cx="10515600" cy="4873981"/>
           </a:xfrm>
         </p:spPr>
         <p:txBody>
           <a:bodyPr>
-            <a:normAutofit lnSpcReduction="10000"/>
+            <a:normAutofit/>
           </a:bodyPr>
           <a:lstStyle/>
           <a:p>
@@ -4710,8 +7012,9 @@
             </a:pPr>
             <a:r>
               <a:rPr lang="en-IN" sz="2200" dirty="0" smtClean="0"/>
-              <a:t>Main();</a:t>
-            </a:r>
+              <a:t>main();</a:t>
+            </a:r>
+            <a:endParaRPr lang="en-IN" sz="2200" dirty="0" smtClean="0"/>
           </a:p>
           <a:p>
             <a:pPr marL="0" indent="0">
@@ -4760,10 +7063,62 @@
           </a:p>
         </p:txBody>
       </p:sp>
+      <p:sp>
+        <p:nvSpPr>
+          <p:cNvPr id="5" name="Slide Number Placeholder 4"/>
+          <p:cNvSpPr>
+            <a:spLocks noGrp="1"/>
+          </p:cNvSpPr>
+          <p:nvPr>
+            <p:ph type="sldNum" sz="quarter" idx="12"/>
+          </p:nvPr>
+        </p:nvSpPr>
+        <p:spPr/>
+        <p:txBody>
+          <a:bodyPr/>
+          <a:lstStyle/>
+          <a:p>
+            <a:fld id="{9CF0812B-CEB2-4056-BF4D-9194C6B60941}" type="slidenum">
+              <a:rPr lang="en-US" smtClean="0"/>
+              <a:pPr/>
+              <a:t>8</a:t>
+            </a:fld>
+            <a:endParaRPr lang="en-US"/>
+          </a:p>
+        </p:txBody>
+      </p:sp>
+      <p:sp>
+        <p:nvSpPr>
+          <p:cNvPr id="2" name="Title 1"/>
+          <p:cNvSpPr>
+            <a:spLocks noGrp="1"/>
+          </p:cNvSpPr>
+          <p:nvPr>
+            <p:ph type="title"/>
+          </p:nvPr>
+        </p:nvSpPr>
+        <p:spPr>
+          <a:xfrm>
+            <a:off x="271531" y="120429"/>
+            <a:ext cx="10515600" cy="1325563"/>
+          </a:xfrm>
+        </p:spPr>
+        <p:txBody>
+          <a:bodyPr/>
+          <a:lstStyle/>
+          <a:p>
+            <a:r>
+              <a:rPr lang="en-IN" dirty="0" smtClean="0"/>
+              <a:t>Static:</a:t>
+            </a:r>
+            <a:endParaRPr lang="en-US" dirty="0"/>
+          </a:p>
+        </p:txBody>
+      </p:sp>
     </p:spTree>
     <p:extLst>
       <p:ext uri="{BB962C8B-B14F-4D97-AF65-F5344CB8AC3E}">
-        <p14:creationId xmlns:p14="http://schemas.microsoft.com/office/powerpoint/2010/main" val="1818216761"/>
+        <p14:creationId xmlns:p14="http://schemas.microsoft.com/office/powerpoint/2010/main" xmlns="" val="1818216761"/>
       </p:ext>
     </p:extLst>
   </p:cSld>
@@ -4805,8 +7160,8 @@
         </p:nvSpPr>
         <p:spPr>
           <a:xfrm>
-            <a:off x="131489" y="2722636"/>
-            <a:ext cx="2295629" cy="923330"/>
+            <a:off x="-24898" y="2722636"/>
+            <a:ext cx="2608406" cy="923330"/>
           </a:xfrm>
           <a:prstGeom prst="rect">
             <a:avLst/>
@@ -4860,8 +7215,8 @@
         </p:nvSpPr>
         <p:spPr>
           <a:xfrm>
-            <a:off x="2575775" y="3078051"/>
-            <a:ext cx="476518" cy="283335"/>
+            <a:off x="2575775" y="3078053"/>
+            <a:ext cx="476519" cy="283335"/>
           </a:xfrm>
           <a:prstGeom prst="rightArrow">
             <a:avLst/>
@@ -4900,8 +7255,8 @@
         </p:nvSpPr>
         <p:spPr>
           <a:xfrm>
-            <a:off x="3196310" y="2758053"/>
-            <a:ext cx="1927131" cy="923330"/>
+            <a:off x="3048032" y="2758053"/>
+            <a:ext cx="2223686" cy="923330"/>
           </a:xfrm>
           <a:prstGeom prst="rect">
             <a:avLst/>
@@ -4953,8 +7308,8 @@
         </p:nvSpPr>
         <p:spPr>
           <a:xfrm>
-            <a:off x="5267459" y="3078051"/>
-            <a:ext cx="476518" cy="283335"/>
+            <a:off x="5267459" y="3078053"/>
+            <a:ext cx="476519" cy="283335"/>
           </a:xfrm>
           <a:prstGeom prst="rightArrow">
             <a:avLst/>
@@ -4993,8 +7348,8 @@
         </p:nvSpPr>
         <p:spPr>
           <a:xfrm>
-            <a:off x="5887995" y="2772906"/>
-            <a:ext cx="2985369" cy="923330"/>
+            <a:off x="5807173" y="2772906"/>
+            <a:ext cx="3147015" cy="923330"/>
           </a:xfrm>
           <a:prstGeom prst="rect">
             <a:avLst/>
@@ -5048,8 +7403,8 @@
         </p:nvSpPr>
         <p:spPr>
           <a:xfrm>
-            <a:off x="8873364" y="3107028"/>
-            <a:ext cx="476698" cy="318753"/>
+            <a:off x="9032755" y="3006362"/>
+            <a:ext cx="476699" cy="318753"/>
           </a:xfrm>
           <a:prstGeom prst="rightArrow">
             <a:avLst/>
@@ -5088,8 +7443,8 @@
         </p:nvSpPr>
         <p:spPr>
           <a:xfrm>
-            <a:off x="9350062" y="2772906"/>
-            <a:ext cx="2201886" cy="923330"/>
+            <a:off x="9477874" y="2772906"/>
+            <a:ext cx="2416046" cy="923330"/>
           </a:xfrm>
           <a:prstGeom prst="rect">
             <a:avLst/>
@@ -5143,8 +7498,8 @@
         </p:nvSpPr>
         <p:spPr>
           <a:xfrm>
-            <a:off x="657541" y="1061262"/>
-            <a:ext cx="9696373" cy="923330"/>
+            <a:off x="243280" y="1061262"/>
+            <a:ext cx="11711031" cy="923330"/>
           </a:xfrm>
           <a:prstGeom prst="rect">
             <a:avLst/>
@@ -5165,7 +7520,7 @@
           </a:fontRef>
         </p:style>
         <p:txBody>
-          <a:bodyPr wrap="none" lIns="91440" tIns="45720" rIns="91440" bIns="45720">
+          <a:bodyPr wrap="square" lIns="91440" tIns="45720" rIns="91440" bIns="45720">
             <a:spAutoFit/>
           </a:bodyPr>
           <a:lstStyle/>
@@ -5203,10 +7558,34 @@
           </a:p>
         </p:txBody>
       </p:sp>
+      <p:sp>
+        <p:nvSpPr>
+          <p:cNvPr id="14" name="Slide Number Placeholder 13"/>
+          <p:cNvSpPr>
+            <a:spLocks noGrp="1"/>
+          </p:cNvSpPr>
+          <p:nvPr>
+            <p:ph type="sldNum" sz="quarter" idx="12"/>
+          </p:nvPr>
+        </p:nvSpPr>
+        <p:spPr/>
+        <p:txBody>
+          <a:bodyPr/>
+          <a:lstStyle/>
+          <a:p>
+            <a:fld id="{9CF0812B-CEB2-4056-BF4D-9194C6B60941}" type="slidenum">
+              <a:rPr lang="en-US" smtClean="0"/>
+              <a:pPr/>
+              <a:t>9</a:t>
+            </a:fld>
+            <a:endParaRPr lang="en-US"/>
+          </a:p>
+        </p:txBody>
+      </p:sp>
     </p:spTree>
     <p:extLst>
       <p:ext uri="{BB962C8B-B14F-4D97-AF65-F5344CB8AC3E}">
-        <p14:creationId xmlns:p14="http://schemas.microsoft.com/office/powerpoint/2010/main" val="3329135692"/>
+        <p14:creationId xmlns:p14="http://schemas.microsoft.com/office/powerpoint/2010/main" xmlns="" val="3329135692"/>
       </p:ext>
     </p:extLst>
   </p:cSld>
@@ -5224,6 +7603,291 @@
 </file>
 
 <file path=ppt/theme/theme1.xml><?xml version="1.0" encoding="utf-8"?>
+<a:theme xmlns:a="http://schemas.openxmlformats.org/drawingml/2006/main" name="Concourse">
+  <a:themeElements>
+    <a:clrScheme name="Concourse">
+      <a:dk1>
+        <a:sysClr val="windowText" lastClr="000000"/>
+      </a:dk1>
+      <a:lt1>
+        <a:sysClr val="window" lastClr="FFFFFF"/>
+      </a:lt1>
+      <a:dk2>
+        <a:srgbClr val="464646"/>
+      </a:dk2>
+      <a:lt2>
+        <a:srgbClr val="DEF5FA"/>
+      </a:lt2>
+      <a:accent1>
+        <a:srgbClr val="2DA2BF"/>
+      </a:accent1>
+      <a:accent2>
+        <a:srgbClr val="DA1F28"/>
+      </a:accent2>
+      <a:accent3>
+        <a:srgbClr val="EB641B"/>
+      </a:accent3>
+      <a:accent4>
+        <a:srgbClr val="39639D"/>
+      </a:accent4>
+      <a:accent5>
+        <a:srgbClr val="474B78"/>
+      </a:accent5>
+      <a:accent6>
+        <a:srgbClr val="7D3C4A"/>
+      </a:accent6>
+      <a:hlink>
+        <a:srgbClr val="FF8119"/>
+      </a:hlink>
+      <a:folHlink>
+        <a:srgbClr val="44B9E8"/>
+      </a:folHlink>
+    </a:clrScheme>
+    <a:fontScheme name="Concourse">
+      <a:majorFont>
+        <a:latin typeface="Lucida Sans Unicode"/>
+        <a:ea typeface=""/>
+        <a:cs typeface=""/>
+        <a:font script="Jpan" typeface="ＭＳ Ｐゴシック"/>
+        <a:font script="Hang" typeface="맑은 고딕"/>
+        <a:font script="Hans" typeface="黑体"/>
+        <a:font script="Hant" typeface="微軟正黑體"/>
+        <a:font script="Arab" typeface="Arial"/>
+        <a:font script="Hebr" typeface="Arial"/>
+        <a:font script="Thai" typeface="Cordia New"/>
+        <a:font script="Ethi" typeface="Nyala"/>
+        <a:font script="Beng" typeface="Vrinda"/>
+        <a:font script="Gujr" typeface="Shruti"/>
+        <a:font script="Khmr" typeface="DaunPenh"/>
+        <a:font script="Knda" typeface="Tunga"/>
+        <a:font script="Guru" typeface="Raavi"/>
+        <a:font script="Cans" typeface="Euphemia"/>
+        <a:font script="Cher" typeface="Plantagenet Cherokee"/>
+        <a:font script="Yiii" typeface="Microsoft Yi Baiti"/>
+        <a:font script="Tibt" typeface="Microsoft Himalaya"/>
+        <a:font script="Thaa" typeface="MV Boli"/>
+        <a:font script="Deva" typeface="Mangal"/>
+        <a:font script="Telu" typeface="Gautami"/>
+        <a:font script="Taml" typeface="Latha"/>
+        <a:font script="Syrc" typeface="Estrangelo Edessa"/>
+        <a:font script="Orya" typeface="Kalinga"/>
+        <a:font script="Mlym" typeface="Kartika"/>
+        <a:font script="Laoo" typeface="DokChampa"/>
+        <a:font script="Sinh" typeface="Iskoola Pota"/>
+        <a:font script="Mong" typeface="Mongolian Baiti"/>
+        <a:font script="Uigh" typeface="Microsoft Uighur"/>
+      </a:majorFont>
+      <a:minorFont>
+        <a:latin typeface="Lucida Sans Unicode"/>
+        <a:ea typeface=""/>
+        <a:cs typeface=""/>
+        <a:font script="Jpan" typeface="ＭＳ Ｐゴシック"/>
+        <a:font script="Hang" typeface="맑은 고딕"/>
+        <a:font script="Hans" typeface="黑体"/>
+        <a:font script="Hant" typeface="微軟正黑體"/>
+        <a:font script="Arab" typeface="Arial"/>
+        <a:font script="Hebr" typeface="Arial"/>
+        <a:font script="Thai" typeface="Cordia New"/>
+        <a:font script="Ethi" typeface="Nyala"/>
+        <a:font script="Beng" typeface="Vrinda"/>
+        <a:font script="Gujr" typeface="Shruti"/>
+        <a:font script="Khmr" typeface="DaunPenh"/>
+        <a:font script="Knda" typeface="Tunga"/>
+        <a:font script="Guru" typeface="Raavi"/>
+        <a:font script="Cans" typeface="Euphemia"/>
+        <a:font script="Cher" typeface="Plantagenet Cherokee"/>
+        <a:font script="Yiii" typeface="Microsoft Yi Baiti"/>
+        <a:font script="Tibt" typeface="Microsoft Himalaya"/>
+        <a:font script="Thaa" typeface="MV Boli"/>
+        <a:font script="Deva" typeface="Mangal"/>
+        <a:font script="Telu" typeface="Gautami"/>
+        <a:font script="Taml" typeface="Latha"/>
+        <a:font script="Syrc" typeface="Estrangelo Edessa"/>
+        <a:font script="Orya" typeface="Kalinga"/>
+        <a:font script="Mlym" typeface="Kartika"/>
+        <a:font script="Laoo" typeface="DokChampa"/>
+        <a:font script="Sinh" typeface="Iskoola Pota"/>
+        <a:font script="Mong" typeface="Mongolian Baiti"/>
+        <a:font script="Uigh" typeface="Microsoft Uighur"/>
+      </a:minorFont>
+    </a:fontScheme>
+    <a:fmtScheme name="Concourse">
+      <a:fillStyleLst>
+        <a:solidFill>
+          <a:schemeClr val="phClr"/>
+        </a:solidFill>
+        <a:gradFill rotWithShape="1">
+          <a:gsLst>
+            <a:gs pos="0">
+              <a:schemeClr val="phClr">
+                <a:tint val="62000"/>
+                <a:satMod val="180000"/>
+              </a:schemeClr>
+            </a:gs>
+            <a:gs pos="65000">
+              <a:schemeClr val="phClr">
+                <a:tint val="32000"/>
+                <a:satMod val="250000"/>
+              </a:schemeClr>
+            </a:gs>
+            <a:gs pos="100000">
+              <a:schemeClr val="phClr">
+                <a:tint val="23000"/>
+                <a:satMod val="300000"/>
+              </a:schemeClr>
+            </a:gs>
+          </a:gsLst>
+          <a:lin ang="16200000" scaled="0"/>
+        </a:gradFill>
+        <a:gradFill rotWithShape="1">
+          <a:gsLst>
+            <a:gs pos="0">
+              <a:schemeClr val="phClr">
+                <a:shade val="15000"/>
+                <a:satMod val="180000"/>
+              </a:schemeClr>
+            </a:gs>
+            <a:gs pos="50000">
+              <a:schemeClr val="phClr">
+                <a:shade val="45000"/>
+                <a:satMod val="170000"/>
+              </a:schemeClr>
+            </a:gs>
+            <a:gs pos="70000">
+              <a:schemeClr val="phClr">
+                <a:tint val="99000"/>
+                <a:shade val="65000"/>
+                <a:satMod val="155000"/>
+              </a:schemeClr>
+            </a:gs>
+            <a:gs pos="100000">
+              <a:schemeClr val="phClr">
+                <a:tint val="95500"/>
+                <a:shade val="100000"/>
+                <a:satMod val="155000"/>
+              </a:schemeClr>
+            </a:gs>
+          </a:gsLst>
+          <a:lin ang="16200000" scaled="0"/>
+        </a:gradFill>
+      </a:fillStyleLst>
+      <a:lnStyleLst>
+        <a:ln w="9525" cap="flat" cmpd="sng" algn="ctr">
+          <a:solidFill>
+            <a:schemeClr val="phClr"/>
+          </a:solidFill>
+          <a:prstDash val="solid"/>
+        </a:ln>
+        <a:ln w="55000" cap="flat" cmpd="thickThin" algn="ctr">
+          <a:solidFill>
+            <a:schemeClr val="phClr"/>
+          </a:solidFill>
+          <a:prstDash val="solid"/>
+        </a:ln>
+        <a:ln w="63500" cap="flat" cmpd="thickThin" algn="ctr">
+          <a:solidFill>
+            <a:schemeClr val="phClr"/>
+          </a:solidFill>
+          <a:prstDash val="solid"/>
+        </a:ln>
+      </a:lnStyleLst>
+      <a:effectStyleLst>
+        <a:effectStyle>
+          <a:effectLst>
+            <a:outerShdw blurRad="50800" dist="38100" dir="5400000" rotWithShape="0">
+              <a:srgbClr val="000000">
+                <a:alpha val="35000"/>
+              </a:srgbClr>
+            </a:outerShdw>
+          </a:effectLst>
+        </a:effectStyle>
+        <a:effectStyle>
+          <a:effectLst>
+            <a:outerShdw blurRad="50800" dist="38100" dir="5400000" rotWithShape="0">
+              <a:srgbClr val="000000">
+                <a:alpha val="35000"/>
+              </a:srgbClr>
+            </a:outerShdw>
+          </a:effectLst>
+        </a:effectStyle>
+        <a:effectStyle>
+          <a:effectLst>
+            <a:outerShdw blurRad="63500" dist="38100" dir="5400000" rotWithShape="0">
+              <a:srgbClr val="000000">
+                <a:alpha val="45000"/>
+              </a:srgbClr>
+            </a:outerShdw>
+          </a:effectLst>
+          <a:scene3d>
+            <a:camera prst="orthographicFront" fov="0">
+              <a:rot lat="0" lon="0" rev="0"/>
+            </a:camera>
+            <a:lightRig rig="glow" dir="t">
+              <a:rot lat="0" lon="0" rev="6360000"/>
+            </a:lightRig>
+          </a:scene3d>
+          <a:sp3d contourW="1000" prstMaterial="flat">
+            <a:bevelT w="95250" h="101600"/>
+            <a:contourClr>
+              <a:schemeClr val="phClr">
+                <a:satMod val="300000"/>
+              </a:schemeClr>
+            </a:contourClr>
+          </a:sp3d>
+        </a:effectStyle>
+      </a:effectStyleLst>
+      <a:bgFillStyleLst>
+        <a:solidFill>
+          <a:schemeClr val="phClr"/>
+        </a:solidFill>
+        <a:gradFill rotWithShape="1">
+          <a:gsLst>
+            <a:gs pos="0">
+              <a:schemeClr val="phClr">
+                <a:tint val="55000"/>
+                <a:satMod val="300000"/>
+              </a:schemeClr>
+            </a:gs>
+            <a:gs pos="40000">
+              <a:schemeClr val="phClr">
+                <a:tint val="65000"/>
+                <a:satMod val="300000"/>
+              </a:schemeClr>
+            </a:gs>
+            <a:gs pos="100000">
+              <a:schemeClr val="phClr">
+                <a:shade val="65000"/>
+                <a:satMod val="300000"/>
+              </a:schemeClr>
+            </a:gs>
+          </a:gsLst>
+          <a:path path="circle">
+            <a:fillToRect l="65000" b="98000"/>
+          </a:path>
+        </a:gradFill>
+        <a:blipFill>
+          <a:blip xmlns:r="http://schemas.openxmlformats.org/officeDocument/2006/relationships" r:embed="rId1">
+            <a:duotone>
+              <a:schemeClr val="phClr">
+                <a:shade val="60000"/>
+                <a:satMod val="110000"/>
+              </a:schemeClr>
+              <a:schemeClr val="phClr">
+                <a:tint val="95000"/>
+              </a:schemeClr>
+            </a:duotone>
+          </a:blip>
+          <a:tile tx="0" ty="0" sx="50000" sy="50000" flip="none" algn="tl"/>
+        </a:blipFill>
+      </a:bgFillStyleLst>
+    </a:fmtScheme>
+  </a:themeElements>
+  <a:objectDefaults/>
+  <a:extraClrSchemeLst/>
+</a:theme>
+</file>
+
+<file path=ppt/theme/theme2.xml><?xml version="1.0" encoding="utf-8"?>
 <a:theme xmlns:a="http://schemas.openxmlformats.org/drawingml/2006/main" name="Office Theme">
   <a:themeElements>
     <a:clrScheme name="Office">
@@ -5234,39 +7898,39 @@
         <a:sysClr val="window" lastClr="FFFFFF"/>
       </a:lt1>
       <a:dk2>
-        <a:srgbClr val="44546A"/>
+        <a:srgbClr val="1F497D"/>
       </a:dk2>
       <a:lt2>
-        <a:srgbClr val="E7E6E6"/>
+        <a:srgbClr val="EEECE1"/>
       </a:lt2>
       <a:accent1>
-        <a:srgbClr val="5B9BD5"/>
+        <a:srgbClr val="4F81BD"/>
       </a:accent1>
       <a:accent2>
-        <a:srgbClr val="ED7D31"/>
+        <a:srgbClr val="C0504D"/>
       </a:accent2>
       <a:accent3>
-        <a:srgbClr val="A5A5A5"/>
+        <a:srgbClr val="9BBB59"/>
       </a:accent3>
       <a:accent4>
-        <a:srgbClr val="FFC000"/>
+        <a:srgbClr val="8064A2"/>
       </a:accent4>
       <a:accent5>
-        <a:srgbClr val="4472C4"/>
+        <a:srgbClr val="4BACC6"/>
       </a:accent5>
       <a:accent6>
-        <a:srgbClr val="70AD47"/>
+        <a:srgbClr val="F79646"/>
       </a:accent6>
       <a:hlink>
-        <a:srgbClr val="0563C1"/>
+        <a:srgbClr val="0000FF"/>
       </a:hlink>
       <a:folHlink>
-        <a:srgbClr val="954F72"/>
+        <a:srgbClr val="800080"/>
       </a:folHlink>
     </a:clrScheme>
     <a:fontScheme name="Office">
       <a:majorFont>
-        <a:latin typeface="Calibri Light" panose="020F0302020204030204"/>
+        <a:latin typeface="Calibri"/>
         <a:ea typeface=""/>
         <a:cs typeface=""/>
         <a:font script="Jpan" typeface="ＭＳ Ｐゴシック"/>
@@ -5298,10 +7962,9 @@
         <a:font script="Mong" typeface="Mongolian Baiti"/>
         <a:font script="Viet" typeface="Times New Roman"/>
         <a:font script="Uigh" typeface="Microsoft Uighur"/>
-        <a:font script="Geor" typeface="Sylfaen"/>
       </a:majorFont>
       <a:minorFont>
-        <a:latin typeface="Calibri" panose="020F0502020204030204"/>
+        <a:latin typeface="Calibri"/>
         <a:ea typeface=""/>
         <a:cs typeface=""/>
         <a:font script="Jpan" typeface="ＭＳ Ｐゴシック"/>
@@ -5333,7 +7996,6 @@
         <a:font script="Mong" typeface="Mongolian Baiti"/>
         <a:font script="Viet" typeface="Arial"/>
         <a:font script="Uigh" typeface="Microsoft Uighur"/>
-        <a:font script="Geor" typeface="Sylfaen"/>
       </a:minorFont>
     </a:fontScheme>
     <a:fmtScheme name="Office">
@@ -5345,141 +8007,165 @@
           <a:gsLst>
             <a:gs pos="0">
               <a:schemeClr val="phClr">
-                <a:lumMod val="110000"/>
-                <a:satMod val="105000"/>
-                <a:tint val="67000"/>
+                <a:tint val="50000"/>
+                <a:satMod val="300000"/>
               </a:schemeClr>
             </a:gs>
-            <a:gs pos="50000">
+            <a:gs pos="35000">
               <a:schemeClr val="phClr">
-                <a:lumMod val="105000"/>
-                <a:satMod val="103000"/>
-                <a:tint val="73000"/>
+                <a:tint val="37000"/>
+                <a:satMod val="300000"/>
               </a:schemeClr>
             </a:gs>
             <a:gs pos="100000">
               <a:schemeClr val="phClr">
-                <a:lumMod val="105000"/>
-                <a:satMod val="109000"/>
-                <a:tint val="81000"/>
+                <a:tint val="15000"/>
+                <a:satMod val="350000"/>
               </a:schemeClr>
             </a:gs>
           </a:gsLst>
-          <a:lin ang="5400000" scaled="0"/>
+          <a:lin ang="16200000" scaled="1"/>
         </a:gradFill>
         <a:gradFill rotWithShape="1">
           <a:gsLst>
             <a:gs pos="0">
               <a:schemeClr val="phClr">
-                <a:satMod val="103000"/>
-                <a:lumMod val="102000"/>
-                <a:tint val="94000"/>
+                <a:shade val="51000"/>
+                <a:satMod val="130000"/>
               </a:schemeClr>
             </a:gs>
-            <a:gs pos="50000">
+            <a:gs pos="80000">
               <a:schemeClr val="phClr">
-                <a:satMod val="110000"/>
-                <a:lumMod val="100000"/>
-                <a:shade val="100000"/>
+                <a:shade val="93000"/>
+                <a:satMod val="130000"/>
               </a:schemeClr>
             </a:gs>
             <a:gs pos="100000">
               <a:schemeClr val="phClr">
-                <a:lumMod val="99000"/>
-                <a:satMod val="120000"/>
-                <a:shade val="78000"/>
+                <a:shade val="94000"/>
+                <a:satMod val="135000"/>
               </a:schemeClr>
             </a:gs>
           </a:gsLst>
-          <a:lin ang="5400000" scaled="0"/>
+          <a:lin ang="16200000" scaled="0"/>
         </a:gradFill>
       </a:fillStyleLst>
       <a:lnStyleLst>
-        <a:ln w="6350" cap="flat" cmpd="sng" algn="ctr">
+        <a:ln w="9525" cap="flat" cmpd="sng" algn="ctr">
+          <a:solidFill>
+            <a:schemeClr val="phClr">
+              <a:shade val="95000"/>
+              <a:satMod val="105000"/>
+            </a:schemeClr>
+          </a:solidFill>
+          <a:prstDash val="solid"/>
+        </a:ln>
+        <a:ln w="25400" cap="flat" cmpd="sng" algn="ctr">
           <a:solidFill>
             <a:schemeClr val="phClr"/>
           </a:solidFill>
           <a:prstDash val="solid"/>
-          <a:miter lim="800000"/>
         </a:ln>
-        <a:ln w="12700" cap="flat" cmpd="sng" algn="ctr">
+        <a:ln w="38100" cap="flat" cmpd="sng" algn="ctr">
           <a:solidFill>
             <a:schemeClr val="phClr"/>
           </a:solidFill>
           <a:prstDash val="solid"/>
-          <a:miter lim="800000"/>
-        </a:ln>
-        <a:ln w="19050" cap="flat" cmpd="sng" algn="ctr">
-          <a:solidFill>
-            <a:schemeClr val="phClr"/>
-          </a:solidFill>
-          <a:prstDash val="solid"/>
-          <a:miter lim="800000"/>
         </a:ln>
       </a:lnStyleLst>
       <a:effectStyleLst>
         <a:effectStyle>
-          <a:effectLst/>
-        </a:effectStyle>
-        <a:effectStyle>
-          <a:effectLst/>
+          <a:effectLst>
+            <a:outerShdw blurRad="40000" dist="20000" dir="5400000" rotWithShape="0">
+              <a:srgbClr val="000000">
+                <a:alpha val="38000"/>
+              </a:srgbClr>
+            </a:outerShdw>
+          </a:effectLst>
         </a:effectStyle>
         <a:effectStyle>
           <a:effectLst>
-            <a:outerShdw blurRad="57150" dist="19050" dir="5400000" algn="ctr" rotWithShape="0">
+            <a:outerShdw blurRad="40000" dist="23000" dir="5400000" rotWithShape="0">
               <a:srgbClr val="000000">
-                <a:alpha val="63000"/>
+                <a:alpha val="35000"/>
               </a:srgbClr>
             </a:outerShdw>
           </a:effectLst>
+        </a:effectStyle>
+        <a:effectStyle>
+          <a:effectLst>
+            <a:outerShdw blurRad="40000" dist="23000" dir="5400000" rotWithShape="0">
+              <a:srgbClr val="000000">
+                <a:alpha val="35000"/>
+              </a:srgbClr>
+            </a:outerShdw>
+          </a:effectLst>
+          <a:scene3d>
+            <a:camera prst="orthographicFront">
+              <a:rot lat="0" lon="0" rev="0"/>
+            </a:camera>
+            <a:lightRig rig="threePt" dir="t">
+              <a:rot lat="0" lon="0" rev="1200000"/>
+            </a:lightRig>
+          </a:scene3d>
+          <a:sp3d>
+            <a:bevelT w="63500" h="25400"/>
+          </a:sp3d>
         </a:effectStyle>
       </a:effectStyleLst>
       <a:bgFillStyleLst>
         <a:solidFill>
           <a:schemeClr val="phClr"/>
         </a:solidFill>
-        <a:solidFill>
-          <a:schemeClr val="phClr">
-            <a:tint val="95000"/>
-            <a:satMod val="170000"/>
-          </a:schemeClr>
-        </a:solidFill>
         <a:gradFill rotWithShape="1">
           <a:gsLst>
             <a:gs pos="0">
               <a:schemeClr val="phClr">
-                <a:tint val="93000"/>
-                <a:satMod val="150000"/>
-                <a:shade val="98000"/>
-                <a:lumMod val="102000"/>
+                <a:tint val="40000"/>
+                <a:satMod val="350000"/>
               </a:schemeClr>
             </a:gs>
-            <a:gs pos="50000">
+            <a:gs pos="40000">
               <a:schemeClr val="phClr">
-                <a:tint val="98000"/>
-                <a:satMod val="130000"/>
-                <a:shade val="90000"/>
-                <a:lumMod val="103000"/>
+                <a:tint val="45000"/>
+                <a:shade val="99000"/>
+                <a:satMod val="350000"/>
               </a:schemeClr>
             </a:gs>
             <a:gs pos="100000">
               <a:schemeClr val="phClr">
-                <a:shade val="63000"/>
-                <a:satMod val="120000"/>
+                <a:shade val="20000"/>
+                <a:satMod val="255000"/>
               </a:schemeClr>
             </a:gs>
           </a:gsLst>
-          <a:lin ang="5400000" scaled="0"/>
+          <a:path path="circle">
+            <a:fillToRect l="50000" t="-80000" r="50000" b="180000"/>
+          </a:path>
+        </a:gradFill>
+        <a:gradFill rotWithShape="1">
+          <a:gsLst>
+            <a:gs pos="0">
+              <a:schemeClr val="phClr">
+                <a:tint val="80000"/>
+                <a:satMod val="300000"/>
+              </a:schemeClr>
+            </a:gs>
+            <a:gs pos="100000">
+              <a:schemeClr val="phClr">
+                <a:shade val="30000"/>
+                <a:satMod val="200000"/>
+              </a:schemeClr>
+            </a:gs>
+          </a:gsLst>
+          <a:path path="circle">
+            <a:fillToRect l="50000" t="50000" r="50000" b="50000"/>
+          </a:path>
         </a:gradFill>
       </a:bgFillStyleLst>
     </a:fmtScheme>
   </a:themeElements>
   <a:objectDefaults/>
   <a:extraClrSchemeLst/>
-  <a:extLst>
-    <a:ext uri="{05A4C25C-085E-4340-85A3-A5531E510DB2}">
-      <thm15:themeFamily xmlns:thm15="http://schemas.microsoft.com/office/thememl/2012/main" name="Office Theme" id="{62F939B6-93AF-4DB8-9C6B-D6C7DFDC589F}" vid="{4A3C46E8-61CC-4603-A589-7422A47A8E4A}"/>
-    </a:ext>
-  </a:extLst>
 </a:theme>
 </file>